--- a/QG官网项目汇报.pptx
+++ b/QG官网项目汇报.pptx
@@ -5,19 +5,21 @@
     <p:sldMasterId id="2147483648" r:id="rId1"/>
   </p:sldMasterIdLst>
   <p:notesMasterIdLst>
-    <p:notesMasterId r:id="rId12"/>
+    <p:notesMasterId r:id="rId14"/>
   </p:notesMasterIdLst>
   <p:sldIdLst>
     <p:sldId id="256" r:id="rId2"/>
     <p:sldId id="257" r:id="rId3"/>
     <p:sldId id="262" r:id="rId4"/>
     <p:sldId id="258" r:id="rId5"/>
-    <p:sldId id="259" r:id="rId6"/>
-    <p:sldId id="260" r:id="rId7"/>
-    <p:sldId id="264" r:id="rId8"/>
-    <p:sldId id="265" r:id="rId9"/>
-    <p:sldId id="263" r:id="rId10"/>
-    <p:sldId id="261" r:id="rId11"/>
+    <p:sldId id="260" r:id="rId6"/>
+    <p:sldId id="264" r:id="rId7"/>
+    <p:sldId id="265" r:id="rId8"/>
+    <p:sldId id="263" r:id="rId9"/>
+    <p:sldId id="266" r:id="rId10"/>
+    <p:sldId id="267" r:id="rId11"/>
+    <p:sldId id="259" r:id="rId12"/>
+    <p:sldId id="261" r:id="rId13"/>
   </p:sldIdLst>
   <p:sldSz cx="12192000" cy="6858000"/>
   <p:notesSz cx="6858000" cy="9144000"/>
@@ -206,7 +208,7 @@
           <a:p>
             <a:fld id="{2C827FA3-F150-4AE4-B1B5-7B8BBD0815FE}" type="datetimeFigureOut">
               <a:rPr lang="zh-CN" altLang="en-US" smtClean="0"/>
-              <a:t>2019-08-01</a:t>
+              <a:t>2019-08-02</a:t>
             </a:fld>
             <a:endParaRPr lang="zh-CN" altLang="en-US"/>
           </a:p>
@@ -597,7 +599,7 @@
           <a:p>
             <a:fld id="{9D03AEF8-946B-45D2-8FF6-27B9ACAE0A75}" type="datetimeFigureOut">
               <a:rPr lang="zh-CN" altLang="en-US" smtClean="0"/>
-              <a:t>2019-08-01</a:t>
+              <a:t>2019-08-02</a:t>
             </a:fld>
             <a:endParaRPr lang="zh-CN" altLang="en-US"/>
           </a:p>
@@ -760,7 +762,7 @@
           <a:p>
             <a:fld id="{9D03AEF8-946B-45D2-8FF6-27B9ACAE0A75}" type="datetimeFigureOut">
               <a:rPr lang="zh-CN" altLang="en-US" smtClean="0"/>
-              <a:t>2019-08-01</a:t>
+              <a:t>2019-08-02</a:t>
             </a:fld>
             <a:endParaRPr lang="zh-CN" altLang="en-US"/>
           </a:p>
@@ -933,7 +935,7 @@
           <a:p>
             <a:fld id="{9D03AEF8-946B-45D2-8FF6-27B9ACAE0A75}" type="datetimeFigureOut">
               <a:rPr lang="zh-CN" altLang="en-US" smtClean="0"/>
-              <a:t>2019-08-01</a:t>
+              <a:t>2019-08-02</a:t>
             </a:fld>
             <a:endParaRPr lang="zh-CN" altLang="en-US"/>
           </a:p>
@@ -1096,7 +1098,7 @@
           <a:p>
             <a:fld id="{9D03AEF8-946B-45D2-8FF6-27B9ACAE0A75}" type="datetimeFigureOut">
               <a:rPr lang="zh-CN" altLang="en-US" smtClean="0"/>
-              <a:t>2019-08-01</a:t>
+              <a:t>2019-08-02</a:t>
             </a:fld>
             <a:endParaRPr lang="zh-CN" altLang="en-US"/>
           </a:p>
@@ -1336,7 +1338,7 @@
           <a:p>
             <a:fld id="{9D03AEF8-946B-45D2-8FF6-27B9ACAE0A75}" type="datetimeFigureOut">
               <a:rPr lang="zh-CN" altLang="en-US" smtClean="0"/>
-              <a:t>2019-08-01</a:t>
+              <a:t>2019-08-02</a:t>
             </a:fld>
             <a:endParaRPr lang="zh-CN" altLang="en-US"/>
           </a:p>
@@ -1560,7 +1562,7 @@
           <a:p>
             <a:fld id="{9D03AEF8-946B-45D2-8FF6-27B9ACAE0A75}" type="datetimeFigureOut">
               <a:rPr lang="zh-CN" altLang="en-US" smtClean="0"/>
-              <a:t>2019-08-01</a:t>
+              <a:t>2019-08-02</a:t>
             </a:fld>
             <a:endParaRPr lang="zh-CN" altLang="en-US"/>
           </a:p>
@@ -1919,7 +1921,7 @@
           <a:p>
             <a:fld id="{9D03AEF8-946B-45D2-8FF6-27B9ACAE0A75}" type="datetimeFigureOut">
               <a:rPr lang="zh-CN" altLang="en-US" smtClean="0"/>
-              <a:t>2019-08-01</a:t>
+              <a:t>2019-08-02</a:t>
             </a:fld>
             <a:endParaRPr lang="zh-CN" altLang="en-US"/>
           </a:p>
@@ -2031,7 +2033,7 @@
           <a:p>
             <a:fld id="{9D03AEF8-946B-45D2-8FF6-27B9ACAE0A75}" type="datetimeFigureOut">
               <a:rPr lang="zh-CN" altLang="en-US" smtClean="0"/>
-              <a:t>2019-08-01</a:t>
+              <a:t>2019-08-02</a:t>
             </a:fld>
             <a:endParaRPr lang="zh-CN" altLang="en-US"/>
           </a:p>
@@ -2121,7 +2123,7 @@
           <a:p>
             <a:fld id="{9D03AEF8-946B-45D2-8FF6-27B9ACAE0A75}" type="datetimeFigureOut">
               <a:rPr lang="zh-CN" altLang="en-US" smtClean="0"/>
-              <a:t>2019-08-01</a:t>
+              <a:t>2019-08-02</a:t>
             </a:fld>
             <a:endParaRPr lang="zh-CN" altLang="en-US"/>
           </a:p>
@@ -2391,7 +2393,7 @@
           <a:p>
             <a:fld id="{9D03AEF8-946B-45D2-8FF6-27B9ACAE0A75}" type="datetimeFigureOut">
               <a:rPr lang="zh-CN" altLang="en-US" smtClean="0"/>
-              <a:t>2019-08-01</a:t>
+              <a:t>2019-08-02</a:t>
             </a:fld>
             <a:endParaRPr lang="zh-CN" altLang="en-US"/>
           </a:p>
@@ -2638,7 +2640,7 @@
           <a:p>
             <a:fld id="{9D03AEF8-946B-45D2-8FF6-27B9ACAE0A75}" type="datetimeFigureOut">
               <a:rPr lang="zh-CN" altLang="en-US" smtClean="0"/>
-              <a:t>2019-08-01</a:t>
+              <a:t>2019-08-02</a:t>
             </a:fld>
             <a:endParaRPr lang="zh-CN" altLang="en-US"/>
           </a:p>
@@ -2847,7 +2849,7 @@
           <a:p>
             <a:fld id="{9D03AEF8-946B-45D2-8FF6-27B9ACAE0A75}" type="datetimeFigureOut">
               <a:rPr lang="zh-CN" altLang="en-US" smtClean="0"/>
-              <a:t>2019-08-01</a:t>
+              <a:t>2019-08-02</a:t>
             </a:fld>
             <a:endParaRPr lang="zh-CN" altLang="en-US"/>
           </a:p>
@@ -9113,6 +9115,3647 @@
 </file>
 
 <file path=ppt/slides/slide10.xml><?xml version="1.0" encoding="utf-8"?>
+<p:sld xmlns:a="http://schemas.openxmlformats.org/drawingml/2006/main" xmlns:r="http://schemas.openxmlformats.org/officeDocument/2006/relationships" xmlns:p="http://schemas.openxmlformats.org/presentationml/2006/main">
+  <p:cSld>
+    <p:spTree>
+      <p:nvGrpSpPr>
+        <p:cNvPr id="1" name=""/>
+        <p:cNvGrpSpPr/>
+        <p:nvPr/>
+      </p:nvGrpSpPr>
+      <p:grpSpPr>
+        <a:xfrm>
+          <a:off x="0" y="0"/>
+          <a:ext cx="0" cy="0"/>
+          <a:chOff x="0" y="0"/>
+          <a:chExt cx="0" cy="0"/>
+        </a:xfrm>
+      </p:grpSpPr>
+      <p:sp>
+        <p:nvSpPr>
+          <p:cNvPr id="11" name="Oval 66"/>
+          <p:cNvSpPr>
+            <a:spLocks noChangeArrowheads="1"/>
+          </p:cNvSpPr>
+          <p:nvPr/>
+        </p:nvSpPr>
+        <p:spPr bwMode="auto">
+          <a:xfrm>
+            <a:off x="-400834" y="-1376721"/>
+            <a:ext cx="3587632" cy="3587632"/>
+          </a:xfrm>
+          <a:prstGeom prst="ellipse">
+            <a:avLst/>
+          </a:prstGeom>
+          <a:solidFill>
+            <a:srgbClr val="7030A0"/>
+          </a:solidFill>
+          <a:ln>
+            <a:noFill/>
+          </a:ln>
+          <a:effectLst>
+            <a:outerShdw blurRad="215900" dist="38100" dir="2700000" sx="103000" sy="103000" algn="tl" rotWithShape="0">
+              <a:prstClr val="black">
+                <a:alpha val="40000"/>
+              </a:prstClr>
+            </a:outerShdw>
+          </a:effectLst>
+        </p:spPr>
+        <p:txBody>
+          <a:bodyPr vert="horz" wrap="square" lIns="91440" tIns="45720" rIns="91440" bIns="45720" numCol="1" anchor="t" anchorCtr="0" compatLnSpc="1"/>
+          <a:lstStyle/>
+          <a:p>
+            <a:pPr lvl="0"/>
+            <a:endParaRPr lang="zh-CN" altLang="en-US"/>
+          </a:p>
+        </p:txBody>
+      </p:sp>
+      <p:sp>
+        <p:nvSpPr>
+          <p:cNvPr id="12" name="Oval 72"/>
+          <p:cNvSpPr>
+            <a:spLocks noChangeArrowheads="1"/>
+          </p:cNvSpPr>
+          <p:nvPr/>
+        </p:nvSpPr>
+        <p:spPr bwMode="auto">
+          <a:xfrm>
+            <a:off x="2535381" y="874806"/>
+            <a:ext cx="1002145" cy="1002145"/>
+          </a:xfrm>
+          <a:prstGeom prst="ellipse">
+            <a:avLst/>
+          </a:prstGeom>
+          <a:solidFill>
+            <a:srgbClr val="A162D0"/>
+          </a:solidFill>
+          <a:ln>
+            <a:noFill/>
+          </a:ln>
+          <a:effectLst>
+            <a:outerShdw blurRad="215900" dist="38100" dir="2700000" sx="103000" sy="103000" algn="tl" rotWithShape="0">
+              <a:prstClr val="black">
+                <a:alpha val="40000"/>
+              </a:prstClr>
+            </a:outerShdw>
+          </a:effectLst>
+        </p:spPr>
+        <p:txBody>
+          <a:bodyPr vert="horz" wrap="square" lIns="91440" tIns="45720" rIns="91440" bIns="45720" numCol="1" anchor="t" anchorCtr="0" compatLnSpc="1"/>
+          <a:lstStyle/>
+          <a:p>
+            <a:pPr lvl="0"/>
+            <a:endParaRPr lang="zh-CN" altLang="en-US"/>
+          </a:p>
+        </p:txBody>
+      </p:sp>
+      <p:pic>
+        <p:nvPicPr>
+          <p:cNvPr id="13" name="图片 12"/>
+          <p:cNvPicPr>
+            <a:picLocks noChangeAspect="1"/>
+          </p:cNvPicPr>
+          <p:nvPr/>
+        </p:nvPicPr>
+        <p:blipFill>
+          <a:blip r:embed="rId2" cstate="print">
+            <a:extLst>
+              <a:ext uri="{28A0092B-C50C-407E-A947-70E740481C1C}">
+                <a14:useLocalDpi xmlns:a14="http://schemas.microsoft.com/office/drawing/2010/main" val="0"/>
+              </a:ext>
+            </a:extLst>
+          </a:blip>
+          <a:stretch>
+            <a:fillRect/>
+          </a:stretch>
+        </p:blipFill>
+        <p:spPr>
+          <a:xfrm>
+            <a:off x="10854188" y="5669107"/>
+            <a:ext cx="875357" cy="891219"/>
+          </a:xfrm>
+          <a:prstGeom prst="rect">
+            <a:avLst/>
+          </a:prstGeom>
+          <a:effectLst>
+            <a:outerShdw blurRad="215900" dist="38100" dir="2700000" sx="103000" sy="103000" algn="tl" rotWithShape="0">
+              <a:prstClr val="black">
+                <a:alpha val="40000"/>
+              </a:prstClr>
+            </a:outerShdw>
+            <a:softEdge rad="0"/>
+          </a:effectLst>
+        </p:spPr>
+      </p:pic>
+      <p:sp>
+        <p:nvSpPr>
+          <p:cNvPr id="2" name="标题 1"/>
+          <p:cNvSpPr>
+            <a:spLocks noGrp="1"/>
+          </p:cNvSpPr>
+          <p:nvPr>
+            <p:ph type="ctrTitle"/>
+          </p:nvPr>
+        </p:nvSpPr>
+        <p:spPr>
+          <a:xfrm>
+            <a:off x="346363" y="229659"/>
+            <a:ext cx="2355273" cy="1002145"/>
+          </a:xfrm>
+        </p:spPr>
+        <p:txBody>
+          <a:bodyPr>
+            <a:normAutofit/>
+          </a:bodyPr>
+          <a:lstStyle/>
+          <a:p>
+            <a:r>
+              <a:rPr lang="zh-CN" altLang="en-US" sz="3600" b="1" i="1" dirty="0">
+                <a:solidFill>
+                  <a:schemeClr val="bg1">
+                    <a:lumMod val="95000"/>
+                  </a:schemeClr>
+                </a:solidFill>
+                <a:latin typeface="黑体" panose="02010609060101010101" pitchFamily="49" charset="-122"/>
+                <a:ea typeface="黑体" panose="02010609060101010101" pitchFamily="49" charset="-122"/>
+              </a:rPr>
+              <a:t>小组情况</a:t>
+            </a:r>
+          </a:p>
+        </p:txBody>
+      </p:sp>
+      <p:sp>
+        <p:nvSpPr>
+          <p:cNvPr id="3" name="文本框 2"/>
+          <p:cNvSpPr txBox="1"/>
+          <p:nvPr/>
+        </p:nvSpPr>
+        <p:spPr>
+          <a:xfrm>
+            <a:off x="611447" y="1196697"/>
+            <a:ext cx="2164080" cy="369332"/>
+          </a:xfrm>
+          <a:prstGeom prst="rect">
+            <a:avLst/>
+          </a:prstGeom>
+          <a:noFill/>
+        </p:spPr>
+        <p:txBody>
+          <a:bodyPr wrap="square" rtlCol="0">
+            <a:spAutoFit/>
+          </a:bodyPr>
+          <a:lstStyle/>
+          <a:p>
+            <a:r>
+              <a:rPr lang="en-US" altLang="zh-CN" i="1" dirty="0">
+                <a:solidFill>
+                  <a:schemeClr val="bg1">
+                    <a:lumMod val="95000"/>
+                  </a:schemeClr>
+                </a:solidFill>
+                <a:latin typeface="+mj-ea"/>
+                <a:ea typeface="+mj-ea"/>
+              </a:rPr>
+              <a:t>group situation</a:t>
+            </a:r>
+            <a:endParaRPr lang="zh-CN" altLang="en-US" i="1" dirty="0">
+              <a:solidFill>
+                <a:schemeClr val="bg1">
+                  <a:lumMod val="95000"/>
+                </a:schemeClr>
+              </a:solidFill>
+              <a:latin typeface="+mj-ea"/>
+              <a:ea typeface="+mj-ea"/>
+            </a:endParaRPr>
+          </a:p>
+        </p:txBody>
+      </p:sp>
+      <p:grpSp>
+        <p:nvGrpSpPr>
+          <p:cNvPr id="14" name="组合 13"/>
+          <p:cNvGrpSpPr/>
+          <p:nvPr/>
+        </p:nvGrpSpPr>
+        <p:grpSpPr>
+          <a:xfrm>
+            <a:off x="439738" y="297674"/>
+            <a:ext cx="11405899" cy="7255651"/>
+            <a:chOff x="439738" y="297674"/>
+            <a:chExt cx="11405899" cy="7255651"/>
+          </a:xfrm>
+        </p:grpSpPr>
+        <p:sp>
+          <p:nvSpPr>
+            <p:cNvPr id="15" name="Oval 67"/>
+            <p:cNvSpPr>
+              <a:spLocks noChangeArrowheads="1"/>
+            </p:cNvSpPr>
+            <p:nvPr/>
+          </p:nvSpPr>
+          <p:spPr bwMode="auto">
+            <a:xfrm>
+              <a:off x="2093913" y="6356350"/>
+              <a:ext cx="1195388" cy="1196975"/>
+            </a:xfrm>
+            <a:prstGeom prst="ellipse">
+              <a:avLst/>
+            </a:prstGeom>
+            <a:solidFill>
+              <a:srgbClr val="A162D0"/>
+            </a:solidFill>
+            <a:ln>
+              <a:noFill/>
+            </a:ln>
+            <a:effectLst>
+              <a:outerShdw blurRad="215900" dist="38100" dir="2700000" sx="103000" sy="103000" algn="tl" rotWithShape="0">
+                <a:prstClr val="black">
+                  <a:alpha val="40000"/>
+                </a:prstClr>
+              </a:outerShdw>
+            </a:effectLst>
+          </p:spPr>
+          <p:txBody>
+            <a:bodyPr vert="horz" wrap="square" lIns="91440" tIns="45720" rIns="91440" bIns="45720" numCol="1" anchor="t" anchorCtr="0" compatLnSpc="1"/>
+            <a:lstStyle/>
+            <a:p>
+              <a:pPr lvl="0"/>
+              <a:endParaRPr lang="zh-CN" altLang="en-US"/>
+            </a:p>
+          </p:txBody>
+        </p:sp>
+        <p:sp>
+          <p:nvSpPr>
+            <p:cNvPr id="16" name="Oval 73"/>
+            <p:cNvSpPr>
+              <a:spLocks noChangeArrowheads="1"/>
+            </p:cNvSpPr>
+            <p:nvPr/>
+          </p:nvSpPr>
+          <p:spPr bwMode="auto">
+            <a:xfrm>
+              <a:off x="439738" y="6219825"/>
+              <a:ext cx="441325" cy="441325"/>
+            </a:xfrm>
+            <a:prstGeom prst="ellipse">
+              <a:avLst/>
+            </a:prstGeom>
+            <a:solidFill>
+              <a:srgbClr val="313648"/>
+            </a:solidFill>
+            <a:ln>
+              <a:noFill/>
+            </a:ln>
+            <a:extLst>
+              <a:ext uri="{91240B29-F687-4F45-9708-019B960494DF}">
+                <a14:hiddenLine xmlns:a14="http://schemas.microsoft.com/office/drawing/2010/main" w="9525">
+                  <a:solidFill>
+                    <a:srgbClr val="000000"/>
+                  </a:solidFill>
+                  <a:round/>
+                </a14:hiddenLine>
+              </a:ext>
+            </a:extLst>
+          </p:spPr>
+          <p:txBody>
+            <a:bodyPr vert="horz" wrap="square" lIns="91440" tIns="45720" rIns="91440" bIns="45720" numCol="1" anchor="t" anchorCtr="0" compatLnSpc="1"/>
+            <a:lstStyle/>
+            <a:p>
+              <a:endParaRPr lang="zh-CN" altLang="en-US"/>
+            </a:p>
+          </p:txBody>
+        </p:sp>
+        <p:sp>
+          <p:nvSpPr>
+            <p:cNvPr id="17" name="Oval 76"/>
+            <p:cNvSpPr>
+              <a:spLocks noChangeArrowheads="1"/>
+            </p:cNvSpPr>
+            <p:nvPr/>
+          </p:nvSpPr>
+          <p:spPr bwMode="auto">
+            <a:xfrm>
+              <a:off x="3998913" y="6338888"/>
+              <a:ext cx="315913" cy="314325"/>
+            </a:xfrm>
+            <a:prstGeom prst="ellipse">
+              <a:avLst/>
+            </a:prstGeom>
+            <a:solidFill>
+              <a:srgbClr val="7030A0"/>
+            </a:solidFill>
+            <a:ln>
+              <a:noFill/>
+            </a:ln>
+            <a:extLst>
+              <a:ext uri="{91240B29-F687-4F45-9708-019B960494DF}">
+                <a14:hiddenLine xmlns:a14="http://schemas.microsoft.com/office/drawing/2010/main" w="9525">
+                  <a:solidFill>
+                    <a:srgbClr val="000000"/>
+                  </a:solidFill>
+                  <a:round/>
+                </a14:hiddenLine>
+              </a:ext>
+            </a:extLst>
+          </p:spPr>
+          <p:txBody>
+            <a:bodyPr vert="horz" wrap="square" lIns="91440" tIns="45720" rIns="91440" bIns="45720" numCol="1" anchor="t" anchorCtr="0" compatLnSpc="1"/>
+            <a:lstStyle/>
+            <a:p>
+              <a:endParaRPr lang="zh-CN" altLang="en-US"/>
+            </a:p>
+          </p:txBody>
+        </p:sp>
+        <p:sp>
+          <p:nvSpPr>
+            <p:cNvPr id="18" name="Oval 78"/>
+            <p:cNvSpPr>
+              <a:spLocks noChangeArrowheads="1"/>
+            </p:cNvSpPr>
+            <p:nvPr/>
+          </p:nvSpPr>
+          <p:spPr bwMode="auto">
+            <a:xfrm>
+              <a:off x="11102687" y="297674"/>
+              <a:ext cx="742950" cy="746125"/>
+            </a:xfrm>
+            <a:prstGeom prst="ellipse">
+              <a:avLst/>
+            </a:prstGeom>
+            <a:solidFill>
+              <a:srgbClr val="7030A0"/>
+            </a:solidFill>
+            <a:ln>
+              <a:noFill/>
+            </a:ln>
+            <a:effectLst>
+              <a:outerShdw blurRad="215900" dist="38100" dir="2700000" sx="103000" sy="103000" algn="tl" rotWithShape="0">
+                <a:prstClr val="black">
+                  <a:alpha val="40000"/>
+                </a:prstClr>
+              </a:outerShdw>
+            </a:effectLst>
+          </p:spPr>
+          <p:txBody>
+            <a:bodyPr vert="horz" wrap="square" lIns="91440" tIns="45720" rIns="91440" bIns="45720" numCol="1" anchor="t" anchorCtr="0" compatLnSpc="1"/>
+            <a:lstStyle/>
+            <a:p>
+              <a:pPr lvl="0"/>
+              <a:endParaRPr lang="zh-CN" altLang="en-US"/>
+            </a:p>
+          </p:txBody>
+        </p:sp>
+        <p:sp>
+          <p:nvSpPr>
+            <p:cNvPr id="19" name="Oval 79"/>
+            <p:cNvSpPr>
+              <a:spLocks noChangeArrowheads="1"/>
+            </p:cNvSpPr>
+            <p:nvPr/>
+          </p:nvSpPr>
+          <p:spPr bwMode="auto">
+            <a:xfrm>
+              <a:off x="11012090" y="755372"/>
+              <a:ext cx="441325" cy="441325"/>
+            </a:xfrm>
+            <a:prstGeom prst="ellipse">
+              <a:avLst/>
+            </a:prstGeom>
+            <a:solidFill>
+              <a:srgbClr val="A162D0"/>
+            </a:solidFill>
+            <a:ln>
+              <a:noFill/>
+            </a:ln>
+            <a:effectLst>
+              <a:outerShdw blurRad="215900" dist="38100" dir="2700000" sx="103000" sy="103000" algn="tl" rotWithShape="0">
+                <a:prstClr val="black">
+                  <a:alpha val="40000"/>
+                </a:prstClr>
+              </a:outerShdw>
+            </a:effectLst>
+          </p:spPr>
+          <p:txBody>
+            <a:bodyPr vert="horz" wrap="square" lIns="91440" tIns="45720" rIns="91440" bIns="45720" numCol="1" anchor="t" anchorCtr="0" compatLnSpc="1"/>
+            <a:lstStyle/>
+            <a:p>
+              <a:pPr lvl="0"/>
+              <a:endParaRPr lang="zh-CN" altLang="en-US"/>
+            </a:p>
+          </p:txBody>
+        </p:sp>
+        <p:sp>
+          <p:nvSpPr>
+            <p:cNvPr id="20" name="Oval 80"/>
+            <p:cNvSpPr>
+              <a:spLocks noChangeArrowheads="1"/>
+            </p:cNvSpPr>
+            <p:nvPr/>
+          </p:nvSpPr>
+          <p:spPr bwMode="auto">
+            <a:xfrm>
+              <a:off x="6478588" y="6986588"/>
+              <a:ext cx="25400" cy="23813"/>
+            </a:xfrm>
+            <a:prstGeom prst="ellipse">
+              <a:avLst/>
+            </a:prstGeom>
+            <a:solidFill>
+              <a:srgbClr val="D3B2FC"/>
+            </a:solidFill>
+            <a:ln>
+              <a:noFill/>
+            </a:ln>
+            <a:extLst>
+              <a:ext uri="{91240B29-F687-4F45-9708-019B960494DF}">
+                <a14:hiddenLine xmlns:a14="http://schemas.microsoft.com/office/drawing/2010/main" w="9525">
+                  <a:solidFill>
+                    <a:srgbClr val="000000"/>
+                  </a:solidFill>
+                  <a:round/>
+                </a14:hiddenLine>
+              </a:ext>
+            </a:extLst>
+          </p:spPr>
+          <p:txBody>
+            <a:bodyPr vert="horz" wrap="square" lIns="91440" tIns="45720" rIns="91440" bIns="45720" numCol="1" anchor="t" anchorCtr="0" compatLnSpc="1"/>
+            <a:lstStyle/>
+            <a:p>
+              <a:endParaRPr lang="zh-CN" altLang="en-US"/>
+            </a:p>
+          </p:txBody>
+        </p:sp>
+        <p:sp>
+          <p:nvSpPr>
+            <p:cNvPr id="21" name="Oval 81"/>
+            <p:cNvSpPr>
+              <a:spLocks noChangeArrowheads="1"/>
+            </p:cNvSpPr>
+            <p:nvPr/>
+          </p:nvSpPr>
+          <p:spPr bwMode="auto">
+            <a:xfrm>
+              <a:off x="6473825" y="6869113"/>
+              <a:ext cx="31750" cy="31750"/>
+            </a:xfrm>
+            <a:prstGeom prst="ellipse">
+              <a:avLst/>
+            </a:prstGeom>
+            <a:solidFill>
+              <a:srgbClr val="D3B2FC"/>
+            </a:solidFill>
+            <a:ln>
+              <a:noFill/>
+            </a:ln>
+            <a:extLst>
+              <a:ext uri="{91240B29-F687-4F45-9708-019B960494DF}">
+                <a14:hiddenLine xmlns:a14="http://schemas.microsoft.com/office/drawing/2010/main" w="9525">
+                  <a:solidFill>
+                    <a:srgbClr val="000000"/>
+                  </a:solidFill>
+                  <a:round/>
+                </a14:hiddenLine>
+              </a:ext>
+            </a:extLst>
+          </p:spPr>
+          <p:txBody>
+            <a:bodyPr vert="horz" wrap="square" lIns="91440" tIns="45720" rIns="91440" bIns="45720" numCol="1" anchor="t" anchorCtr="0" compatLnSpc="1"/>
+            <a:lstStyle/>
+            <a:p>
+              <a:endParaRPr lang="zh-CN" altLang="en-US"/>
+            </a:p>
+          </p:txBody>
+        </p:sp>
+        <p:sp>
+          <p:nvSpPr>
+            <p:cNvPr id="22" name="Oval 82"/>
+            <p:cNvSpPr>
+              <a:spLocks noChangeArrowheads="1"/>
+            </p:cNvSpPr>
+            <p:nvPr/>
+          </p:nvSpPr>
+          <p:spPr bwMode="auto">
+            <a:xfrm>
+              <a:off x="7539038" y="6008688"/>
+              <a:ext cx="22225" cy="23813"/>
+            </a:xfrm>
+            <a:prstGeom prst="ellipse">
+              <a:avLst/>
+            </a:prstGeom>
+            <a:solidFill>
+              <a:srgbClr val="D3B2FC"/>
+            </a:solidFill>
+            <a:ln>
+              <a:noFill/>
+            </a:ln>
+            <a:extLst>
+              <a:ext uri="{91240B29-F687-4F45-9708-019B960494DF}">
+                <a14:hiddenLine xmlns:a14="http://schemas.microsoft.com/office/drawing/2010/main" w="9525">
+                  <a:solidFill>
+                    <a:srgbClr val="000000"/>
+                  </a:solidFill>
+                  <a:round/>
+                </a14:hiddenLine>
+              </a:ext>
+            </a:extLst>
+          </p:spPr>
+          <p:txBody>
+            <a:bodyPr vert="horz" wrap="square" lIns="91440" tIns="45720" rIns="91440" bIns="45720" numCol="1" anchor="t" anchorCtr="0" compatLnSpc="1"/>
+            <a:lstStyle/>
+            <a:p>
+              <a:endParaRPr lang="zh-CN" altLang="en-US"/>
+            </a:p>
+          </p:txBody>
+        </p:sp>
+        <p:sp>
+          <p:nvSpPr>
+            <p:cNvPr id="23" name="Oval 83"/>
+            <p:cNvSpPr>
+              <a:spLocks noChangeArrowheads="1"/>
+            </p:cNvSpPr>
+            <p:nvPr/>
+          </p:nvSpPr>
+          <p:spPr bwMode="auto">
+            <a:xfrm>
+              <a:off x="6002338" y="6337300"/>
+              <a:ext cx="49213" cy="47625"/>
+            </a:xfrm>
+            <a:prstGeom prst="ellipse">
+              <a:avLst/>
+            </a:prstGeom>
+            <a:solidFill>
+              <a:srgbClr val="B67EFA"/>
+            </a:solidFill>
+            <a:ln>
+              <a:noFill/>
+            </a:ln>
+            <a:extLst>
+              <a:ext uri="{91240B29-F687-4F45-9708-019B960494DF}">
+                <a14:hiddenLine xmlns:a14="http://schemas.microsoft.com/office/drawing/2010/main" w="9525">
+                  <a:solidFill>
+                    <a:srgbClr val="000000"/>
+                  </a:solidFill>
+                  <a:round/>
+                </a14:hiddenLine>
+              </a:ext>
+            </a:extLst>
+          </p:spPr>
+          <p:txBody>
+            <a:bodyPr vert="horz" wrap="square" lIns="91440" tIns="45720" rIns="91440" bIns="45720" numCol="1" anchor="t" anchorCtr="0" compatLnSpc="1"/>
+            <a:lstStyle/>
+            <a:p>
+              <a:endParaRPr lang="zh-CN" altLang="en-US"/>
+            </a:p>
+          </p:txBody>
+        </p:sp>
+        <p:sp>
+          <p:nvSpPr>
+            <p:cNvPr id="24" name="Oval 84"/>
+            <p:cNvSpPr>
+              <a:spLocks noChangeArrowheads="1"/>
+            </p:cNvSpPr>
+            <p:nvPr/>
+          </p:nvSpPr>
+          <p:spPr bwMode="auto">
+            <a:xfrm>
+              <a:off x="5449888" y="6421438"/>
+              <a:ext cx="98425" cy="96838"/>
+            </a:xfrm>
+            <a:prstGeom prst="ellipse">
+              <a:avLst/>
+            </a:prstGeom>
+            <a:solidFill>
+              <a:srgbClr val="A162D0"/>
+            </a:solidFill>
+            <a:ln>
+              <a:noFill/>
+            </a:ln>
+            <a:extLst>
+              <a:ext uri="{91240B29-F687-4F45-9708-019B960494DF}">
+                <a14:hiddenLine xmlns:a14="http://schemas.microsoft.com/office/drawing/2010/main" w="9525">
+                  <a:solidFill>
+                    <a:srgbClr val="000000"/>
+                  </a:solidFill>
+                  <a:round/>
+                </a14:hiddenLine>
+              </a:ext>
+            </a:extLst>
+          </p:spPr>
+          <p:txBody>
+            <a:bodyPr vert="horz" wrap="square" lIns="91440" tIns="45720" rIns="91440" bIns="45720" numCol="1" anchor="t" anchorCtr="0" compatLnSpc="1"/>
+            <a:lstStyle/>
+            <a:p>
+              <a:endParaRPr lang="zh-CN" altLang="en-US"/>
+            </a:p>
+          </p:txBody>
+        </p:sp>
+        <p:sp>
+          <p:nvSpPr>
+            <p:cNvPr id="25" name="Oval 87"/>
+            <p:cNvSpPr>
+              <a:spLocks noChangeArrowheads="1"/>
+            </p:cNvSpPr>
+            <p:nvPr/>
+          </p:nvSpPr>
+          <p:spPr bwMode="auto">
+            <a:xfrm>
+              <a:off x="2503488" y="6153150"/>
+              <a:ext cx="71438" cy="73025"/>
+            </a:xfrm>
+            <a:prstGeom prst="ellipse">
+              <a:avLst/>
+            </a:prstGeom>
+            <a:solidFill>
+              <a:srgbClr val="A162D0"/>
+            </a:solidFill>
+            <a:ln>
+              <a:noFill/>
+            </a:ln>
+            <a:extLst>
+              <a:ext uri="{91240B29-F687-4F45-9708-019B960494DF}">
+                <a14:hiddenLine xmlns:a14="http://schemas.microsoft.com/office/drawing/2010/main" w="9525">
+                  <a:solidFill>
+                    <a:srgbClr val="000000"/>
+                  </a:solidFill>
+                  <a:round/>
+                </a14:hiddenLine>
+              </a:ext>
+            </a:extLst>
+          </p:spPr>
+          <p:txBody>
+            <a:bodyPr vert="horz" wrap="square" lIns="91440" tIns="45720" rIns="91440" bIns="45720" numCol="1" anchor="t" anchorCtr="0" compatLnSpc="1"/>
+            <a:lstStyle/>
+            <a:p>
+              <a:endParaRPr lang="zh-CN" altLang="en-US"/>
+            </a:p>
+          </p:txBody>
+        </p:sp>
+        <p:sp>
+          <p:nvSpPr>
+            <p:cNvPr id="26" name="Oval 88"/>
+            <p:cNvSpPr>
+              <a:spLocks noChangeArrowheads="1"/>
+            </p:cNvSpPr>
+            <p:nvPr/>
+          </p:nvSpPr>
+          <p:spPr bwMode="auto">
+            <a:xfrm>
+              <a:off x="2319338" y="6813550"/>
+              <a:ext cx="12700" cy="11113"/>
+            </a:xfrm>
+            <a:prstGeom prst="ellipse">
+              <a:avLst/>
+            </a:prstGeom>
+            <a:solidFill>
+              <a:srgbClr val="EEE2B1"/>
+            </a:solidFill>
+            <a:ln>
+              <a:noFill/>
+            </a:ln>
+            <a:extLst>
+              <a:ext uri="{91240B29-F687-4F45-9708-019B960494DF}">
+                <a14:hiddenLine xmlns:a14="http://schemas.microsoft.com/office/drawing/2010/main" w="9525">
+                  <a:solidFill>
+                    <a:srgbClr val="000000"/>
+                  </a:solidFill>
+                  <a:round/>
+                </a14:hiddenLine>
+              </a:ext>
+            </a:extLst>
+          </p:spPr>
+          <p:txBody>
+            <a:bodyPr vert="horz" wrap="square" lIns="91440" tIns="45720" rIns="91440" bIns="45720" numCol="1" anchor="t" anchorCtr="0" compatLnSpc="1"/>
+            <a:lstStyle/>
+            <a:p>
+              <a:endParaRPr lang="zh-CN" altLang="en-US"/>
+            </a:p>
+          </p:txBody>
+        </p:sp>
+        <p:sp>
+          <p:nvSpPr>
+            <p:cNvPr id="27" name="Oval 89"/>
+            <p:cNvSpPr>
+              <a:spLocks noChangeArrowheads="1"/>
+            </p:cNvSpPr>
+            <p:nvPr/>
+          </p:nvSpPr>
+          <p:spPr bwMode="auto">
+            <a:xfrm>
+              <a:off x="11290300" y="5929313"/>
+              <a:ext cx="22225" cy="22225"/>
+            </a:xfrm>
+            <a:prstGeom prst="ellipse">
+              <a:avLst/>
+            </a:prstGeom>
+            <a:solidFill>
+              <a:srgbClr val="A162D0"/>
+            </a:solidFill>
+            <a:ln>
+              <a:noFill/>
+            </a:ln>
+            <a:extLst>
+              <a:ext uri="{91240B29-F687-4F45-9708-019B960494DF}">
+                <a14:hiddenLine xmlns:a14="http://schemas.microsoft.com/office/drawing/2010/main" w="9525">
+                  <a:solidFill>
+                    <a:srgbClr val="000000"/>
+                  </a:solidFill>
+                  <a:round/>
+                </a14:hiddenLine>
+              </a:ext>
+            </a:extLst>
+          </p:spPr>
+          <p:txBody>
+            <a:bodyPr vert="horz" wrap="square" lIns="91440" tIns="45720" rIns="91440" bIns="45720" numCol="1" anchor="t" anchorCtr="0" compatLnSpc="1"/>
+            <a:lstStyle/>
+            <a:p>
+              <a:endParaRPr lang="zh-CN" altLang="en-US"/>
+            </a:p>
+          </p:txBody>
+        </p:sp>
+        <p:sp>
+          <p:nvSpPr>
+            <p:cNvPr id="28" name="Oval 90"/>
+            <p:cNvSpPr>
+              <a:spLocks noChangeArrowheads="1"/>
+            </p:cNvSpPr>
+            <p:nvPr/>
+          </p:nvSpPr>
+          <p:spPr bwMode="auto">
+            <a:xfrm>
+              <a:off x="11052175" y="5922963"/>
+              <a:ext cx="26988" cy="26988"/>
+            </a:xfrm>
+            <a:prstGeom prst="ellipse">
+              <a:avLst/>
+            </a:prstGeom>
+            <a:solidFill>
+              <a:srgbClr val="A162D0"/>
+            </a:solidFill>
+            <a:ln>
+              <a:noFill/>
+            </a:ln>
+            <a:extLst>
+              <a:ext uri="{91240B29-F687-4F45-9708-019B960494DF}">
+                <a14:hiddenLine xmlns:a14="http://schemas.microsoft.com/office/drawing/2010/main" w="9525">
+                  <a:solidFill>
+                    <a:srgbClr val="000000"/>
+                  </a:solidFill>
+                  <a:round/>
+                </a14:hiddenLine>
+              </a:ext>
+            </a:extLst>
+          </p:spPr>
+          <p:txBody>
+            <a:bodyPr vert="horz" wrap="square" lIns="91440" tIns="45720" rIns="91440" bIns="45720" numCol="1" anchor="t" anchorCtr="0" compatLnSpc="1"/>
+            <a:lstStyle/>
+            <a:p>
+              <a:endParaRPr lang="zh-CN" altLang="en-US"/>
+            </a:p>
+          </p:txBody>
+        </p:sp>
+        <p:sp>
+          <p:nvSpPr>
+            <p:cNvPr id="29" name="Oval 91"/>
+            <p:cNvSpPr>
+              <a:spLocks noChangeArrowheads="1"/>
+            </p:cNvSpPr>
+            <p:nvPr/>
+          </p:nvSpPr>
+          <p:spPr bwMode="auto">
+            <a:xfrm>
+              <a:off x="10509250" y="5837238"/>
+              <a:ext cx="96838" cy="95250"/>
+            </a:xfrm>
+            <a:prstGeom prst="ellipse">
+              <a:avLst/>
+            </a:prstGeom>
+            <a:solidFill>
+              <a:srgbClr val="A162D0"/>
+            </a:solidFill>
+            <a:ln>
+              <a:noFill/>
+            </a:ln>
+            <a:extLst>
+              <a:ext uri="{91240B29-F687-4F45-9708-019B960494DF}">
+                <a14:hiddenLine xmlns:a14="http://schemas.microsoft.com/office/drawing/2010/main" w="9525">
+                  <a:solidFill>
+                    <a:srgbClr val="000000"/>
+                  </a:solidFill>
+                  <a:round/>
+                </a14:hiddenLine>
+              </a:ext>
+            </a:extLst>
+          </p:spPr>
+          <p:txBody>
+            <a:bodyPr vert="horz" wrap="square" lIns="91440" tIns="45720" rIns="91440" bIns="45720" numCol="1" anchor="t" anchorCtr="0" compatLnSpc="1"/>
+            <a:lstStyle/>
+            <a:p>
+              <a:endParaRPr lang="zh-CN" altLang="en-US"/>
+            </a:p>
+          </p:txBody>
+        </p:sp>
+        <p:sp>
+          <p:nvSpPr>
+            <p:cNvPr id="30" name="Oval 93"/>
+            <p:cNvSpPr>
+              <a:spLocks noChangeArrowheads="1"/>
+            </p:cNvSpPr>
+            <p:nvPr/>
+          </p:nvSpPr>
+          <p:spPr bwMode="auto">
+            <a:xfrm>
+              <a:off x="8005763" y="855662"/>
+              <a:ext cx="14288" cy="14288"/>
+            </a:xfrm>
+            <a:prstGeom prst="ellipse">
+              <a:avLst/>
+            </a:prstGeom>
+            <a:solidFill>
+              <a:srgbClr val="C89150"/>
+            </a:solidFill>
+            <a:ln>
+              <a:noFill/>
+            </a:ln>
+            <a:extLst>
+              <a:ext uri="{91240B29-F687-4F45-9708-019B960494DF}">
+                <a14:hiddenLine xmlns:a14="http://schemas.microsoft.com/office/drawing/2010/main" w="9525">
+                  <a:solidFill>
+                    <a:srgbClr val="000000"/>
+                  </a:solidFill>
+                  <a:round/>
+                </a14:hiddenLine>
+              </a:ext>
+            </a:extLst>
+          </p:spPr>
+          <p:txBody>
+            <a:bodyPr vert="horz" wrap="square" lIns="91440" tIns="45720" rIns="91440" bIns="45720" numCol="1" anchor="t" anchorCtr="0" compatLnSpc="1"/>
+            <a:lstStyle/>
+            <a:p>
+              <a:endParaRPr lang="zh-CN" altLang="en-US"/>
+            </a:p>
+          </p:txBody>
+        </p:sp>
+      </p:grpSp>
+      <p:graphicFrame>
+        <p:nvGraphicFramePr>
+          <p:cNvPr id="31" name="表格 30">
+            <a:extLst>
+              <a:ext uri="{FF2B5EF4-FFF2-40B4-BE49-F238E27FC236}">
+                <a16:creationId xmlns:a16="http://schemas.microsoft.com/office/drawing/2014/main" id="{DF419EDF-F562-4361-95A3-B8C0684498BD}"/>
+              </a:ext>
+            </a:extLst>
+          </p:cNvPr>
+          <p:cNvGraphicFramePr>
+            <a:graphicFrameLocks noGrp="1"/>
+          </p:cNvGraphicFramePr>
+          <p:nvPr/>
+        </p:nvGraphicFramePr>
+        <p:xfrm>
+          <a:off x="2503488" y="2164755"/>
+          <a:ext cx="8136384" cy="3662154"/>
+        </p:xfrm>
+        <a:graphic>
+          <a:graphicData uri="http://schemas.openxmlformats.org/drawingml/2006/table">
+            <a:tbl>
+              <a:tblPr firstRow="1" bandRow="1">
+                <a:tableStyleId>{0660B408-B3CF-4A94-85FC-2B1E0A45F4A2}</a:tableStyleId>
+              </a:tblPr>
+              <a:tblGrid>
+                <a:gridCol w="2712128">
+                  <a:extLst>
+                    <a:ext uri="{9D8B030D-6E8A-4147-A177-3AD203B41FA5}">
+                      <a16:colId xmlns:a16="http://schemas.microsoft.com/office/drawing/2014/main" val="20000"/>
+                    </a:ext>
+                  </a:extLst>
+                </a:gridCol>
+                <a:gridCol w="2712128">
+                  <a:extLst>
+                    <a:ext uri="{9D8B030D-6E8A-4147-A177-3AD203B41FA5}">
+                      <a16:colId xmlns:a16="http://schemas.microsoft.com/office/drawing/2014/main" val="20001"/>
+                    </a:ext>
+                  </a:extLst>
+                </a:gridCol>
+                <a:gridCol w="2712128">
+                  <a:extLst>
+                    <a:ext uri="{9D8B030D-6E8A-4147-A177-3AD203B41FA5}">
+                      <a16:colId xmlns:a16="http://schemas.microsoft.com/office/drawing/2014/main" val="20002"/>
+                    </a:ext>
+                  </a:extLst>
+                </a:gridCol>
+              </a:tblGrid>
+              <a:tr h="617994">
+                <a:tc>
+                  <a:txBody>
+                    <a:bodyPr/>
+                    <a:lstStyle/>
+                    <a:p>
+                      <a:pPr algn="ctr"/>
+                      <a:r>
+                        <a:rPr lang="zh-CN" altLang="en-US" dirty="0"/>
+                        <a:t>事项</a:t>
+                      </a:r>
+                    </a:p>
+                  </a:txBody>
+                  <a:tcPr>
+                    <a:solidFill>
+                      <a:srgbClr val="7030A0"/>
+                    </a:solidFill>
+                  </a:tcPr>
+                </a:tc>
+                <a:tc>
+                  <a:txBody>
+                    <a:bodyPr/>
+                    <a:lstStyle/>
+                    <a:p>
+                      <a:pPr algn="ctr"/>
+                      <a:r>
+                        <a:rPr lang="zh-CN" altLang="en-US" dirty="0"/>
+                        <a:t>进度</a:t>
+                      </a:r>
+                    </a:p>
+                  </a:txBody>
+                  <a:tcPr>
+                    <a:solidFill>
+                      <a:srgbClr val="7030A0"/>
+                    </a:solidFill>
+                  </a:tcPr>
+                </a:tc>
+                <a:tc>
+                  <a:txBody>
+                    <a:bodyPr/>
+                    <a:lstStyle/>
+                    <a:p>
+                      <a:pPr algn="ctr"/>
+                      <a:r>
+                        <a:rPr lang="zh-CN" altLang="en-US" dirty="0"/>
+                        <a:t>参与成员</a:t>
+                      </a:r>
+                    </a:p>
+                  </a:txBody>
+                  <a:tcPr>
+                    <a:solidFill>
+                      <a:srgbClr val="7030A0"/>
+                    </a:solidFill>
+                  </a:tcPr>
+                </a:tc>
+                <a:extLst>
+                  <a:ext uri="{0D108BD9-81ED-4DB2-BD59-A6C34878D82A}">
+                    <a16:rowId xmlns:a16="http://schemas.microsoft.com/office/drawing/2014/main" val="10000"/>
+                  </a:ext>
+                </a:extLst>
+              </a:tr>
+              <a:tr h="338240">
+                <a:tc>
+                  <a:txBody>
+                    <a:bodyPr/>
+                    <a:lstStyle/>
+                    <a:p>
+                      <a:pPr algn="ctr"/>
+                      <a:r>
+                        <a:rPr lang="zh-CN" altLang="en-US" sz="1600" dirty="0">
+                          <a:solidFill>
+                            <a:schemeClr val="tx1">
+                              <a:lumMod val="65000"/>
+                              <a:lumOff val="35000"/>
+                            </a:schemeClr>
+                          </a:solidFill>
+                          <a:latin typeface="黑体" panose="02010609060101010101" pitchFamily="49" charset="-122"/>
+                          <a:ea typeface="黑体" panose="02010609060101010101" pitchFamily="49" charset="-122"/>
+                        </a:rPr>
+                        <a:t>数据库设计</a:t>
+                      </a:r>
+                    </a:p>
+                  </a:txBody>
+                  <a:tcPr/>
+                </a:tc>
+                <a:tc>
+                  <a:txBody>
+                    <a:bodyPr/>
+                    <a:lstStyle/>
+                    <a:p>
+                      <a:pPr algn="ctr"/>
+                      <a:r>
+                        <a:rPr lang="en-US" altLang="zh-CN" sz="1600" dirty="0">
+                          <a:solidFill>
+                            <a:schemeClr val="tx1">
+                              <a:lumMod val="65000"/>
+                              <a:lumOff val="35000"/>
+                            </a:schemeClr>
+                          </a:solidFill>
+                          <a:latin typeface="黑体" panose="02010609060101010101" pitchFamily="49" charset="-122"/>
+                          <a:ea typeface="黑体" panose="02010609060101010101" pitchFamily="49" charset="-122"/>
+                        </a:rPr>
+                        <a:t>100%</a:t>
+                      </a:r>
+                      <a:endParaRPr lang="zh-CN" altLang="en-US" sz="1600" dirty="0">
+                        <a:solidFill>
+                          <a:schemeClr val="tx1">
+                            <a:lumMod val="65000"/>
+                            <a:lumOff val="35000"/>
+                          </a:schemeClr>
+                        </a:solidFill>
+                        <a:latin typeface="黑体" panose="02010609060101010101" pitchFamily="49" charset="-122"/>
+                        <a:ea typeface="黑体" panose="02010609060101010101" pitchFamily="49" charset="-122"/>
+                      </a:endParaRPr>
+                    </a:p>
+                  </a:txBody>
+                  <a:tcPr/>
+                </a:tc>
+                <a:tc>
+                  <a:txBody>
+                    <a:bodyPr/>
+                    <a:lstStyle/>
+                    <a:p>
+                      <a:pPr algn="ctr"/>
+                      <a:r>
+                        <a:rPr lang="zh-CN" altLang="en-US" sz="1600" dirty="0">
+                          <a:solidFill>
+                            <a:schemeClr val="tx1">
+                              <a:lumMod val="65000"/>
+                              <a:lumOff val="35000"/>
+                            </a:schemeClr>
+                          </a:solidFill>
+                          <a:latin typeface="黑体" panose="02010609060101010101" pitchFamily="49" charset="-122"/>
+                          <a:ea typeface="黑体" panose="02010609060101010101" pitchFamily="49" charset="-122"/>
+                        </a:rPr>
+                        <a:t>黄钰朝，郭沛</a:t>
+                      </a:r>
+                    </a:p>
+                  </a:txBody>
+                  <a:tcPr/>
+                </a:tc>
+                <a:extLst>
+                  <a:ext uri="{0D108BD9-81ED-4DB2-BD59-A6C34878D82A}">
+                    <a16:rowId xmlns:a16="http://schemas.microsoft.com/office/drawing/2014/main" val="10001"/>
+                  </a:ext>
+                </a:extLst>
+              </a:tr>
+              <a:tr h="338240">
+                <a:tc>
+                  <a:txBody>
+                    <a:bodyPr/>
+                    <a:lstStyle/>
+                    <a:p>
+                      <a:pPr marL="0" marR="0" lvl="0" indent="0" algn="ctr" defTabSz="914400" rtl="0" eaLnBrk="1" fontAlgn="auto" latinLnBrk="0" hangingPunct="1">
+                        <a:lnSpc>
+                          <a:spcPct val="100000"/>
+                        </a:lnSpc>
+                        <a:spcBef>
+                          <a:spcPts val="0"/>
+                        </a:spcBef>
+                        <a:spcAft>
+                          <a:spcPts val="0"/>
+                        </a:spcAft>
+                        <a:buClrTx/>
+                        <a:buSzTx/>
+                        <a:buFontTx/>
+                        <a:buNone/>
+                        <a:tabLst/>
+                        <a:defRPr/>
+                      </a:pPr>
+                      <a:r>
+                        <a:rPr lang="en-US" altLang="zh-CN" sz="1600" dirty="0">
+                          <a:solidFill>
+                            <a:schemeClr val="tx1">
+                              <a:lumMod val="65000"/>
+                              <a:lumOff val="35000"/>
+                            </a:schemeClr>
+                          </a:solidFill>
+                          <a:latin typeface="黑体" panose="02010609060101010101" pitchFamily="49" charset="-122"/>
+                          <a:ea typeface="黑体" panose="02010609060101010101" pitchFamily="49" charset="-122"/>
+                        </a:rPr>
+                        <a:t>Dao</a:t>
+                      </a:r>
+                      <a:r>
+                        <a:rPr lang="zh-CN" altLang="en-US" sz="1600" dirty="0">
+                          <a:solidFill>
+                            <a:schemeClr val="tx1">
+                              <a:lumMod val="65000"/>
+                              <a:lumOff val="35000"/>
+                            </a:schemeClr>
+                          </a:solidFill>
+                          <a:latin typeface="黑体" panose="02010609060101010101" pitchFamily="49" charset="-122"/>
+                          <a:ea typeface="黑体" panose="02010609060101010101" pitchFamily="49" charset="-122"/>
+                        </a:rPr>
+                        <a:t>层构建</a:t>
+                      </a:r>
+                    </a:p>
+                  </a:txBody>
+                  <a:tcPr/>
+                </a:tc>
+                <a:tc>
+                  <a:txBody>
+                    <a:bodyPr/>
+                    <a:lstStyle/>
+                    <a:p>
+                      <a:pPr algn="ctr"/>
+                      <a:r>
+                        <a:rPr lang="en-US" altLang="zh-CN" sz="1600" dirty="0">
+                          <a:solidFill>
+                            <a:schemeClr val="tx1">
+                              <a:lumMod val="65000"/>
+                              <a:lumOff val="35000"/>
+                            </a:schemeClr>
+                          </a:solidFill>
+                          <a:latin typeface="黑体" panose="02010609060101010101" pitchFamily="49" charset="-122"/>
+                          <a:ea typeface="黑体" panose="02010609060101010101" pitchFamily="49" charset="-122"/>
+                        </a:rPr>
+                        <a:t>100%</a:t>
+                      </a:r>
+                      <a:endParaRPr lang="zh-CN" altLang="en-US" sz="1600" dirty="0">
+                        <a:solidFill>
+                          <a:schemeClr val="tx1">
+                            <a:lumMod val="65000"/>
+                            <a:lumOff val="35000"/>
+                          </a:schemeClr>
+                        </a:solidFill>
+                        <a:latin typeface="黑体" panose="02010609060101010101" pitchFamily="49" charset="-122"/>
+                        <a:ea typeface="黑体" panose="02010609060101010101" pitchFamily="49" charset="-122"/>
+                      </a:endParaRPr>
+                    </a:p>
+                  </a:txBody>
+                  <a:tcPr/>
+                </a:tc>
+                <a:tc>
+                  <a:txBody>
+                    <a:bodyPr/>
+                    <a:lstStyle/>
+                    <a:p>
+                      <a:pPr algn="ctr"/>
+                      <a:r>
+                        <a:rPr lang="zh-CN" altLang="en-US" sz="1600" dirty="0">
+                          <a:solidFill>
+                            <a:schemeClr val="tx1">
+                              <a:lumMod val="65000"/>
+                              <a:lumOff val="35000"/>
+                            </a:schemeClr>
+                          </a:solidFill>
+                          <a:latin typeface="黑体" panose="02010609060101010101" pitchFamily="49" charset="-122"/>
+                          <a:ea typeface="黑体" panose="02010609060101010101" pitchFamily="49" charset="-122"/>
+                        </a:rPr>
+                        <a:t>黄钰朝</a:t>
+                      </a:r>
+                    </a:p>
+                  </a:txBody>
+                  <a:tcPr/>
+                </a:tc>
+                <a:extLst>
+                  <a:ext uri="{0D108BD9-81ED-4DB2-BD59-A6C34878D82A}">
+                    <a16:rowId xmlns:a16="http://schemas.microsoft.com/office/drawing/2014/main" val="841482860"/>
+                  </a:ext>
+                </a:extLst>
+              </a:tr>
+              <a:tr h="338240">
+                <a:tc>
+                  <a:txBody>
+                    <a:bodyPr/>
+                    <a:lstStyle/>
+                    <a:p>
+                      <a:pPr algn="ctr"/>
+                      <a:r>
+                        <a:rPr lang="en-US" altLang="zh-CN" sz="1600" dirty="0">
+                          <a:solidFill>
+                            <a:schemeClr val="tx1">
+                              <a:lumMod val="65000"/>
+                              <a:lumOff val="35000"/>
+                            </a:schemeClr>
+                          </a:solidFill>
+                          <a:latin typeface="黑体" panose="02010609060101010101" pitchFamily="49" charset="-122"/>
+                          <a:ea typeface="黑体" panose="02010609060101010101" pitchFamily="49" charset="-122"/>
+                        </a:rPr>
+                        <a:t>Service</a:t>
+                      </a:r>
+                      <a:r>
+                        <a:rPr lang="zh-CN" altLang="en-US" sz="1600" dirty="0">
+                          <a:solidFill>
+                            <a:schemeClr val="tx1">
+                              <a:lumMod val="65000"/>
+                              <a:lumOff val="35000"/>
+                            </a:schemeClr>
+                          </a:solidFill>
+                          <a:latin typeface="黑体" panose="02010609060101010101" pitchFamily="49" charset="-122"/>
+                          <a:ea typeface="黑体" panose="02010609060101010101" pitchFamily="49" charset="-122"/>
+                        </a:rPr>
+                        <a:t>层基础功能</a:t>
+                      </a:r>
+                    </a:p>
+                  </a:txBody>
+                  <a:tcPr/>
+                </a:tc>
+                <a:tc>
+                  <a:txBody>
+                    <a:bodyPr/>
+                    <a:lstStyle/>
+                    <a:p>
+                      <a:pPr algn="ctr"/>
+                      <a:r>
+                        <a:rPr lang="en-US" altLang="zh-CN" sz="1600" dirty="0">
+                          <a:solidFill>
+                            <a:schemeClr val="tx1">
+                              <a:lumMod val="65000"/>
+                              <a:lumOff val="35000"/>
+                            </a:schemeClr>
+                          </a:solidFill>
+                          <a:latin typeface="黑体" panose="02010609060101010101" pitchFamily="49" charset="-122"/>
+                          <a:ea typeface="黑体" panose="02010609060101010101" pitchFamily="49" charset="-122"/>
+                        </a:rPr>
+                        <a:t>100%</a:t>
+                      </a:r>
+                      <a:endParaRPr lang="zh-CN" altLang="en-US" sz="1600" dirty="0">
+                        <a:solidFill>
+                          <a:schemeClr val="tx1">
+                            <a:lumMod val="65000"/>
+                            <a:lumOff val="35000"/>
+                          </a:schemeClr>
+                        </a:solidFill>
+                        <a:latin typeface="黑体" panose="02010609060101010101" pitchFamily="49" charset="-122"/>
+                        <a:ea typeface="黑体" panose="02010609060101010101" pitchFamily="49" charset="-122"/>
+                      </a:endParaRPr>
+                    </a:p>
+                  </a:txBody>
+                  <a:tcPr/>
+                </a:tc>
+                <a:tc>
+                  <a:txBody>
+                    <a:bodyPr/>
+                    <a:lstStyle/>
+                    <a:p>
+                      <a:pPr algn="ctr"/>
+                      <a:r>
+                        <a:rPr lang="zh-CN" altLang="en-US" sz="1600" dirty="0">
+                          <a:solidFill>
+                            <a:schemeClr val="tx1">
+                              <a:lumMod val="65000"/>
+                              <a:lumOff val="35000"/>
+                            </a:schemeClr>
+                          </a:solidFill>
+                          <a:latin typeface="黑体" panose="02010609060101010101" pitchFamily="49" charset="-122"/>
+                          <a:ea typeface="黑体" panose="02010609060101010101" pitchFamily="49" charset="-122"/>
+                        </a:rPr>
+                        <a:t>郭沛</a:t>
+                      </a:r>
+                    </a:p>
+                  </a:txBody>
+                  <a:tcPr/>
+                </a:tc>
+                <a:extLst>
+                  <a:ext uri="{0D108BD9-81ED-4DB2-BD59-A6C34878D82A}">
+                    <a16:rowId xmlns:a16="http://schemas.microsoft.com/office/drawing/2014/main" val="10002"/>
+                  </a:ext>
+                </a:extLst>
+              </a:tr>
+              <a:tr h="338240">
+                <a:tc>
+                  <a:txBody>
+                    <a:bodyPr/>
+                    <a:lstStyle/>
+                    <a:p>
+                      <a:pPr algn="ctr"/>
+                      <a:r>
+                        <a:rPr lang="en-US" altLang="zh-CN" sz="1600" dirty="0">
+                          <a:solidFill>
+                            <a:schemeClr val="tx1">
+                              <a:lumMod val="65000"/>
+                              <a:lumOff val="35000"/>
+                            </a:schemeClr>
+                          </a:solidFill>
+                          <a:latin typeface="黑体" panose="02010609060101010101" pitchFamily="49" charset="-122"/>
+                          <a:ea typeface="黑体" panose="02010609060101010101" pitchFamily="49" charset="-122"/>
+                        </a:rPr>
+                        <a:t>Excel</a:t>
+                      </a:r>
+                      <a:r>
+                        <a:rPr lang="zh-CN" altLang="en-US" sz="1600" dirty="0">
+                          <a:solidFill>
+                            <a:schemeClr val="tx1">
+                              <a:lumMod val="65000"/>
+                              <a:lumOff val="35000"/>
+                            </a:schemeClr>
+                          </a:solidFill>
+                          <a:latin typeface="黑体" panose="02010609060101010101" pitchFamily="49" charset="-122"/>
+                          <a:ea typeface="黑体" panose="02010609060101010101" pitchFamily="49" charset="-122"/>
+                        </a:rPr>
+                        <a:t>文档导入导出</a:t>
+                      </a:r>
+                    </a:p>
+                  </a:txBody>
+                  <a:tcPr/>
+                </a:tc>
+                <a:tc>
+                  <a:txBody>
+                    <a:bodyPr/>
+                    <a:lstStyle/>
+                    <a:p>
+                      <a:pPr algn="ctr"/>
+                      <a:r>
+                        <a:rPr lang="en-US" altLang="zh-CN" sz="1600" dirty="0">
+                          <a:solidFill>
+                            <a:schemeClr val="tx1">
+                              <a:lumMod val="65000"/>
+                              <a:lumOff val="35000"/>
+                            </a:schemeClr>
+                          </a:solidFill>
+                          <a:latin typeface="黑体" panose="02010609060101010101" pitchFamily="49" charset="-122"/>
+                          <a:ea typeface="黑体" panose="02010609060101010101" pitchFamily="49" charset="-122"/>
+                        </a:rPr>
+                        <a:t>100%</a:t>
+                      </a:r>
+                      <a:endParaRPr lang="zh-CN" altLang="en-US" sz="1600" dirty="0">
+                        <a:solidFill>
+                          <a:schemeClr val="tx1">
+                            <a:lumMod val="65000"/>
+                            <a:lumOff val="35000"/>
+                          </a:schemeClr>
+                        </a:solidFill>
+                        <a:latin typeface="黑体" panose="02010609060101010101" pitchFamily="49" charset="-122"/>
+                        <a:ea typeface="黑体" panose="02010609060101010101" pitchFamily="49" charset="-122"/>
+                      </a:endParaRPr>
+                    </a:p>
+                  </a:txBody>
+                  <a:tcPr/>
+                </a:tc>
+                <a:tc>
+                  <a:txBody>
+                    <a:bodyPr/>
+                    <a:lstStyle/>
+                    <a:p>
+                      <a:pPr algn="ctr"/>
+                      <a:r>
+                        <a:rPr lang="zh-CN" altLang="en-US" sz="1600" dirty="0">
+                          <a:solidFill>
+                            <a:schemeClr val="tx1">
+                              <a:lumMod val="65000"/>
+                              <a:lumOff val="35000"/>
+                            </a:schemeClr>
+                          </a:solidFill>
+                          <a:latin typeface="黑体" panose="02010609060101010101" pitchFamily="49" charset="-122"/>
+                          <a:ea typeface="黑体" panose="02010609060101010101" pitchFamily="49" charset="-122"/>
+                        </a:rPr>
+                        <a:t>郭沛</a:t>
+                      </a:r>
+                    </a:p>
+                  </a:txBody>
+                  <a:tcPr/>
+                </a:tc>
+                <a:extLst>
+                  <a:ext uri="{0D108BD9-81ED-4DB2-BD59-A6C34878D82A}">
+                    <a16:rowId xmlns:a16="http://schemas.microsoft.com/office/drawing/2014/main" val="1145706291"/>
+                  </a:ext>
+                </a:extLst>
+              </a:tr>
+              <a:tr h="338240">
+                <a:tc>
+                  <a:txBody>
+                    <a:bodyPr/>
+                    <a:lstStyle/>
+                    <a:p>
+                      <a:pPr algn="ctr"/>
+                      <a:r>
+                        <a:rPr lang="zh-CN" altLang="en-US" sz="1600" dirty="0">
+                          <a:solidFill>
+                            <a:schemeClr val="tx1">
+                              <a:lumMod val="65000"/>
+                              <a:lumOff val="35000"/>
+                            </a:schemeClr>
+                          </a:solidFill>
+                          <a:latin typeface="黑体" panose="02010609060101010101" pitchFamily="49" charset="-122"/>
+                          <a:ea typeface="黑体" panose="02010609060101010101" pitchFamily="49" charset="-122"/>
+                        </a:rPr>
+                        <a:t>日志系统</a:t>
+                      </a:r>
+                    </a:p>
+                  </a:txBody>
+                  <a:tcPr/>
+                </a:tc>
+                <a:tc>
+                  <a:txBody>
+                    <a:bodyPr/>
+                    <a:lstStyle/>
+                    <a:p>
+                      <a:pPr algn="ctr"/>
+                      <a:r>
+                        <a:rPr lang="en-US" altLang="zh-CN" sz="1600" dirty="0">
+                          <a:solidFill>
+                            <a:schemeClr val="tx1">
+                              <a:lumMod val="65000"/>
+                              <a:lumOff val="35000"/>
+                            </a:schemeClr>
+                          </a:solidFill>
+                          <a:latin typeface="黑体" panose="02010609060101010101" pitchFamily="49" charset="-122"/>
+                          <a:ea typeface="黑体" panose="02010609060101010101" pitchFamily="49" charset="-122"/>
+                        </a:rPr>
+                        <a:t>100%</a:t>
+                      </a:r>
+                      <a:endParaRPr lang="zh-CN" altLang="en-US" sz="1600" dirty="0">
+                        <a:solidFill>
+                          <a:schemeClr val="tx1">
+                            <a:lumMod val="65000"/>
+                            <a:lumOff val="35000"/>
+                          </a:schemeClr>
+                        </a:solidFill>
+                        <a:latin typeface="黑体" panose="02010609060101010101" pitchFamily="49" charset="-122"/>
+                        <a:ea typeface="黑体" panose="02010609060101010101" pitchFamily="49" charset="-122"/>
+                      </a:endParaRPr>
+                    </a:p>
+                  </a:txBody>
+                  <a:tcPr/>
+                </a:tc>
+                <a:tc>
+                  <a:txBody>
+                    <a:bodyPr/>
+                    <a:lstStyle/>
+                    <a:p>
+                      <a:pPr algn="ctr"/>
+                      <a:r>
+                        <a:rPr lang="zh-CN" altLang="en-US" sz="1600" dirty="0">
+                          <a:solidFill>
+                            <a:schemeClr val="tx1">
+                              <a:lumMod val="65000"/>
+                              <a:lumOff val="35000"/>
+                            </a:schemeClr>
+                          </a:solidFill>
+                          <a:latin typeface="黑体" panose="02010609060101010101" pitchFamily="49" charset="-122"/>
+                          <a:ea typeface="黑体" panose="02010609060101010101" pitchFamily="49" charset="-122"/>
+                        </a:rPr>
+                        <a:t>黄钰朝</a:t>
+                      </a:r>
+                    </a:p>
+                  </a:txBody>
+                  <a:tcPr/>
+                </a:tc>
+                <a:extLst>
+                  <a:ext uri="{0D108BD9-81ED-4DB2-BD59-A6C34878D82A}">
+                    <a16:rowId xmlns:a16="http://schemas.microsoft.com/office/drawing/2014/main" val="3770709297"/>
+                  </a:ext>
+                </a:extLst>
+              </a:tr>
+              <a:tr h="338240">
+                <a:tc>
+                  <a:txBody>
+                    <a:bodyPr/>
+                    <a:lstStyle/>
+                    <a:p>
+                      <a:pPr algn="ctr"/>
+                      <a:r>
+                        <a:rPr lang="zh-CN" altLang="en-US" sz="1600" dirty="0">
+                          <a:solidFill>
+                            <a:schemeClr val="tx1">
+                              <a:lumMod val="65000"/>
+                              <a:lumOff val="35000"/>
+                            </a:schemeClr>
+                          </a:solidFill>
+                          <a:latin typeface="黑体" panose="02010609060101010101" pitchFamily="49" charset="-122"/>
+                          <a:ea typeface="黑体" panose="02010609060101010101" pitchFamily="49" charset="-122"/>
+                        </a:rPr>
+                        <a:t>数据校验，异常处理</a:t>
+                      </a:r>
+                    </a:p>
+                  </a:txBody>
+                  <a:tcPr/>
+                </a:tc>
+                <a:tc>
+                  <a:txBody>
+                    <a:bodyPr/>
+                    <a:lstStyle/>
+                    <a:p>
+                      <a:pPr algn="ctr"/>
+                      <a:r>
+                        <a:rPr lang="en-US" altLang="zh-CN" sz="1600" dirty="0">
+                          <a:solidFill>
+                            <a:schemeClr val="tx1">
+                              <a:lumMod val="65000"/>
+                              <a:lumOff val="35000"/>
+                            </a:schemeClr>
+                          </a:solidFill>
+                          <a:latin typeface="黑体" panose="02010609060101010101" pitchFamily="49" charset="-122"/>
+                          <a:ea typeface="黑体" panose="02010609060101010101" pitchFamily="49" charset="-122"/>
+                        </a:rPr>
+                        <a:t>100%</a:t>
+                      </a:r>
+                      <a:endParaRPr lang="zh-CN" altLang="en-US" sz="1600" dirty="0">
+                        <a:solidFill>
+                          <a:schemeClr val="tx1">
+                            <a:lumMod val="65000"/>
+                            <a:lumOff val="35000"/>
+                          </a:schemeClr>
+                        </a:solidFill>
+                        <a:latin typeface="黑体" panose="02010609060101010101" pitchFamily="49" charset="-122"/>
+                        <a:ea typeface="黑体" panose="02010609060101010101" pitchFamily="49" charset="-122"/>
+                      </a:endParaRPr>
+                    </a:p>
+                  </a:txBody>
+                  <a:tcPr/>
+                </a:tc>
+                <a:tc>
+                  <a:txBody>
+                    <a:bodyPr/>
+                    <a:lstStyle/>
+                    <a:p>
+                      <a:pPr algn="ctr"/>
+                      <a:r>
+                        <a:rPr lang="zh-CN" altLang="en-US" sz="1600" dirty="0">
+                          <a:solidFill>
+                            <a:schemeClr val="tx1">
+                              <a:lumMod val="65000"/>
+                              <a:lumOff val="35000"/>
+                            </a:schemeClr>
+                          </a:solidFill>
+                          <a:latin typeface="黑体" panose="02010609060101010101" pitchFamily="49" charset="-122"/>
+                          <a:ea typeface="黑体" panose="02010609060101010101" pitchFamily="49" charset="-122"/>
+                        </a:rPr>
+                        <a:t>黄钰朝，郭沛</a:t>
+                      </a:r>
+                    </a:p>
+                  </a:txBody>
+                  <a:tcPr/>
+                </a:tc>
+                <a:extLst>
+                  <a:ext uri="{0D108BD9-81ED-4DB2-BD59-A6C34878D82A}">
+                    <a16:rowId xmlns:a16="http://schemas.microsoft.com/office/drawing/2014/main" val="3298789493"/>
+                  </a:ext>
+                </a:extLst>
+              </a:tr>
+              <a:tr h="338240">
+                <a:tc>
+                  <a:txBody>
+                    <a:bodyPr/>
+                    <a:lstStyle/>
+                    <a:p>
+                      <a:pPr algn="ctr"/>
+                      <a:r>
+                        <a:rPr lang="zh-CN" altLang="en-US" sz="1600" dirty="0">
+                          <a:solidFill>
+                            <a:schemeClr val="tx1">
+                              <a:lumMod val="65000"/>
+                              <a:lumOff val="35000"/>
+                            </a:schemeClr>
+                          </a:solidFill>
+                          <a:latin typeface="黑体" panose="02010609060101010101" pitchFamily="49" charset="-122"/>
+                          <a:ea typeface="黑体" panose="02010609060101010101" pitchFamily="49" charset="-122"/>
+                        </a:rPr>
+                        <a:t>状态码及描述信息编写</a:t>
+                      </a:r>
+                    </a:p>
+                  </a:txBody>
+                  <a:tcPr/>
+                </a:tc>
+                <a:tc>
+                  <a:txBody>
+                    <a:bodyPr/>
+                    <a:lstStyle/>
+                    <a:p>
+                      <a:pPr algn="ctr"/>
+                      <a:r>
+                        <a:rPr lang="en-US" altLang="zh-CN" sz="1600" dirty="0">
+                          <a:solidFill>
+                            <a:schemeClr val="tx1">
+                              <a:lumMod val="65000"/>
+                              <a:lumOff val="35000"/>
+                            </a:schemeClr>
+                          </a:solidFill>
+                          <a:latin typeface="黑体" panose="02010609060101010101" pitchFamily="49" charset="-122"/>
+                          <a:ea typeface="黑体" panose="02010609060101010101" pitchFamily="49" charset="-122"/>
+                        </a:rPr>
+                        <a:t>100%</a:t>
+                      </a:r>
+                      <a:endParaRPr lang="zh-CN" altLang="en-US" sz="1600" dirty="0">
+                        <a:solidFill>
+                          <a:schemeClr val="tx1">
+                            <a:lumMod val="65000"/>
+                            <a:lumOff val="35000"/>
+                          </a:schemeClr>
+                        </a:solidFill>
+                        <a:latin typeface="黑体" panose="02010609060101010101" pitchFamily="49" charset="-122"/>
+                        <a:ea typeface="黑体" panose="02010609060101010101" pitchFamily="49" charset="-122"/>
+                      </a:endParaRPr>
+                    </a:p>
+                  </a:txBody>
+                  <a:tcPr/>
+                </a:tc>
+                <a:tc>
+                  <a:txBody>
+                    <a:bodyPr/>
+                    <a:lstStyle/>
+                    <a:p>
+                      <a:pPr algn="ctr"/>
+                      <a:r>
+                        <a:rPr lang="zh-CN" altLang="en-US" sz="1600" dirty="0">
+                          <a:solidFill>
+                            <a:schemeClr val="tx1">
+                              <a:lumMod val="65000"/>
+                              <a:lumOff val="35000"/>
+                            </a:schemeClr>
+                          </a:solidFill>
+                          <a:latin typeface="黑体" panose="02010609060101010101" pitchFamily="49" charset="-122"/>
+                          <a:ea typeface="黑体" panose="02010609060101010101" pitchFamily="49" charset="-122"/>
+                        </a:rPr>
+                        <a:t>黄钰朝，郭沛</a:t>
+                      </a:r>
+                    </a:p>
+                  </a:txBody>
+                  <a:tcPr/>
+                </a:tc>
+                <a:extLst>
+                  <a:ext uri="{0D108BD9-81ED-4DB2-BD59-A6C34878D82A}">
+                    <a16:rowId xmlns:a16="http://schemas.microsoft.com/office/drawing/2014/main" val="3376824917"/>
+                  </a:ext>
+                </a:extLst>
+              </a:tr>
+              <a:tr h="338240">
+                <a:tc>
+                  <a:txBody>
+                    <a:bodyPr/>
+                    <a:lstStyle/>
+                    <a:p>
+                      <a:pPr algn="ctr"/>
+                      <a:r>
+                        <a:rPr lang="en-US" altLang="zh-CN" sz="1600" dirty="0">
+                          <a:solidFill>
+                            <a:schemeClr val="tx1">
+                              <a:lumMod val="65000"/>
+                              <a:lumOff val="35000"/>
+                            </a:schemeClr>
+                          </a:solidFill>
+                          <a:latin typeface="黑体" panose="02010609060101010101" pitchFamily="49" charset="-122"/>
+                          <a:ea typeface="黑体" panose="02010609060101010101" pitchFamily="49" charset="-122"/>
+                        </a:rPr>
+                        <a:t>API</a:t>
+                      </a:r>
+                      <a:r>
+                        <a:rPr lang="zh-CN" altLang="en-US" sz="1600" dirty="0">
+                          <a:solidFill>
+                            <a:schemeClr val="tx1">
+                              <a:lumMod val="65000"/>
+                              <a:lumOff val="35000"/>
+                            </a:schemeClr>
+                          </a:solidFill>
+                          <a:latin typeface="黑体" panose="02010609060101010101" pitchFamily="49" charset="-122"/>
+                          <a:ea typeface="黑体" panose="02010609060101010101" pitchFamily="49" charset="-122"/>
+                        </a:rPr>
+                        <a:t>接口文档编写</a:t>
+                      </a:r>
+                    </a:p>
+                  </a:txBody>
+                  <a:tcPr/>
+                </a:tc>
+                <a:tc>
+                  <a:txBody>
+                    <a:bodyPr/>
+                    <a:lstStyle/>
+                    <a:p>
+                      <a:pPr algn="ctr"/>
+                      <a:r>
+                        <a:rPr lang="en-US" altLang="zh-CN" sz="1600" dirty="0">
+                          <a:solidFill>
+                            <a:schemeClr val="tx1">
+                              <a:lumMod val="65000"/>
+                              <a:lumOff val="35000"/>
+                            </a:schemeClr>
+                          </a:solidFill>
+                          <a:latin typeface="黑体" panose="02010609060101010101" pitchFamily="49" charset="-122"/>
+                          <a:ea typeface="黑体" panose="02010609060101010101" pitchFamily="49" charset="-122"/>
+                        </a:rPr>
+                        <a:t>100%</a:t>
+                      </a:r>
+                      <a:endParaRPr lang="zh-CN" altLang="en-US" sz="1600" dirty="0">
+                        <a:solidFill>
+                          <a:schemeClr val="tx1">
+                            <a:lumMod val="65000"/>
+                            <a:lumOff val="35000"/>
+                          </a:schemeClr>
+                        </a:solidFill>
+                        <a:latin typeface="黑体" panose="02010609060101010101" pitchFamily="49" charset="-122"/>
+                        <a:ea typeface="黑体" panose="02010609060101010101" pitchFamily="49" charset="-122"/>
+                      </a:endParaRPr>
+                    </a:p>
+                  </a:txBody>
+                  <a:tcPr/>
+                </a:tc>
+                <a:tc>
+                  <a:txBody>
+                    <a:bodyPr/>
+                    <a:lstStyle/>
+                    <a:p>
+                      <a:pPr algn="ctr"/>
+                      <a:r>
+                        <a:rPr lang="zh-CN" altLang="en-US" sz="1600" dirty="0">
+                          <a:solidFill>
+                            <a:schemeClr val="tx1">
+                              <a:lumMod val="65000"/>
+                              <a:lumOff val="35000"/>
+                            </a:schemeClr>
+                          </a:solidFill>
+                          <a:latin typeface="黑体" panose="02010609060101010101" pitchFamily="49" charset="-122"/>
+                          <a:ea typeface="黑体" panose="02010609060101010101" pitchFamily="49" charset="-122"/>
+                        </a:rPr>
+                        <a:t>黄钰朝，郭沛</a:t>
+                      </a:r>
+                    </a:p>
+                  </a:txBody>
+                  <a:tcPr/>
+                </a:tc>
+                <a:extLst>
+                  <a:ext uri="{0D108BD9-81ED-4DB2-BD59-A6C34878D82A}">
+                    <a16:rowId xmlns:a16="http://schemas.microsoft.com/office/drawing/2014/main" val="4058999679"/>
+                  </a:ext>
+                </a:extLst>
+              </a:tr>
+              <a:tr h="338240">
+                <a:tc>
+                  <a:txBody>
+                    <a:bodyPr/>
+                    <a:lstStyle/>
+                    <a:p>
+                      <a:pPr algn="ctr"/>
+                      <a:r>
+                        <a:rPr lang="zh-CN" altLang="en-US" sz="1600" dirty="0">
+                          <a:solidFill>
+                            <a:schemeClr val="tx1">
+                              <a:lumMod val="65000"/>
+                              <a:lumOff val="35000"/>
+                            </a:schemeClr>
+                          </a:solidFill>
+                          <a:latin typeface="黑体" panose="02010609060101010101" pitchFamily="49" charset="-122"/>
+                          <a:ea typeface="黑体" panose="02010609060101010101" pitchFamily="49" charset="-122"/>
+                        </a:rPr>
+                        <a:t>接口测试及</a:t>
+                      </a:r>
+                      <a:r>
+                        <a:rPr lang="en-US" altLang="zh-CN" sz="1600" dirty="0">
+                          <a:solidFill>
+                            <a:schemeClr val="tx1">
+                              <a:lumMod val="65000"/>
+                              <a:lumOff val="35000"/>
+                            </a:schemeClr>
+                          </a:solidFill>
+                          <a:latin typeface="黑体" panose="02010609060101010101" pitchFamily="49" charset="-122"/>
+                          <a:ea typeface="黑体" panose="02010609060101010101" pitchFamily="49" charset="-122"/>
+                        </a:rPr>
+                        <a:t>bug</a:t>
+                      </a:r>
+                      <a:r>
+                        <a:rPr lang="zh-CN" altLang="en-US" sz="1600" dirty="0">
+                          <a:solidFill>
+                            <a:schemeClr val="tx1">
+                              <a:lumMod val="65000"/>
+                              <a:lumOff val="35000"/>
+                            </a:schemeClr>
+                          </a:solidFill>
+                          <a:latin typeface="黑体" panose="02010609060101010101" pitchFamily="49" charset="-122"/>
+                          <a:ea typeface="黑体" panose="02010609060101010101" pitchFamily="49" charset="-122"/>
+                        </a:rPr>
+                        <a:t>修复</a:t>
+                      </a:r>
+                    </a:p>
+                  </a:txBody>
+                  <a:tcPr/>
+                </a:tc>
+                <a:tc>
+                  <a:txBody>
+                    <a:bodyPr/>
+                    <a:lstStyle/>
+                    <a:p>
+                      <a:pPr algn="ctr"/>
+                      <a:r>
+                        <a:rPr lang="en-US" altLang="zh-CN" sz="1600" dirty="0">
+                          <a:solidFill>
+                            <a:schemeClr val="tx1">
+                              <a:lumMod val="65000"/>
+                              <a:lumOff val="35000"/>
+                            </a:schemeClr>
+                          </a:solidFill>
+                          <a:latin typeface="黑体" panose="02010609060101010101" pitchFamily="49" charset="-122"/>
+                          <a:ea typeface="黑体" panose="02010609060101010101" pitchFamily="49" charset="-122"/>
+                        </a:rPr>
+                        <a:t>100%</a:t>
+                      </a:r>
+                      <a:endParaRPr lang="zh-CN" altLang="en-US" sz="1600" dirty="0">
+                        <a:solidFill>
+                          <a:schemeClr val="tx1">
+                            <a:lumMod val="65000"/>
+                            <a:lumOff val="35000"/>
+                          </a:schemeClr>
+                        </a:solidFill>
+                        <a:latin typeface="黑体" panose="02010609060101010101" pitchFamily="49" charset="-122"/>
+                        <a:ea typeface="黑体" panose="02010609060101010101" pitchFamily="49" charset="-122"/>
+                      </a:endParaRPr>
+                    </a:p>
+                  </a:txBody>
+                  <a:tcPr/>
+                </a:tc>
+                <a:tc>
+                  <a:txBody>
+                    <a:bodyPr/>
+                    <a:lstStyle/>
+                    <a:p>
+                      <a:pPr algn="ctr"/>
+                      <a:r>
+                        <a:rPr lang="zh-CN" altLang="en-US" sz="1600" dirty="0">
+                          <a:solidFill>
+                            <a:schemeClr val="tx1">
+                              <a:lumMod val="65000"/>
+                              <a:lumOff val="35000"/>
+                            </a:schemeClr>
+                          </a:solidFill>
+                          <a:latin typeface="黑体" panose="02010609060101010101" pitchFamily="49" charset="-122"/>
+                          <a:ea typeface="黑体" panose="02010609060101010101" pitchFamily="49" charset="-122"/>
+                        </a:rPr>
+                        <a:t>黄钰朝，郭沛</a:t>
+                      </a:r>
+                    </a:p>
+                  </a:txBody>
+                  <a:tcPr/>
+                </a:tc>
+                <a:extLst>
+                  <a:ext uri="{0D108BD9-81ED-4DB2-BD59-A6C34878D82A}">
+                    <a16:rowId xmlns:a16="http://schemas.microsoft.com/office/drawing/2014/main" val="2619578166"/>
+                  </a:ext>
+                </a:extLst>
+              </a:tr>
+            </a:tbl>
+          </a:graphicData>
+        </a:graphic>
+      </p:graphicFrame>
+      <p:sp>
+        <p:nvSpPr>
+          <p:cNvPr id="32" name="文本框 31">
+            <a:extLst>
+              <a:ext uri="{FF2B5EF4-FFF2-40B4-BE49-F238E27FC236}">
+                <a16:creationId xmlns:a16="http://schemas.microsoft.com/office/drawing/2014/main" id="{9C59C1D2-9772-468F-9786-893FFAF0137F}"/>
+              </a:ext>
+            </a:extLst>
+          </p:cNvPr>
+          <p:cNvSpPr txBox="1"/>
+          <p:nvPr/>
+        </p:nvSpPr>
+        <p:spPr>
+          <a:xfrm>
+            <a:off x="6227018" y="1451741"/>
+            <a:ext cx="1965434" cy="369332"/>
+          </a:xfrm>
+          <a:prstGeom prst="rect">
+            <a:avLst/>
+          </a:prstGeom>
+          <a:noFill/>
+        </p:spPr>
+        <p:txBody>
+          <a:bodyPr wrap="square" rtlCol="0">
+            <a:spAutoFit/>
+          </a:bodyPr>
+          <a:lstStyle/>
+          <a:p>
+            <a:r>
+              <a:rPr lang="zh-CN" altLang="en-US" dirty="0"/>
+              <a:t>后台组</a:t>
+            </a:r>
+          </a:p>
+        </p:txBody>
+      </p:sp>
+    </p:spTree>
+    <p:extLst>
+      <p:ext uri="{BB962C8B-B14F-4D97-AF65-F5344CB8AC3E}">
+        <p14:creationId xmlns:p14="http://schemas.microsoft.com/office/powerpoint/2010/main" val="1074243480"/>
+      </p:ext>
+    </p:extLst>
+  </p:cSld>
+  <p:clrMapOvr>
+    <a:masterClrMapping/>
+  </p:clrMapOvr>
+  <p:timing>
+    <p:tnLst>
+      <p:par>
+        <p:cTn id="1" dur="indefinite" restart="never" nodeType="tmRoot">
+          <p:childTnLst>
+            <p:seq concurrent="1" nextAc="seek">
+              <p:cTn id="2" dur="indefinite" nodeType="mainSeq">
+                <p:childTnLst>
+                  <p:par>
+                    <p:cTn id="3" fill="hold">
+                      <p:stCondLst>
+                        <p:cond delay="indefinite"/>
+                        <p:cond evt="onBegin" delay="0">
+                          <p:tn val="2"/>
+                        </p:cond>
+                      </p:stCondLst>
+                      <p:childTnLst>
+                        <p:par>
+                          <p:cTn id="4" fill="hold">
+                            <p:stCondLst>
+                              <p:cond delay="0"/>
+                            </p:stCondLst>
+                            <p:childTnLst>
+                              <p:par>
+                                <p:cTn id="5" presetID="10" presetClass="entr" presetSubtype="0" fill="hold" grpId="0" nodeType="afterEffect">
+                                  <p:stCondLst>
+                                    <p:cond delay="0"/>
+                                  </p:stCondLst>
+                                  <p:childTnLst>
+                                    <p:set>
+                                      <p:cBhvr>
+                                        <p:cTn id="6" dur="1" fill="hold">
+                                          <p:stCondLst>
+                                            <p:cond delay="0"/>
+                                          </p:stCondLst>
+                                        </p:cTn>
+                                        <p:tgtEl>
+                                          <p:spTgt spid="2"/>
+                                        </p:tgtEl>
+                                        <p:attrNameLst>
+                                          <p:attrName>style.visibility</p:attrName>
+                                        </p:attrNameLst>
+                                      </p:cBhvr>
+                                      <p:to>
+                                        <p:strVal val="visible"/>
+                                      </p:to>
+                                    </p:set>
+                                    <p:animEffect transition="in" filter="fade">
+                                      <p:cBhvr>
+                                        <p:cTn id="7" dur="500"/>
+                                        <p:tgtEl>
+                                          <p:spTgt spid="2"/>
+                                        </p:tgtEl>
+                                      </p:cBhvr>
+                                    </p:animEffect>
+                                  </p:childTnLst>
+                                </p:cTn>
+                              </p:par>
+                            </p:childTnLst>
+                          </p:cTn>
+                        </p:par>
+                        <p:par>
+                          <p:cTn id="8" fill="hold">
+                            <p:stCondLst>
+                              <p:cond delay="500"/>
+                            </p:stCondLst>
+                            <p:childTnLst>
+                              <p:par>
+                                <p:cTn id="9" presetID="10" presetClass="entr" presetSubtype="0" fill="hold" grpId="0" nodeType="afterEffect">
+                                  <p:stCondLst>
+                                    <p:cond delay="0"/>
+                                  </p:stCondLst>
+                                  <p:childTnLst>
+                                    <p:set>
+                                      <p:cBhvr>
+                                        <p:cTn id="10" dur="1" fill="hold">
+                                          <p:stCondLst>
+                                            <p:cond delay="0"/>
+                                          </p:stCondLst>
+                                        </p:cTn>
+                                        <p:tgtEl>
+                                          <p:spTgt spid="3"/>
+                                        </p:tgtEl>
+                                        <p:attrNameLst>
+                                          <p:attrName>style.visibility</p:attrName>
+                                        </p:attrNameLst>
+                                      </p:cBhvr>
+                                      <p:to>
+                                        <p:strVal val="visible"/>
+                                      </p:to>
+                                    </p:set>
+                                    <p:animEffect transition="in" filter="fade">
+                                      <p:cBhvr>
+                                        <p:cTn id="11" dur="500"/>
+                                        <p:tgtEl>
+                                          <p:spTgt spid="3"/>
+                                        </p:tgtEl>
+                                      </p:cBhvr>
+                                    </p:animEffect>
+                                  </p:childTnLst>
+                                </p:cTn>
+                              </p:par>
+                            </p:childTnLst>
+                          </p:cTn>
+                        </p:par>
+                      </p:childTnLst>
+                    </p:cTn>
+                  </p:par>
+                  <p:par>
+                    <p:cTn id="12" fill="hold">
+                      <p:stCondLst>
+                        <p:cond delay="indefinite"/>
+                      </p:stCondLst>
+                      <p:childTnLst>
+                        <p:par>
+                          <p:cTn id="13" fill="hold">
+                            <p:stCondLst>
+                              <p:cond delay="0"/>
+                            </p:stCondLst>
+                            <p:childTnLst>
+                              <p:par>
+                                <p:cTn id="14" presetID="42" presetClass="entr" presetSubtype="0" fill="hold" nodeType="clickEffect">
+                                  <p:stCondLst>
+                                    <p:cond delay="0"/>
+                                  </p:stCondLst>
+                                  <p:childTnLst>
+                                    <p:set>
+                                      <p:cBhvr>
+                                        <p:cTn id="15" dur="1" fill="hold">
+                                          <p:stCondLst>
+                                            <p:cond delay="0"/>
+                                          </p:stCondLst>
+                                        </p:cTn>
+                                        <p:tgtEl>
+                                          <p:spTgt spid="31"/>
+                                        </p:tgtEl>
+                                        <p:attrNameLst>
+                                          <p:attrName>style.visibility</p:attrName>
+                                        </p:attrNameLst>
+                                      </p:cBhvr>
+                                      <p:to>
+                                        <p:strVal val="visible"/>
+                                      </p:to>
+                                    </p:set>
+                                    <p:animEffect transition="in" filter="fade">
+                                      <p:cBhvr>
+                                        <p:cTn id="16" dur="1000"/>
+                                        <p:tgtEl>
+                                          <p:spTgt spid="31"/>
+                                        </p:tgtEl>
+                                      </p:cBhvr>
+                                    </p:animEffect>
+                                    <p:anim calcmode="lin" valueType="num">
+                                      <p:cBhvr>
+                                        <p:cTn id="17" dur="1000" fill="hold"/>
+                                        <p:tgtEl>
+                                          <p:spTgt spid="31"/>
+                                        </p:tgtEl>
+                                        <p:attrNameLst>
+                                          <p:attrName>ppt_x</p:attrName>
+                                        </p:attrNameLst>
+                                      </p:cBhvr>
+                                      <p:tavLst>
+                                        <p:tav tm="0">
+                                          <p:val>
+                                            <p:strVal val="#ppt_x"/>
+                                          </p:val>
+                                        </p:tav>
+                                        <p:tav tm="100000">
+                                          <p:val>
+                                            <p:strVal val="#ppt_x"/>
+                                          </p:val>
+                                        </p:tav>
+                                      </p:tavLst>
+                                    </p:anim>
+                                    <p:anim calcmode="lin" valueType="num">
+                                      <p:cBhvr>
+                                        <p:cTn id="18" dur="1000" fill="hold"/>
+                                        <p:tgtEl>
+                                          <p:spTgt spid="31"/>
+                                        </p:tgtEl>
+                                        <p:attrNameLst>
+                                          <p:attrName>ppt_y</p:attrName>
+                                        </p:attrNameLst>
+                                      </p:cBhvr>
+                                      <p:tavLst>
+                                        <p:tav tm="0">
+                                          <p:val>
+                                            <p:strVal val="#ppt_y+.1"/>
+                                          </p:val>
+                                        </p:tav>
+                                        <p:tav tm="100000">
+                                          <p:val>
+                                            <p:strVal val="#ppt_y"/>
+                                          </p:val>
+                                        </p:tav>
+                                      </p:tavLst>
+                                    </p:anim>
+                                  </p:childTnLst>
+                                </p:cTn>
+                              </p:par>
+                            </p:childTnLst>
+                          </p:cTn>
+                        </p:par>
+                      </p:childTnLst>
+                    </p:cTn>
+                  </p:par>
+                </p:childTnLst>
+              </p:cTn>
+              <p:prevCondLst>
+                <p:cond evt="onPrev" delay="0">
+                  <p:tgtEl>
+                    <p:sldTgt/>
+                  </p:tgtEl>
+                </p:cond>
+              </p:prevCondLst>
+              <p:nextCondLst>
+                <p:cond evt="onNext" delay="0">
+                  <p:tgtEl>
+                    <p:sldTgt/>
+                  </p:tgtEl>
+                </p:cond>
+              </p:nextCondLst>
+            </p:seq>
+          </p:childTnLst>
+        </p:cTn>
+      </p:par>
+    </p:tnLst>
+    <p:bldLst>
+      <p:bldP spid="2" grpId="0"/>
+      <p:bldP spid="3" grpId="0"/>
+    </p:bldLst>
+  </p:timing>
+</p:sld>
+</file>
+
+<file path=ppt/slides/slide11.xml><?xml version="1.0" encoding="utf-8"?>
+<p:sld xmlns:a="http://schemas.openxmlformats.org/drawingml/2006/main" xmlns:r="http://schemas.openxmlformats.org/officeDocument/2006/relationships" xmlns:p="http://schemas.openxmlformats.org/presentationml/2006/main">
+  <p:cSld>
+    <p:spTree>
+      <p:nvGrpSpPr>
+        <p:cNvPr id="1" name=""/>
+        <p:cNvGrpSpPr/>
+        <p:nvPr/>
+      </p:nvGrpSpPr>
+      <p:grpSpPr>
+        <a:xfrm>
+          <a:off x="0" y="0"/>
+          <a:ext cx="0" cy="0"/>
+          <a:chOff x="0" y="0"/>
+          <a:chExt cx="0" cy="0"/>
+        </a:xfrm>
+      </p:grpSpPr>
+      <p:sp>
+        <p:nvSpPr>
+          <p:cNvPr id="10" name="Oval 66"/>
+          <p:cNvSpPr>
+            <a:spLocks noChangeArrowheads="1"/>
+          </p:cNvSpPr>
+          <p:nvPr/>
+        </p:nvSpPr>
+        <p:spPr bwMode="auto">
+          <a:xfrm>
+            <a:off x="-400834" y="-1376721"/>
+            <a:ext cx="3587632" cy="3587632"/>
+          </a:xfrm>
+          <a:prstGeom prst="ellipse">
+            <a:avLst/>
+          </a:prstGeom>
+          <a:solidFill>
+            <a:srgbClr val="7030A0"/>
+          </a:solidFill>
+          <a:ln>
+            <a:noFill/>
+          </a:ln>
+          <a:effectLst>
+            <a:outerShdw blurRad="215900" dist="38100" dir="2700000" sx="103000" sy="103000" algn="tl" rotWithShape="0">
+              <a:prstClr val="black">
+                <a:alpha val="40000"/>
+              </a:prstClr>
+            </a:outerShdw>
+          </a:effectLst>
+        </p:spPr>
+        <p:txBody>
+          <a:bodyPr vert="horz" wrap="square" lIns="91440" tIns="45720" rIns="91440" bIns="45720" numCol="1" anchor="t" anchorCtr="0" compatLnSpc="1"/>
+          <a:lstStyle/>
+          <a:p>
+            <a:pPr lvl="0"/>
+            <a:endParaRPr lang="zh-CN" altLang="en-US"/>
+          </a:p>
+        </p:txBody>
+      </p:sp>
+      <p:sp>
+        <p:nvSpPr>
+          <p:cNvPr id="11" name="Oval 72"/>
+          <p:cNvSpPr>
+            <a:spLocks noChangeArrowheads="1"/>
+          </p:cNvSpPr>
+          <p:nvPr/>
+        </p:nvSpPr>
+        <p:spPr bwMode="auto">
+          <a:xfrm>
+            <a:off x="2535381" y="874806"/>
+            <a:ext cx="1002145" cy="1002145"/>
+          </a:xfrm>
+          <a:prstGeom prst="ellipse">
+            <a:avLst/>
+          </a:prstGeom>
+          <a:solidFill>
+            <a:srgbClr val="A162D0"/>
+          </a:solidFill>
+          <a:ln>
+            <a:noFill/>
+          </a:ln>
+          <a:effectLst>
+            <a:outerShdw blurRad="215900" dist="38100" dir="2700000" sx="103000" sy="103000" algn="tl" rotWithShape="0">
+              <a:prstClr val="black">
+                <a:alpha val="40000"/>
+              </a:prstClr>
+            </a:outerShdw>
+          </a:effectLst>
+        </p:spPr>
+        <p:txBody>
+          <a:bodyPr vert="horz" wrap="square" lIns="91440" tIns="45720" rIns="91440" bIns="45720" numCol="1" anchor="t" anchorCtr="0" compatLnSpc="1"/>
+          <a:lstStyle/>
+          <a:p>
+            <a:pPr lvl="0"/>
+            <a:endParaRPr lang="zh-CN" altLang="en-US"/>
+          </a:p>
+        </p:txBody>
+      </p:sp>
+      <p:pic>
+        <p:nvPicPr>
+          <p:cNvPr id="12" name="图片 11"/>
+          <p:cNvPicPr>
+            <a:picLocks noChangeAspect="1"/>
+          </p:cNvPicPr>
+          <p:nvPr/>
+        </p:nvPicPr>
+        <p:blipFill>
+          <a:blip r:embed="rId2" cstate="print">
+            <a:extLst>
+              <a:ext uri="{28A0092B-C50C-407E-A947-70E740481C1C}">
+                <a14:useLocalDpi xmlns:a14="http://schemas.microsoft.com/office/drawing/2010/main" val="0"/>
+              </a:ext>
+            </a:extLst>
+          </a:blip>
+          <a:stretch>
+            <a:fillRect/>
+          </a:stretch>
+        </p:blipFill>
+        <p:spPr>
+          <a:xfrm>
+            <a:off x="10854188" y="5669107"/>
+            <a:ext cx="875357" cy="891219"/>
+          </a:xfrm>
+          <a:prstGeom prst="rect">
+            <a:avLst/>
+          </a:prstGeom>
+          <a:effectLst>
+            <a:outerShdw blurRad="215900" dist="38100" dir="2700000" sx="103000" sy="103000" algn="tl" rotWithShape="0">
+              <a:prstClr val="black">
+                <a:alpha val="40000"/>
+              </a:prstClr>
+            </a:outerShdw>
+            <a:softEdge rad="0"/>
+          </a:effectLst>
+        </p:spPr>
+      </p:pic>
+      <p:sp>
+        <p:nvSpPr>
+          <p:cNvPr id="2" name="标题 1"/>
+          <p:cNvSpPr>
+            <a:spLocks noGrp="1"/>
+          </p:cNvSpPr>
+          <p:nvPr>
+            <p:ph type="ctrTitle"/>
+          </p:nvPr>
+        </p:nvSpPr>
+        <p:spPr>
+          <a:xfrm>
+            <a:off x="346363" y="229659"/>
+            <a:ext cx="2355273" cy="1002145"/>
+          </a:xfrm>
+        </p:spPr>
+        <p:txBody>
+          <a:bodyPr>
+            <a:normAutofit/>
+          </a:bodyPr>
+          <a:lstStyle/>
+          <a:p>
+            <a:r>
+              <a:rPr lang="zh-CN" altLang="en-US" sz="3600" b="1" i="1" dirty="0">
+                <a:solidFill>
+                  <a:schemeClr val="bg1">
+                    <a:lumMod val="95000"/>
+                  </a:schemeClr>
+                </a:solidFill>
+                <a:latin typeface="黑体" panose="02010609060101010101" pitchFamily="49" charset="-122"/>
+                <a:ea typeface="黑体" panose="02010609060101010101" pitchFamily="49" charset="-122"/>
+              </a:rPr>
+              <a:t>未来计划</a:t>
+            </a:r>
+          </a:p>
+        </p:txBody>
+      </p:sp>
+      <p:graphicFrame>
+        <p:nvGraphicFramePr>
+          <p:cNvPr id="4" name="表格 3"/>
+          <p:cNvGraphicFramePr>
+            <a:graphicFrameLocks noGrp="1"/>
+          </p:cNvGraphicFramePr>
+          <p:nvPr/>
+        </p:nvGraphicFramePr>
+        <p:xfrm>
+          <a:off x="2216893" y="3085605"/>
+          <a:ext cx="8253942" cy="1483360"/>
+        </p:xfrm>
+        <a:graphic>
+          <a:graphicData uri="http://schemas.openxmlformats.org/drawingml/2006/table">
+            <a:tbl>
+              <a:tblPr firstRow="1" bandRow="1">
+                <a:tableStyleId>{0660B408-B3CF-4A94-85FC-2B1E0A45F4A2}</a:tableStyleId>
+              </a:tblPr>
+              <a:tblGrid>
+                <a:gridCol w="2751314">
+                  <a:extLst>
+                    <a:ext uri="{9D8B030D-6E8A-4147-A177-3AD203B41FA5}">
+                      <a16:colId xmlns:a16="http://schemas.microsoft.com/office/drawing/2014/main" val="20000"/>
+                    </a:ext>
+                  </a:extLst>
+                </a:gridCol>
+                <a:gridCol w="2751314">
+                  <a:extLst>
+                    <a:ext uri="{9D8B030D-6E8A-4147-A177-3AD203B41FA5}">
+                      <a16:colId xmlns:a16="http://schemas.microsoft.com/office/drawing/2014/main" val="20001"/>
+                    </a:ext>
+                  </a:extLst>
+                </a:gridCol>
+                <a:gridCol w="2751314">
+                  <a:extLst>
+                    <a:ext uri="{9D8B030D-6E8A-4147-A177-3AD203B41FA5}">
+                      <a16:colId xmlns:a16="http://schemas.microsoft.com/office/drawing/2014/main" val="20002"/>
+                    </a:ext>
+                  </a:extLst>
+                </a:gridCol>
+              </a:tblGrid>
+              <a:tr h="370840">
+                <a:tc>
+                  <a:txBody>
+                    <a:bodyPr/>
+                    <a:lstStyle/>
+                    <a:p>
+                      <a:pPr algn="ctr"/>
+                      <a:r>
+                        <a:rPr lang="zh-CN" altLang="en-US" dirty="0"/>
+                        <a:t>事项</a:t>
+                      </a:r>
+                    </a:p>
+                  </a:txBody>
+                  <a:tcPr>
+                    <a:solidFill>
+                      <a:srgbClr val="7030A0"/>
+                    </a:solidFill>
+                  </a:tcPr>
+                </a:tc>
+                <a:tc>
+                  <a:txBody>
+                    <a:bodyPr/>
+                    <a:lstStyle/>
+                    <a:p>
+                      <a:pPr algn="ctr"/>
+                      <a:r>
+                        <a:rPr lang="zh-CN" altLang="en-US" dirty="0"/>
+                        <a:t>预计工时</a:t>
+                      </a:r>
+                    </a:p>
+                  </a:txBody>
+                  <a:tcPr>
+                    <a:solidFill>
+                      <a:srgbClr val="7030A0"/>
+                    </a:solidFill>
+                  </a:tcPr>
+                </a:tc>
+                <a:tc>
+                  <a:txBody>
+                    <a:bodyPr/>
+                    <a:lstStyle/>
+                    <a:p>
+                      <a:pPr algn="ctr"/>
+                      <a:r>
+                        <a:rPr lang="zh-CN" altLang="en-US" dirty="0"/>
+                        <a:t>参与成员</a:t>
+                      </a:r>
+                    </a:p>
+                  </a:txBody>
+                  <a:tcPr>
+                    <a:solidFill>
+                      <a:srgbClr val="7030A0"/>
+                    </a:solidFill>
+                  </a:tcPr>
+                </a:tc>
+                <a:extLst>
+                  <a:ext uri="{0D108BD9-81ED-4DB2-BD59-A6C34878D82A}">
+                    <a16:rowId xmlns:a16="http://schemas.microsoft.com/office/drawing/2014/main" val="10000"/>
+                  </a:ext>
+                </a:extLst>
+              </a:tr>
+              <a:tr h="370840">
+                <a:tc>
+                  <a:txBody>
+                    <a:bodyPr/>
+                    <a:lstStyle/>
+                    <a:p>
+                      <a:pPr algn="ctr"/>
+                      <a:r>
+                        <a:rPr lang="zh-CN" altLang="en-US" sz="1600" dirty="0">
+                          <a:solidFill>
+                            <a:schemeClr val="tx1">
+                              <a:lumMod val="65000"/>
+                              <a:lumOff val="35000"/>
+                            </a:schemeClr>
+                          </a:solidFill>
+                          <a:latin typeface="黑体" panose="02010609060101010101" pitchFamily="49" charset="-122"/>
+                          <a:ea typeface="黑体" panose="02010609060101010101" pitchFamily="49" charset="-122"/>
+                        </a:rPr>
+                        <a:t>项目</a:t>
+                      </a:r>
+                      <a:r>
+                        <a:rPr lang="en-US" altLang="zh-CN" sz="1600" dirty="0">
+                          <a:solidFill>
+                            <a:schemeClr val="tx1">
+                              <a:lumMod val="65000"/>
+                              <a:lumOff val="35000"/>
+                            </a:schemeClr>
+                          </a:solidFill>
+                          <a:latin typeface="黑体" panose="02010609060101010101" pitchFamily="49" charset="-122"/>
+                          <a:ea typeface="黑体" panose="02010609060101010101" pitchFamily="49" charset="-122"/>
+                        </a:rPr>
+                        <a:t>Demo</a:t>
+                      </a:r>
+                      <a:r>
+                        <a:rPr lang="zh-CN" altLang="en-US" sz="1600" dirty="0">
+                          <a:solidFill>
+                            <a:schemeClr val="tx1">
+                              <a:lumMod val="65000"/>
+                              <a:lumOff val="35000"/>
+                            </a:schemeClr>
+                          </a:solidFill>
+                          <a:latin typeface="黑体" panose="02010609060101010101" pitchFamily="49" charset="-122"/>
+                          <a:ea typeface="黑体" panose="02010609060101010101" pitchFamily="49" charset="-122"/>
+                        </a:rPr>
+                        <a:t>开发</a:t>
+                      </a:r>
+                    </a:p>
+                  </a:txBody>
+                  <a:tcPr/>
+                </a:tc>
+                <a:tc>
+                  <a:txBody>
+                    <a:bodyPr/>
+                    <a:lstStyle/>
+                    <a:p>
+                      <a:pPr algn="ctr"/>
+                      <a:r>
+                        <a:rPr lang="en-US" altLang="zh-CN" sz="1600" dirty="0">
+                          <a:solidFill>
+                            <a:schemeClr val="tx1">
+                              <a:lumMod val="65000"/>
+                              <a:lumOff val="35000"/>
+                            </a:schemeClr>
+                          </a:solidFill>
+                          <a:latin typeface="黑体" panose="02010609060101010101" pitchFamily="49" charset="-122"/>
+                          <a:ea typeface="黑体" panose="02010609060101010101" pitchFamily="49" charset="-122"/>
+                        </a:rPr>
+                        <a:t>1</a:t>
+                      </a:r>
+                      <a:r>
+                        <a:rPr lang="zh-CN" altLang="en-US" sz="1600" dirty="0">
+                          <a:solidFill>
+                            <a:schemeClr val="tx1">
+                              <a:lumMod val="65000"/>
+                              <a:lumOff val="35000"/>
+                            </a:schemeClr>
+                          </a:solidFill>
+                          <a:latin typeface="黑体" panose="02010609060101010101" pitchFamily="49" charset="-122"/>
+                          <a:ea typeface="黑体" panose="02010609060101010101" pitchFamily="49" charset="-122"/>
+                        </a:rPr>
+                        <a:t>周</a:t>
+                      </a:r>
+                    </a:p>
+                  </a:txBody>
+                  <a:tcPr/>
+                </a:tc>
+                <a:tc>
+                  <a:txBody>
+                    <a:bodyPr/>
+                    <a:lstStyle/>
+                    <a:p>
+                      <a:pPr algn="ctr"/>
+                      <a:r>
+                        <a:rPr lang="zh-CN" altLang="en-US" sz="1600" dirty="0">
+                          <a:solidFill>
+                            <a:schemeClr val="tx1">
+                              <a:lumMod val="65000"/>
+                              <a:lumOff val="35000"/>
+                            </a:schemeClr>
+                          </a:solidFill>
+                          <a:latin typeface="黑体" panose="02010609060101010101" pitchFamily="49" charset="-122"/>
+                          <a:ea typeface="黑体" panose="02010609060101010101" pitchFamily="49" charset="-122"/>
+                        </a:rPr>
+                        <a:t>卢俊廷、禤骏</a:t>
+                      </a:r>
+                    </a:p>
+                  </a:txBody>
+                  <a:tcPr/>
+                </a:tc>
+                <a:extLst>
+                  <a:ext uri="{0D108BD9-81ED-4DB2-BD59-A6C34878D82A}">
+                    <a16:rowId xmlns:a16="http://schemas.microsoft.com/office/drawing/2014/main" val="10001"/>
+                  </a:ext>
+                </a:extLst>
+              </a:tr>
+              <a:tr h="370840">
+                <a:tc>
+                  <a:txBody>
+                    <a:bodyPr/>
+                    <a:lstStyle/>
+                    <a:p>
+                      <a:pPr algn="ctr"/>
+                      <a:r>
+                        <a:rPr lang="zh-CN" altLang="en-US" sz="1600" dirty="0">
+                          <a:solidFill>
+                            <a:schemeClr val="tx1">
+                              <a:lumMod val="65000"/>
+                              <a:lumOff val="35000"/>
+                            </a:schemeClr>
+                          </a:solidFill>
+                          <a:latin typeface="黑体" panose="02010609060101010101" pitchFamily="49" charset="-122"/>
+                          <a:ea typeface="黑体" panose="02010609060101010101" pitchFamily="49" charset="-122"/>
+                        </a:rPr>
+                        <a:t>收集词根</a:t>
+                      </a:r>
+                    </a:p>
+                  </a:txBody>
+                  <a:tcPr/>
+                </a:tc>
+                <a:tc>
+                  <a:txBody>
+                    <a:bodyPr/>
+                    <a:lstStyle/>
+                    <a:p>
+                      <a:pPr algn="ctr"/>
+                      <a:r>
+                        <a:rPr lang="en-US" altLang="zh-CN" sz="1600" dirty="0">
+                          <a:solidFill>
+                            <a:schemeClr val="tx1">
+                              <a:lumMod val="65000"/>
+                              <a:lumOff val="35000"/>
+                            </a:schemeClr>
+                          </a:solidFill>
+                          <a:latin typeface="黑体" panose="02010609060101010101" pitchFamily="49" charset="-122"/>
+                          <a:ea typeface="黑体" panose="02010609060101010101" pitchFamily="49" charset="-122"/>
+                        </a:rPr>
+                        <a:t>3</a:t>
+                      </a:r>
+                      <a:r>
+                        <a:rPr lang="zh-CN" altLang="en-US" sz="1600" dirty="0">
+                          <a:solidFill>
+                            <a:schemeClr val="tx1">
+                              <a:lumMod val="65000"/>
+                              <a:lumOff val="35000"/>
+                            </a:schemeClr>
+                          </a:solidFill>
+                          <a:latin typeface="黑体" panose="02010609060101010101" pitchFamily="49" charset="-122"/>
+                          <a:ea typeface="黑体" panose="02010609060101010101" pitchFamily="49" charset="-122"/>
+                        </a:rPr>
+                        <a:t>天</a:t>
+                      </a:r>
+                    </a:p>
+                  </a:txBody>
+                  <a:tcPr/>
+                </a:tc>
+                <a:tc>
+                  <a:txBody>
+                    <a:bodyPr/>
+                    <a:lstStyle/>
+                    <a:p>
+                      <a:pPr algn="ctr"/>
+                      <a:r>
+                        <a:rPr lang="zh-CN" altLang="en-US" sz="1600" dirty="0">
+                          <a:solidFill>
+                            <a:schemeClr val="tx1">
+                              <a:lumMod val="65000"/>
+                              <a:lumOff val="35000"/>
+                            </a:schemeClr>
+                          </a:solidFill>
+                          <a:latin typeface="黑体" panose="02010609060101010101" pitchFamily="49" charset="-122"/>
+                          <a:ea typeface="黑体" panose="02010609060101010101" pitchFamily="49" charset="-122"/>
+                        </a:rPr>
+                        <a:t>禤骏</a:t>
+                      </a:r>
+                    </a:p>
+                  </a:txBody>
+                  <a:tcPr/>
+                </a:tc>
+                <a:extLst>
+                  <a:ext uri="{0D108BD9-81ED-4DB2-BD59-A6C34878D82A}">
+                    <a16:rowId xmlns:a16="http://schemas.microsoft.com/office/drawing/2014/main" val="10002"/>
+                  </a:ext>
+                </a:extLst>
+              </a:tr>
+              <a:tr h="370840">
+                <a:tc>
+                  <a:txBody>
+                    <a:bodyPr/>
+                    <a:lstStyle/>
+                    <a:p>
+                      <a:pPr algn="ctr"/>
+                      <a:endParaRPr lang="zh-CN" altLang="en-US" sz="1600" dirty="0">
+                        <a:solidFill>
+                          <a:schemeClr val="tx1">
+                            <a:lumMod val="65000"/>
+                            <a:lumOff val="35000"/>
+                          </a:schemeClr>
+                        </a:solidFill>
+                        <a:latin typeface="黑体" panose="02010609060101010101" pitchFamily="49" charset="-122"/>
+                        <a:ea typeface="黑体" panose="02010609060101010101" pitchFamily="49" charset="-122"/>
+                      </a:endParaRPr>
+                    </a:p>
+                  </a:txBody>
+                  <a:tcPr/>
+                </a:tc>
+                <a:tc>
+                  <a:txBody>
+                    <a:bodyPr/>
+                    <a:lstStyle/>
+                    <a:p>
+                      <a:pPr algn="ctr"/>
+                      <a:endParaRPr lang="zh-CN" altLang="en-US" sz="1600" dirty="0">
+                        <a:solidFill>
+                          <a:schemeClr val="tx1">
+                            <a:lumMod val="65000"/>
+                            <a:lumOff val="35000"/>
+                          </a:schemeClr>
+                        </a:solidFill>
+                        <a:latin typeface="黑体" panose="02010609060101010101" pitchFamily="49" charset="-122"/>
+                        <a:ea typeface="黑体" panose="02010609060101010101" pitchFamily="49" charset="-122"/>
+                      </a:endParaRPr>
+                    </a:p>
+                  </a:txBody>
+                  <a:tcPr/>
+                </a:tc>
+                <a:tc>
+                  <a:txBody>
+                    <a:bodyPr/>
+                    <a:lstStyle/>
+                    <a:p>
+                      <a:pPr algn="ctr"/>
+                      <a:endParaRPr lang="zh-CN" altLang="en-US" sz="1600" dirty="0">
+                        <a:solidFill>
+                          <a:schemeClr val="tx1">
+                            <a:lumMod val="65000"/>
+                            <a:lumOff val="35000"/>
+                          </a:schemeClr>
+                        </a:solidFill>
+                        <a:latin typeface="黑体" panose="02010609060101010101" pitchFamily="49" charset="-122"/>
+                        <a:ea typeface="黑体" panose="02010609060101010101" pitchFamily="49" charset="-122"/>
+                      </a:endParaRPr>
+                    </a:p>
+                  </a:txBody>
+                  <a:tcPr/>
+                </a:tc>
+                <a:extLst>
+                  <a:ext uri="{0D108BD9-81ED-4DB2-BD59-A6C34878D82A}">
+                    <a16:rowId xmlns:a16="http://schemas.microsoft.com/office/drawing/2014/main" val="10003"/>
+                  </a:ext>
+                </a:extLst>
+              </a:tr>
+            </a:tbl>
+          </a:graphicData>
+        </a:graphic>
+      </p:graphicFrame>
+      <p:sp>
+        <p:nvSpPr>
+          <p:cNvPr id="3" name="文本框 2"/>
+          <p:cNvSpPr txBox="1"/>
+          <p:nvPr/>
+        </p:nvSpPr>
+        <p:spPr>
+          <a:xfrm>
+            <a:off x="611447" y="1196697"/>
+            <a:ext cx="2164080" cy="369332"/>
+          </a:xfrm>
+          <a:prstGeom prst="rect">
+            <a:avLst/>
+          </a:prstGeom>
+          <a:noFill/>
+        </p:spPr>
+        <p:txBody>
+          <a:bodyPr wrap="square" rtlCol="0">
+            <a:spAutoFit/>
+          </a:bodyPr>
+          <a:lstStyle/>
+          <a:p>
+            <a:r>
+              <a:rPr lang="en-US" altLang="zh-CN" i="1" dirty="0">
+                <a:solidFill>
+                  <a:schemeClr val="bg1">
+                    <a:lumMod val="95000"/>
+                  </a:schemeClr>
+                </a:solidFill>
+                <a:latin typeface="+mj-ea"/>
+                <a:ea typeface="+mj-ea"/>
+              </a:rPr>
+              <a:t>future plan</a:t>
+            </a:r>
+            <a:endParaRPr lang="zh-CN" altLang="en-US" i="1" dirty="0">
+              <a:solidFill>
+                <a:schemeClr val="bg1">
+                  <a:lumMod val="95000"/>
+                </a:schemeClr>
+              </a:solidFill>
+              <a:latin typeface="+mj-ea"/>
+              <a:ea typeface="+mj-ea"/>
+            </a:endParaRPr>
+          </a:p>
+        </p:txBody>
+      </p:sp>
+      <p:grpSp>
+        <p:nvGrpSpPr>
+          <p:cNvPr id="27" name="组合 26"/>
+          <p:cNvGrpSpPr/>
+          <p:nvPr/>
+        </p:nvGrpSpPr>
+        <p:grpSpPr>
+          <a:xfrm>
+            <a:off x="439738" y="297674"/>
+            <a:ext cx="11405899" cy="7255651"/>
+            <a:chOff x="439738" y="297674"/>
+            <a:chExt cx="11405899" cy="7255651"/>
+          </a:xfrm>
+        </p:grpSpPr>
+        <p:sp>
+          <p:nvSpPr>
+            <p:cNvPr id="28" name="Oval 67"/>
+            <p:cNvSpPr>
+              <a:spLocks noChangeArrowheads="1"/>
+            </p:cNvSpPr>
+            <p:nvPr/>
+          </p:nvSpPr>
+          <p:spPr bwMode="auto">
+            <a:xfrm>
+              <a:off x="2093913" y="6356350"/>
+              <a:ext cx="1195388" cy="1196975"/>
+            </a:xfrm>
+            <a:prstGeom prst="ellipse">
+              <a:avLst/>
+            </a:prstGeom>
+            <a:solidFill>
+              <a:srgbClr val="A162D0"/>
+            </a:solidFill>
+            <a:ln>
+              <a:noFill/>
+            </a:ln>
+            <a:effectLst>
+              <a:outerShdw blurRad="215900" dist="38100" dir="2700000" sx="103000" sy="103000" algn="tl" rotWithShape="0">
+                <a:prstClr val="black">
+                  <a:alpha val="40000"/>
+                </a:prstClr>
+              </a:outerShdw>
+            </a:effectLst>
+          </p:spPr>
+          <p:txBody>
+            <a:bodyPr vert="horz" wrap="square" lIns="91440" tIns="45720" rIns="91440" bIns="45720" numCol="1" anchor="t" anchorCtr="0" compatLnSpc="1"/>
+            <a:lstStyle/>
+            <a:p>
+              <a:pPr lvl="0"/>
+              <a:endParaRPr lang="zh-CN" altLang="en-US"/>
+            </a:p>
+          </p:txBody>
+        </p:sp>
+        <p:sp>
+          <p:nvSpPr>
+            <p:cNvPr id="29" name="Oval 73"/>
+            <p:cNvSpPr>
+              <a:spLocks noChangeArrowheads="1"/>
+            </p:cNvSpPr>
+            <p:nvPr/>
+          </p:nvSpPr>
+          <p:spPr bwMode="auto">
+            <a:xfrm>
+              <a:off x="439738" y="6219825"/>
+              <a:ext cx="441325" cy="441325"/>
+            </a:xfrm>
+            <a:prstGeom prst="ellipse">
+              <a:avLst/>
+            </a:prstGeom>
+            <a:solidFill>
+              <a:srgbClr val="313648"/>
+            </a:solidFill>
+            <a:ln>
+              <a:noFill/>
+            </a:ln>
+            <a:extLst>
+              <a:ext uri="{91240B29-F687-4F45-9708-019B960494DF}">
+                <a14:hiddenLine xmlns:a14="http://schemas.microsoft.com/office/drawing/2010/main" w="9525">
+                  <a:solidFill>
+                    <a:srgbClr val="000000"/>
+                  </a:solidFill>
+                  <a:round/>
+                </a14:hiddenLine>
+              </a:ext>
+            </a:extLst>
+          </p:spPr>
+          <p:txBody>
+            <a:bodyPr vert="horz" wrap="square" lIns="91440" tIns="45720" rIns="91440" bIns="45720" numCol="1" anchor="t" anchorCtr="0" compatLnSpc="1"/>
+            <a:lstStyle/>
+            <a:p>
+              <a:endParaRPr lang="zh-CN" altLang="en-US"/>
+            </a:p>
+          </p:txBody>
+        </p:sp>
+        <p:sp>
+          <p:nvSpPr>
+            <p:cNvPr id="30" name="Oval 76"/>
+            <p:cNvSpPr>
+              <a:spLocks noChangeArrowheads="1"/>
+            </p:cNvSpPr>
+            <p:nvPr/>
+          </p:nvSpPr>
+          <p:spPr bwMode="auto">
+            <a:xfrm>
+              <a:off x="3998913" y="6338888"/>
+              <a:ext cx="315913" cy="314325"/>
+            </a:xfrm>
+            <a:prstGeom prst="ellipse">
+              <a:avLst/>
+            </a:prstGeom>
+            <a:solidFill>
+              <a:srgbClr val="7030A0"/>
+            </a:solidFill>
+            <a:ln>
+              <a:noFill/>
+            </a:ln>
+            <a:extLst>
+              <a:ext uri="{91240B29-F687-4F45-9708-019B960494DF}">
+                <a14:hiddenLine xmlns:a14="http://schemas.microsoft.com/office/drawing/2010/main" w="9525">
+                  <a:solidFill>
+                    <a:srgbClr val="000000"/>
+                  </a:solidFill>
+                  <a:round/>
+                </a14:hiddenLine>
+              </a:ext>
+            </a:extLst>
+          </p:spPr>
+          <p:txBody>
+            <a:bodyPr vert="horz" wrap="square" lIns="91440" tIns="45720" rIns="91440" bIns="45720" numCol="1" anchor="t" anchorCtr="0" compatLnSpc="1"/>
+            <a:lstStyle/>
+            <a:p>
+              <a:endParaRPr lang="zh-CN" altLang="en-US"/>
+            </a:p>
+          </p:txBody>
+        </p:sp>
+        <p:sp>
+          <p:nvSpPr>
+            <p:cNvPr id="31" name="Oval 78"/>
+            <p:cNvSpPr>
+              <a:spLocks noChangeArrowheads="1"/>
+            </p:cNvSpPr>
+            <p:nvPr/>
+          </p:nvSpPr>
+          <p:spPr bwMode="auto">
+            <a:xfrm>
+              <a:off x="11102687" y="297674"/>
+              <a:ext cx="742950" cy="746125"/>
+            </a:xfrm>
+            <a:prstGeom prst="ellipse">
+              <a:avLst/>
+            </a:prstGeom>
+            <a:solidFill>
+              <a:srgbClr val="7030A0"/>
+            </a:solidFill>
+            <a:ln>
+              <a:noFill/>
+            </a:ln>
+            <a:effectLst>
+              <a:outerShdw blurRad="215900" dist="38100" dir="2700000" sx="103000" sy="103000" algn="tl" rotWithShape="0">
+                <a:prstClr val="black">
+                  <a:alpha val="40000"/>
+                </a:prstClr>
+              </a:outerShdw>
+            </a:effectLst>
+          </p:spPr>
+          <p:txBody>
+            <a:bodyPr vert="horz" wrap="square" lIns="91440" tIns="45720" rIns="91440" bIns="45720" numCol="1" anchor="t" anchorCtr="0" compatLnSpc="1"/>
+            <a:lstStyle/>
+            <a:p>
+              <a:pPr lvl="0"/>
+              <a:endParaRPr lang="zh-CN" altLang="en-US"/>
+            </a:p>
+          </p:txBody>
+        </p:sp>
+        <p:sp>
+          <p:nvSpPr>
+            <p:cNvPr id="32" name="Oval 79"/>
+            <p:cNvSpPr>
+              <a:spLocks noChangeArrowheads="1"/>
+            </p:cNvSpPr>
+            <p:nvPr/>
+          </p:nvSpPr>
+          <p:spPr bwMode="auto">
+            <a:xfrm>
+              <a:off x="11012090" y="755372"/>
+              <a:ext cx="441325" cy="441325"/>
+            </a:xfrm>
+            <a:prstGeom prst="ellipse">
+              <a:avLst/>
+            </a:prstGeom>
+            <a:solidFill>
+              <a:srgbClr val="A162D0"/>
+            </a:solidFill>
+            <a:ln>
+              <a:noFill/>
+            </a:ln>
+            <a:effectLst>
+              <a:outerShdw blurRad="215900" dist="38100" dir="2700000" sx="103000" sy="103000" algn="tl" rotWithShape="0">
+                <a:prstClr val="black">
+                  <a:alpha val="40000"/>
+                </a:prstClr>
+              </a:outerShdw>
+            </a:effectLst>
+          </p:spPr>
+          <p:txBody>
+            <a:bodyPr vert="horz" wrap="square" lIns="91440" tIns="45720" rIns="91440" bIns="45720" numCol="1" anchor="t" anchorCtr="0" compatLnSpc="1"/>
+            <a:lstStyle/>
+            <a:p>
+              <a:pPr lvl="0"/>
+              <a:endParaRPr lang="zh-CN" altLang="en-US"/>
+            </a:p>
+          </p:txBody>
+        </p:sp>
+        <p:sp>
+          <p:nvSpPr>
+            <p:cNvPr id="33" name="Oval 80"/>
+            <p:cNvSpPr>
+              <a:spLocks noChangeArrowheads="1"/>
+            </p:cNvSpPr>
+            <p:nvPr/>
+          </p:nvSpPr>
+          <p:spPr bwMode="auto">
+            <a:xfrm>
+              <a:off x="6478588" y="6986588"/>
+              <a:ext cx="25400" cy="23813"/>
+            </a:xfrm>
+            <a:prstGeom prst="ellipse">
+              <a:avLst/>
+            </a:prstGeom>
+            <a:solidFill>
+              <a:srgbClr val="D3B2FC"/>
+            </a:solidFill>
+            <a:ln>
+              <a:noFill/>
+            </a:ln>
+            <a:extLst>
+              <a:ext uri="{91240B29-F687-4F45-9708-019B960494DF}">
+                <a14:hiddenLine xmlns:a14="http://schemas.microsoft.com/office/drawing/2010/main" w="9525">
+                  <a:solidFill>
+                    <a:srgbClr val="000000"/>
+                  </a:solidFill>
+                  <a:round/>
+                </a14:hiddenLine>
+              </a:ext>
+            </a:extLst>
+          </p:spPr>
+          <p:txBody>
+            <a:bodyPr vert="horz" wrap="square" lIns="91440" tIns="45720" rIns="91440" bIns="45720" numCol="1" anchor="t" anchorCtr="0" compatLnSpc="1"/>
+            <a:lstStyle/>
+            <a:p>
+              <a:endParaRPr lang="zh-CN" altLang="en-US"/>
+            </a:p>
+          </p:txBody>
+        </p:sp>
+        <p:sp>
+          <p:nvSpPr>
+            <p:cNvPr id="34" name="Oval 81"/>
+            <p:cNvSpPr>
+              <a:spLocks noChangeArrowheads="1"/>
+            </p:cNvSpPr>
+            <p:nvPr/>
+          </p:nvSpPr>
+          <p:spPr bwMode="auto">
+            <a:xfrm>
+              <a:off x="6473825" y="6869113"/>
+              <a:ext cx="31750" cy="31750"/>
+            </a:xfrm>
+            <a:prstGeom prst="ellipse">
+              <a:avLst/>
+            </a:prstGeom>
+            <a:solidFill>
+              <a:srgbClr val="D3B2FC"/>
+            </a:solidFill>
+            <a:ln>
+              <a:noFill/>
+            </a:ln>
+            <a:extLst>
+              <a:ext uri="{91240B29-F687-4F45-9708-019B960494DF}">
+                <a14:hiddenLine xmlns:a14="http://schemas.microsoft.com/office/drawing/2010/main" w="9525">
+                  <a:solidFill>
+                    <a:srgbClr val="000000"/>
+                  </a:solidFill>
+                  <a:round/>
+                </a14:hiddenLine>
+              </a:ext>
+            </a:extLst>
+          </p:spPr>
+          <p:txBody>
+            <a:bodyPr vert="horz" wrap="square" lIns="91440" tIns="45720" rIns="91440" bIns="45720" numCol="1" anchor="t" anchorCtr="0" compatLnSpc="1"/>
+            <a:lstStyle/>
+            <a:p>
+              <a:endParaRPr lang="zh-CN" altLang="en-US"/>
+            </a:p>
+          </p:txBody>
+        </p:sp>
+        <p:sp>
+          <p:nvSpPr>
+            <p:cNvPr id="35" name="Oval 82"/>
+            <p:cNvSpPr>
+              <a:spLocks noChangeArrowheads="1"/>
+            </p:cNvSpPr>
+            <p:nvPr/>
+          </p:nvSpPr>
+          <p:spPr bwMode="auto">
+            <a:xfrm>
+              <a:off x="7539038" y="6008688"/>
+              <a:ext cx="22225" cy="23813"/>
+            </a:xfrm>
+            <a:prstGeom prst="ellipse">
+              <a:avLst/>
+            </a:prstGeom>
+            <a:solidFill>
+              <a:srgbClr val="D3B2FC"/>
+            </a:solidFill>
+            <a:ln>
+              <a:noFill/>
+            </a:ln>
+            <a:extLst>
+              <a:ext uri="{91240B29-F687-4F45-9708-019B960494DF}">
+                <a14:hiddenLine xmlns:a14="http://schemas.microsoft.com/office/drawing/2010/main" w="9525">
+                  <a:solidFill>
+                    <a:srgbClr val="000000"/>
+                  </a:solidFill>
+                  <a:round/>
+                </a14:hiddenLine>
+              </a:ext>
+            </a:extLst>
+          </p:spPr>
+          <p:txBody>
+            <a:bodyPr vert="horz" wrap="square" lIns="91440" tIns="45720" rIns="91440" bIns="45720" numCol="1" anchor="t" anchorCtr="0" compatLnSpc="1"/>
+            <a:lstStyle/>
+            <a:p>
+              <a:endParaRPr lang="zh-CN" altLang="en-US"/>
+            </a:p>
+          </p:txBody>
+        </p:sp>
+        <p:sp>
+          <p:nvSpPr>
+            <p:cNvPr id="36" name="Oval 83"/>
+            <p:cNvSpPr>
+              <a:spLocks noChangeArrowheads="1"/>
+            </p:cNvSpPr>
+            <p:nvPr/>
+          </p:nvSpPr>
+          <p:spPr bwMode="auto">
+            <a:xfrm>
+              <a:off x="6002338" y="6337300"/>
+              <a:ext cx="49213" cy="47625"/>
+            </a:xfrm>
+            <a:prstGeom prst="ellipse">
+              <a:avLst/>
+            </a:prstGeom>
+            <a:solidFill>
+              <a:srgbClr val="B67EFA"/>
+            </a:solidFill>
+            <a:ln>
+              <a:noFill/>
+            </a:ln>
+            <a:extLst>
+              <a:ext uri="{91240B29-F687-4F45-9708-019B960494DF}">
+                <a14:hiddenLine xmlns:a14="http://schemas.microsoft.com/office/drawing/2010/main" w="9525">
+                  <a:solidFill>
+                    <a:srgbClr val="000000"/>
+                  </a:solidFill>
+                  <a:round/>
+                </a14:hiddenLine>
+              </a:ext>
+            </a:extLst>
+          </p:spPr>
+          <p:txBody>
+            <a:bodyPr vert="horz" wrap="square" lIns="91440" tIns="45720" rIns="91440" bIns="45720" numCol="1" anchor="t" anchorCtr="0" compatLnSpc="1"/>
+            <a:lstStyle/>
+            <a:p>
+              <a:endParaRPr lang="zh-CN" altLang="en-US"/>
+            </a:p>
+          </p:txBody>
+        </p:sp>
+        <p:sp>
+          <p:nvSpPr>
+            <p:cNvPr id="37" name="Oval 84"/>
+            <p:cNvSpPr>
+              <a:spLocks noChangeArrowheads="1"/>
+            </p:cNvSpPr>
+            <p:nvPr/>
+          </p:nvSpPr>
+          <p:spPr bwMode="auto">
+            <a:xfrm>
+              <a:off x="5449888" y="6421438"/>
+              <a:ext cx="98425" cy="96838"/>
+            </a:xfrm>
+            <a:prstGeom prst="ellipse">
+              <a:avLst/>
+            </a:prstGeom>
+            <a:solidFill>
+              <a:srgbClr val="A162D0"/>
+            </a:solidFill>
+            <a:ln>
+              <a:noFill/>
+            </a:ln>
+            <a:extLst>
+              <a:ext uri="{91240B29-F687-4F45-9708-019B960494DF}">
+                <a14:hiddenLine xmlns:a14="http://schemas.microsoft.com/office/drawing/2010/main" w="9525">
+                  <a:solidFill>
+                    <a:srgbClr val="000000"/>
+                  </a:solidFill>
+                  <a:round/>
+                </a14:hiddenLine>
+              </a:ext>
+            </a:extLst>
+          </p:spPr>
+          <p:txBody>
+            <a:bodyPr vert="horz" wrap="square" lIns="91440" tIns="45720" rIns="91440" bIns="45720" numCol="1" anchor="t" anchorCtr="0" compatLnSpc="1"/>
+            <a:lstStyle/>
+            <a:p>
+              <a:endParaRPr lang="zh-CN" altLang="en-US"/>
+            </a:p>
+          </p:txBody>
+        </p:sp>
+        <p:sp>
+          <p:nvSpPr>
+            <p:cNvPr id="38" name="Oval 87"/>
+            <p:cNvSpPr>
+              <a:spLocks noChangeArrowheads="1"/>
+            </p:cNvSpPr>
+            <p:nvPr/>
+          </p:nvSpPr>
+          <p:spPr bwMode="auto">
+            <a:xfrm>
+              <a:off x="2503488" y="6153150"/>
+              <a:ext cx="71438" cy="73025"/>
+            </a:xfrm>
+            <a:prstGeom prst="ellipse">
+              <a:avLst/>
+            </a:prstGeom>
+            <a:solidFill>
+              <a:srgbClr val="A162D0"/>
+            </a:solidFill>
+            <a:ln>
+              <a:noFill/>
+            </a:ln>
+            <a:extLst>
+              <a:ext uri="{91240B29-F687-4F45-9708-019B960494DF}">
+                <a14:hiddenLine xmlns:a14="http://schemas.microsoft.com/office/drawing/2010/main" w="9525">
+                  <a:solidFill>
+                    <a:srgbClr val="000000"/>
+                  </a:solidFill>
+                  <a:round/>
+                </a14:hiddenLine>
+              </a:ext>
+            </a:extLst>
+          </p:spPr>
+          <p:txBody>
+            <a:bodyPr vert="horz" wrap="square" lIns="91440" tIns="45720" rIns="91440" bIns="45720" numCol="1" anchor="t" anchorCtr="0" compatLnSpc="1"/>
+            <a:lstStyle/>
+            <a:p>
+              <a:endParaRPr lang="zh-CN" altLang="en-US"/>
+            </a:p>
+          </p:txBody>
+        </p:sp>
+        <p:sp>
+          <p:nvSpPr>
+            <p:cNvPr id="39" name="Oval 88"/>
+            <p:cNvSpPr>
+              <a:spLocks noChangeArrowheads="1"/>
+            </p:cNvSpPr>
+            <p:nvPr/>
+          </p:nvSpPr>
+          <p:spPr bwMode="auto">
+            <a:xfrm>
+              <a:off x="2319338" y="6813550"/>
+              <a:ext cx="12700" cy="11113"/>
+            </a:xfrm>
+            <a:prstGeom prst="ellipse">
+              <a:avLst/>
+            </a:prstGeom>
+            <a:solidFill>
+              <a:srgbClr val="EEE2B1"/>
+            </a:solidFill>
+            <a:ln>
+              <a:noFill/>
+            </a:ln>
+            <a:extLst>
+              <a:ext uri="{91240B29-F687-4F45-9708-019B960494DF}">
+                <a14:hiddenLine xmlns:a14="http://schemas.microsoft.com/office/drawing/2010/main" w="9525">
+                  <a:solidFill>
+                    <a:srgbClr val="000000"/>
+                  </a:solidFill>
+                  <a:round/>
+                </a14:hiddenLine>
+              </a:ext>
+            </a:extLst>
+          </p:spPr>
+          <p:txBody>
+            <a:bodyPr vert="horz" wrap="square" lIns="91440" tIns="45720" rIns="91440" bIns="45720" numCol="1" anchor="t" anchorCtr="0" compatLnSpc="1"/>
+            <a:lstStyle/>
+            <a:p>
+              <a:endParaRPr lang="zh-CN" altLang="en-US"/>
+            </a:p>
+          </p:txBody>
+        </p:sp>
+        <p:sp>
+          <p:nvSpPr>
+            <p:cNvPr id="40" name="Oval 89"/>
+            <p:cNvSpPr>
+              <a:spLocks noChangeArrowheads="1"/>
+            </p:cNvSpPr>
+            <p:nvPr/>
+          </p:nvSpPr>
+          <p:spPr bwMode="auto">
+            <a:xfrm>
+              <a:off x="11290300" y="5929313"/>
+              <a:ext cx="22225" cy="22225"/>
+            </a:xfrm>
+            <a:prstGeom prst="ellipse">
+              <a:avLst/>
+            </a:prstGeom>
+            <a:solidFill>
+              <a:srgbClr val="A162D0"/>
+            </a:solidFill>
+            <a:ln>
+              <a:noFill/>
+            </a:ln>
+            <a:extLst>
+              <a:ext uri="{91240B29-F687-4F45-9708-019B960494DF}">
+                <a14:hiddenLine xmlns:a14="http://schemas.microsoft.com/office/drawing/2010/main" w="9525">
+                  <a:solidFill>
+                    <a:srgbClr val="000000"/>
+                  </a:solidFill>
+                  <a:round/>
+                </a14:hiddenLine>
+              </a:ext>
+            </a:extLst>
+          </p:spPr>
+          <p:txBody>
+            <a:bodyPr vert="horz" wrap="square" lIns="91440" tIns="45720" rIns="91440" bIns="45720" numCol="1" anchor="t" anchorCtr="0" compatLnSpc="1"/>
+            <a:lstStyle/>
+            <a:p>
+              <a:endParaRPr lang="zh-CN" altLang="en-US"/>
+            </a:p>
+          </p:txBody>
+        </p:sp>
+        <p:sp>
+          <p:nvSpPr>
+            <p:cNvPr id="41" name="Oval 90"/>
+            <p:cNvSpPr>
+              <a:spLocks noChangeArrowheads="1"/>
+            </p:cNvSpPr>
+            <p:nvPr/>
+          </p:nvSpPr>
+          <p:spPr bwMode="auto">
+            <a:xfrm>
+              <a:off x="11052175" y="5922963"/>
+              <a:ext cx="26988" cy="26988"/>
+            </a:xfrm>
+            <a:prstGeom prst="ellipse">
+              <a:avLst/>
+            </a:prstGeom>
+            <a:solidFill>
+              <a:srgbClr val="A162D0"/>
+            </a:solidFill>
+            <a:ln>
+              <a:noFill/>
+            </a:ln>
+            <a:extLst>
+              <a:ext uri="{91240B29-F687-4F45-9708-019B960494DF}">
+                <a14:hiddenLine xmlns:a14="http://schemas.microsoft.com/office/drawing/2010/main" w="9525">
+                  <a:solidFill>
+                    <a:srgbClr val="000000"/>
+                  </a:solidFill>
+                  <a:round/>
+                </a14:hiddenLine>
+              </a:ext>
+            </a:extLst>
+          </p:spPr>
+          <p:txBody>
+            <a:bodyPr vert="horz" wrap="square" lIns="91440" tIns="45720" rIns="91440" bIns="45720" numCol="1" anchor="t" anchorCtr="0" compatLnSpc="1"/>
+            <a:lstStyle/>
+            <a:p>
+              <a:endParaRPr lang="zh-CN" altLang="en-US"/>
+            </a:p>
+          </p:txBody>
+        </p:sp>
+        <p:sp>
+          <p:nvSpPr>
+            <p:cNvPr id="42" name="Oval 91"/>
+            <p:cNvSpPr>
+              <a:spLocks noChangeArrowheads="1"/>
+            </p:cNvSpPr>
+            <p:nvPr/>
+          </p:nvSpPr>
+          <p:spPr bwMode="auto">
+            <a:xfrm>
+              <a:off x="10509250" y="5837238"/>
+              <a:ext cx="96838" cy="95250"/>
+            </a:xfrm>
+            <a:prstGeom prst="ellipse">
+              <a:avLst/>
+            </a:prstGeom>
+            <a:solidFill>
+              <a:srgbClr val="A162D0"/>
+            </a:solidFill>
+            <a:ln>
+              <a:noFill/>
+            </a:ln>
+            <a:extLst>
+              <a:ext uri="{91240B29-F687-4F45-9708-019B960494DF}">
+                <a14:hiddenLine xmlns:a14="http://schemas.microsoft.com/office/drawing/2010/main" w="9525">
+                  <a:solidFill>
+                    <a:srgbClr val="000000"/>
+                  </a:solidFill>
+                  <a:round/>
+                </a14:hiddenLine>
+              </a:ext>
+            </a:extLst>
+          </p:spPr>
+          <p:txBody>
+            <a:bodyPr vert="horz" wrap="square" lIns="91440" tIns="45720" rIns="91440" bIns="45720" numCol="1" anchor="t" anchorCtr="0" compatLnSpc="1"/>
+            <a:lstStyle/>
+            <a:p>
+              <a:endParaRPr lang="zh-CN" altLang="en-US"/>
+            </a:p>
+          </p:txBody>
+        </p:sp>
+        <p:sp>
+          <p:nvSpPr>
+            <p:cNvPr id="43" name="Oval 93"/>
+            <p:cNvSpPr>
+              <a:spLocks noChangeArrowheads="1"/>
+            </p:cNvSpPr>
+            <p:nvPr/>
+          </p:nvSpPr>
+          <p:spPr bwMode="auto">
+            <a:xfrm>
+              <a:off x="8005763" y="855662"/>
+              <a:ext cx="14288" cy="14288"/>
+            </a:xfrm>
+            <a:prstGeom prst="ellipse">
+              <a:avLst/>
+            </a:prstGeom>
+            <a:solidFill>
+              <a:srgbClr val="C89150"/>
+            </a:solidFill>
+            <a:ln>
+              <a:noFill/>
+            </a:ln>
+            <a:extLst>
+              <a:ext uri="{91240B29-F687-4F45-9708-019B960494DF}">
+                <a14:hiddenLine xmlns:a14="http://schemas.microsoft.com/office/drawing/2010/main" w="9525">
+                  <a:solidFill>
+                    <a:srgbClr val="000000"/>
+                  </a:solidFill>
+                  <a:round/>
+                </a14:hiddenLine>
+              </a:ext>
+            </a:extLst>
+          </p:spPr>
+          <p:txBody>
+            <a:bodyPr vert="horz" wrap="square" lIns="91440" tIns="45720" rIns="91440" bIns="45720" numCol="1" anchor="t" anchorCtr="0" compatLnSpc="1"/>
+            <a:lstStyle/>
+            <a:p>
+              <a:endParaRPr lang="zh-CN" altLang="en-US"/>
+            </a:p>
+          </p:txBody>
+        </p:sp>
+      </p:grpSp>
+    </p:spTree>
+  </p:cSld>
+  <p:clrMapOvr>
+    <a:masterClrMapping/>
+  </p:clrMapOvr>
+  <p:timing>
+    <p:tnLst>
+      <p:par>
+        <p:cTn id="1" dur="indefinite" restart="never" nodeType="tmRoot">
+          <p:childTnLst>
+            <p:seq concurrent="1" nextAc="seek">
+              <p:cTn id="2" dur="indefinite" nodeType="mainSeq">
+                <p:childTnLst>
+                  <p:par>
+                    <p:cTn id="3" fill="hold">
+                      <p:stCondLst>
+                        <p:cond delay="indefinite"/>
+                        <p:cond evt="onBegin" delay="0">
+                          <p:tn val="2"/>
+                        </p:cond>
+                      </p:stCondLst>
+                      <p:childTnLst>
+                        <p:par>
+                          <p:cTn id="4" fill="hold">
+                            <p:stCondLst>
+                              <p:cond delay="0"/>
+                            </p:stCondLst>
+                            <p:childTnLst>
+                              <p:par>
+                                <p:cTn id="5" presetID="10" presetClass="entr" presetSubtype="0" fill="hold" grpId="0" nodeType="withEffect">
+                                  <p:stCondLst>
+                                    <p:cond delay="0"/>
+                                  </p:stCondLst>
+                                  <p:childTnLst>
+                                    <p:set>
+                                      <p:cBhvr>
+                                        <p:cTn id="6" dur="1" fill="hold">
+                                          <p:stCondLst>
+                                            <p:cond delay="0"/>
+                                          </p:stCondLst>
+                                        </p:cTn>
+                                        <p:tgtEl>
+                                          <p:spTgt spid="2"/>
+                                        </p:tgtEl>
+                                        <p:attrNameLst>
+                                          <p:attrName>style.visibility</p:attrName>
+                                        </p:attrNameLst>
+                                      </p:cBhvr>
+                                      <p:to>
+                                        <p:strVal val="visible"/>
+                                      </p:to>
+                                    </p:set>
+                                    <p:animEffect transition="in" filter="fade">
+                                      <p:cBhvr>
+                                        <p:cTn id="7" dur="500"/>
+                                        <p:tgtEl>
+                                          <p:spTgt spid="2"/>
+                                        </p:tgtEl>
+                                      </p:cBhvr>
+                                    </p:animEffect>
+                                  </p:childTnLst>
+                                </p:cTn>
+                              </p:par>
+                            </p:childTnLst>
+                          </p:cTn>
+                        </p:par>
+                        <p:par>
+                          <p:cTn id="8" fill="hold">
+                            <p:stCondLst>
+                              <p:cond delay="500"/>
+                            </p:stCondLst>
+                            <p:childTnLst>
+                              <p:par>
+                                <p:cTn id="9" presetID="10" presetClass="entr" presetSubtype="0" fill="hold" grpId="0" nodeType="afterEffect">
+                                  <p:stCondLst>
+                                    <p:cond delay="0"/>
+                                  </p:stCondLst>
+                                  <p:childTnLst>
+                                    <p:set>
+                                      <p:cBhvr>
+                                        <p:cTn id="10" dur="1" fill="hold">
+                                          <p:stCondLst>
+                                            <p:cond delay="0"/>
+                                          </p:stCondLst>
+                                        </p:cTn>
+                                        <p:tgtEl>
+                                          <p:spTgt spid="3"/>
+                                        </p:tgtEl>
+                                        <p:attrNameLst>
+                                          <p:attrName>style.visibility</p:attrName>
+                                        </p:attrNameLst>
+                                      </p:cBhvr>
+                                      <p:to>
+                                        <p:strVal val="visible"/>
+                                      </p:to>
+                                    </p:set>
+                                    <p:animEffect transition="in" filter="fade">
+                                      <p:cBhvr>
+                                        <p:cTn id="11" dur="500"/>
+                                        <p:tgtEl>
+                                          <p:spTgt spid="3"/>
+                                        </p:tgtEl>
+                                      </p:cBhvr>
+                                    </p:animEffect>
+                                  </p:childTnLst>
+                                </p:cTn>
+                              </p:par>
+                            </p:childTnLst>
+                          </p:cTn>
+                        </p:par>
+                      </p:childTnLst>
+                    </p:cTn>
+                  </p:par>
+                  <p:par>
+                    <p:cTn id="12" fill="hold">
+                      <p:stCondLst>
+                        <p:cond delay="indefinite"/>
+                      </p:stCondLst>
+                      <p:childTnLst>
+                        <p:par>
+                          <p:cTn id="13" fill="hold">
+                            <p:stCondLst>
+                              <p:cond delay="0"/>
+                            </p:stCondLst>
+                            <p:childTnLst>
+                              <p:par>
+                                <p:cTn id="14" presetID="42" presetClass="entr" presetSubtype="0" fill="hold" nodeType="clickEffect">
+                                  <p:stCondLst>
+                                    <p:cond delay="0"/>
+                                  </p:stCondLst>
+                                  <p:childTnLst>
+                                    <p:set>
+                                      <p:cBhvr>
+                                        <p:cTn id="15" dur="1" fill="hold">
+                                          <p:stCondLst>
+                                            <p:cond delay="0"/>
+                                          </p:stCondLst>
+                                        </p:cTn>
+                                        <p:tgtEl>
+                                          <p:spTgt spid="4"/>
+                                        </p:tgtEl>
+                                        <p:attrNameLst>
+                                          <p:attrName>style.visibility</p:attrName>
+                                        </p:attrNameLst>
+                                      </p:cBhvr>
+                                      <p:to>
+                                        <p:strVal val="visible"/>
+                                      </p:to>
+                                    </p:set>
+                                    <p:animEffect transition="in" filter="fade">
+                                      <p:cBhvr>
+                                        <p:cTn id="16" dur="1000"/>
+                                        <p:tgtEl>
+                                          <p:spTgt spid="4"/>
+                                        </p:tgtEl>
+                                      </p:cBhvr>
+                                    </p:animEffect>
+                                    <p:anim calcmode="lin" valueType="num">
+                                      <p:cBhvr>
+                                        <p:cTn id="17" dur="1000" fill="hold"/>
+                                        <p:tgtEl>
+                                          <p:spTgt spid="4"/>
+                                        </p:tgtEl>
+                                        <p:attrNameLst>
+                                          <p:attrName>ppt_x</p:attrName>
+                                        </p:attrNameLst>
+                                      </p:cBhvr>
+                                      <p:tavLst>
+                                        <p:tav tm="0">
+                                          <p:val>
+                                            <p:strVal val="#ppt_x"/>
+                                          </p:val>
+                                        </p:tav>
+                                        <p:tav tm="100000">
+                                          <p:val>
+                                            <p:strVal val="#ppt_x"/>
+                                          </p:val>
+                                        </p:tav>
+                                      </p:tavLst>
+                                    </p:anim>
+                                    <p:anim calcmode="lin" valueType="num">
+                                      <p:cBhvr>
+                                        <p:cTn id="18" dur="1000" fill="hold"/>
+                                        <p:tgtEl>
+                                          <p:spTgt spid="4"/>
+                                        </p:tgtEl>
+                                        <p:attrNameLst>
+                                          <p:attrName>ppt_y</p:attrName>
+                                        </p:attrNameLst>
+                                      </p:cBhvr>
+                                      <p:tavLst>
+                                        <p:tav tm="0">
+                                          <p:val>
+                                            <p:strVal val="#ppt_y+.1"/>
+                                          </p:val>
+                                        </p:tav>
+                                        <p:tav tm="100000">
+                                          <p:val>
+                                            <p:strVal val="#ppt_y"/>
+                                          </p:val>
+                                        </p:tav>
+                                      </p:tavLst>
+                                    </p:anim>
+                                  </p:childTnLst>
+                                </p:cTn>
+                              </p:par>
+                            </p:childTnLst>
+                          </p:cTn>
+                        </p:par>
+                      </p:childTnLst>
+                    </p:cTn>
+                  </p:par>
+                </p:childTnLst>
+              </p:cTn>
+              <p:prevCondLst>
+                <p:cond evt="onPrev" delay="0">
+                  <p:tgtEl>
+                    <p:sldTgt/>
+                  </p:tgtEl>
+                </p:cond>
+              </p:prevCondLst>
+              <p:nextCondLst>
+                <p:cond evt="onNext" delay="0">
+                  <p:tgtEl>
+                    <p:sldTgt/>
+                  </p:tgtEl>
+                </p:cond>
+              </p:nextCondLst>
+            </p:seq>
+          </p:childTnLst>
+        </p:cTn>
+      </p:par>
+    </p:tnLst>
+    <p:bldLst>
+      <p:bldP spid="2" grpId="0"/>
+      <p:bldP spid="3" grpId="0"/>
+    </p:bldLst>
+  </p:timing>
+</p:sld>
+</file>
+
+<file path=ppt/slides/slide12.xml><?xml version="1.0" encoding="utf-8"?>
 <p:sld xmlns:a="http://schemas.openxmlformats.org/drawingml/2006/main" xmlns:r="http://schemas.openxmlformats.org/officeDocument/2006/relationships" xmlns:p="http://schemas.openxmlformats.org/presentationml/2006/main">
   <p:cSld>
     <p:bg>
@@ -17815,1505 +21458,6 @@
       </p:grpSpPr>
       <p:sp>
         <p:nvSpPr>
-          <p:cNvPr id="10" name="Oval 66"/>
-          <p:cNvSpPr>
-            <a:spLocks noChangeArrowheads="1"/>
-          </p:cNvSpPr>
-          <p:nvPr/>
-        </p:nvSpPr>
-        <p:spPr bwMode="auto">
-          <a:xfrm>
-            <a:off x="-400834" y="-1376721"/>
-            <a:ext cx="3587632" cy="3587632"/>
-          </a:xfrm>
-          <a:prstGeom prst="ellipse">
-            <a:avLst/>
-          </a:prstGeom>
-          <a:solidFill>
-            <a:srgbClr val="7030A0"/>
-          </a:solidFill>
-          <a:ln>
-            <a:noFill/>
-          </a:ln>
-          <a:effectLst>
-            <a:outerShdw blurRad="215900" dist="38100" dir="2700000" sx="103000" sy="103000" algn="tl" rotWithShape="0">
-              <a:prstClr val="black">
-                <a:alpha val="40000"/>
-              </a:prstClr>
-            </a:outerShdw>
-          </a:effectLst>
-        </p:spPr>
-        <p:txBody>
-          <a:bodyPr vert="horz" wrap="square" lIns="91440" tIns="45720" rIns="91440" bIns="45720" numCol="1" anchor="t" anchorCtr="0" compatLnSpc="1"/>
-          <a:lstStyle/>
-          <a:p>
-            <a:pPr lvl="0"/>
-            <a:endParaRPr lang="zh-CN" altLang="en-US"/>
-          </a:p>
-        </p:txBody>
-      </p:sp>
-      <p:sp>
-        <p:nvSpPr>
-          <p:cNvPr id="11" name="Oval 72"/>
-          <p:cNvSpPr>
-            <a:spLocks noChangeArrowheads="1"/>
-          </p:cNvSpPr>
-          <p:nvPr/>
-        </p:nvSpPr>
-        <p:spPr bwMode="auto">
-          <a:xfrm>
-            <a:off x="2535381" y="874806"/>
-            <a:ext cx="1002145" cy="1002145"/>
-          </a:xfrm>
-          <a:prstGeom prst="ellipse">
-            <a:avLst/>
-          </a:prstGeom>
-          <a:solidFill>
-            <a:srgbClr val="A162D0"/>
-          </a:solidFill>
-          <a:ln>
-            <a:noFill/>
-          </a:ln>
-          <a:effectLst>
-            <a:outerShdw blurRad="215900" dist="38100" dir="2700000" sx="103000" sy="103000" algn="tl" rotWithShape="0">
-              <a:prstClr val="black">
-                <a:alpha val="40000"/>
-              </a:prstClr>
-            </a:outerShdw>
-          </a:effectLst>
-        </p:spPr>
-        <p:txBody>
-          <a:bodyPr vert="horz" wrap="square" lIns="91440" tIns="45720" rIns="91440" bIns="45720" numCol="1" anchor="t" anchorCtr="0" compatLnSpc="1"/>
-          <a:lstStyle/>
-          <a:p>
-            <a:pPr lvl="0"/>
-            <a:endParaRPr lang="zh-CN" altLang="en-US"/>
-          </a:p>
-        </p:txBody>
-      </p:sp>
-      <p:pic>
-        <p:nvPicPr>
-          <p:cNvPr id="12" name="图片 11"/>
-          <p:cNvPicPr>
-            <a:picLocks noChangeAspect="1"/>
-          </p:cNvPicPr>
-          <p:nvPr/>
-        </p:nvPicPr>
-        <p:blipFill>
-          <a:blip r:embed="rId2" cstate="print">
-            <a:extLst>
-              <a:ext uri="{28A0092B-C50C-407E-A947-70E740481C1C}">
-                <a14:useLocalDpi xmlns:a14="http://schemas.microsoft.com/office/drawing/2010/main" val="0"/>
-              </a:ext>
-            </a:extLst>
-          </a:blip>
-          <a:stretch>
-            <a:fillRect/>
-          </a:stretch>
-        </p:blipFill>
-        <p:spPr>
-          <a:xfrm>
-            <a:off x="10854188" y="5669107"/>
-            <a:ext cx="875357" cy="891219"/>
-          </a:xfrm>
-          <a:prstGeom prst="rect">
-            <a:avLst/>
-          </a:prstGeom>
-          <a:effectLst>
-            <a:outerShdw blurRad="215900" dist="38100" dir="2700000" sx="103000" sy="103000" algn="tl" rotWithShape="0">
-              <a:prstClr val="black">
-                <a:alpha val="40000"/>
-              </a:prstClr>
-            </a:outerShdw>
-            <a:softEdge rad="0"/>
-          </a:effectLst>
-        </p:spPr>
-      </p:pic>
-      <p:sp>
-        <p:nvSpPr>
-          <p:cNvPr id="2" name="标题 1"/>
-          <p:cNvSpPr>
-            <a:spLocks noGrp="1"/>
-          </p:cNvSpPr>
-          <p:nvPr>
-            <p:ph type="ctrTitle"/>
-          </p:nvPr>
-        </p:nvSpPr>
-        <p:spPr>
-          <a:xfrm>
-            <a:off x="346363" y="229659"/>
-            <a:ext cx="2355273" cy="1002145"/>
-          </a:xfrm>
-        </p:spPr>
-        <p:txBody>
-          <a:bodyPr>
-            <a:normAutofit/>
-          </a:bodyPr>
-          <a:lstStyle/>
-          <a:p>
-            <a:r>
-              <a:rPr lang="zh-CN" altLang="en-US" sz="3600" b="1" i="1" dirty="0">
-                <a:solidFill>
-                  <a:schemeClr val="bg1">
-                    <a:lumMod val="95000"/>
-                  </a:schemeClr>
-                </a:solidFill>
-                <a:latin typeface="黑体" panose="02010609060101010101" pitchFamily="49" charset="-122"/>
-                <a:ea typeface="黑体" panose="02010609060101010101" pitchFamily="49" charset="-122"/>
-              </a:rPr>
-              <a:t>未来计划</a:t>
-            </a:r>
-          </a:p>
-        </p:txBody>
-      </p:sp>
-      <p:graphicFrame>
-        <p:nvGraphicFramePr>
-          <p:cNvPr id="4" name="表格 3"/>
-          <p:cNvGraphicFramePr>
-            <a:graphicFrameLocks noGrp="1"/>
-          </p:cNvGraphicFramePr>
-          <p:nvPr/>
-        </p:nvGraphicFramePr>
-        <p:xfrm>
-          <a:off x="2216893" y="3085605"/>
-          <a:ext cx="8253942" cy="1483360"/>
-        </p:xfrm>
-        <a:graphic>
-          <a:graphicData uri="http://schemas.openxmlformats.org/drawingml/2006/table">
-            <a:tbl>
-              <a:tblPr firstRow="1" bandRow="1">
-                <a:tableStyleId>{0660B408-B3CF-4A94-85FC-2B1E0A45F4A2}</a:tableStyleId>
-              </a:tblPr>
-              <a:tblGrid>
-                <a:gridCol w="2751314">
-                  <a:extLst>
-                    <a:ext uri="{9D8B030D-6E8A-4147-A177-3AD203B41FA5}">
-                      <a16:colId xmlns:a16="http://schemas.microsoft.com/office/drawing/2014/main" val="20000"/>
-                    </a:ext>
-                  </a:extLst>
-                </a:gridCol>
-                <a:gridCol w="2751314">
-                  <a:extLst>
-                    <a:ext uri="{9D8B030D-6E8A-4147-A177-3AD203B41FA5}">
-                      <a16:colId xmlns:a16="http://schemas.microsoft.com/office/drawing/2014/main" val="20001"/>
-                    </a:ext>
-                  </a:extLst>
-                </a:gridCol>
-                <a:gridCol w="2751314">
-                  <a:extLst>
-                    <a:ext uri="{9D8B030D-6E8A-4147-A177-3AD203B41FA5}">
-                      <a16:colId xmlns:a16="http://schemas.microsoft.com/office/drawing/2014/main" val="20002"/>
-                    </a:ext>
-                  </a:extLst>
-                </a:gridCol>
-              </a:tblGrid>
-              <a:tr h="370840">
-                <a:tc>
-                  <a:txBody>
-                    <a:bodyPr/>
-                    <a:lstStyle/>
-                    <a:p>
-                      <a:pPr algn="ctr"/>
-                      <a:r>
-                        <a:rPr lang="zh-CN" altLang="en-US" dirty="0"/>
-                        <a:t>事项</a:t>
-                      </a:r>
-                    </a:p>
-                  </a:txBody>
-                  <a:tcPr>
-                    <a:solidFill>
-                      <a:srgbClr val="7030A0"/>
-                    </a:solidFill>
-                  </a:tcPr>
-                </a:tc>
-                <a:tc>
-                  <a:txBody>
-                    <a:bodyPr/>
-                    <a:lstStyle/>
-                    <a:p>
-                      <a:pPr algn="ctr"/>
-                      <a:r>
-                        <a:rPr lang="zh-CN" altLang="en-US" dirty="0"/>
-                        <a:t>预计工时</a:t>
-                      </a:r>
-                    </a:p>
-                  </a:txBody>
-                  <a:tcPr>
-                    <a:solidFill>
-                      <a:srgbClr val="7030A0"/>
-                    </a:solidFill>
-                  </a:tcPr>
-                </a:tc>
-                <a:tc>
-                  <a:txBody>
-                    <a:bodyPr/>
-                    <a:lstStyle/>
-                    <a:p>
-                      <a:pPr algn="ctr"/>
-                      <a:r>
-                        <a:rPr lang="zh-CN" altLang="en-US" dirty="0"/>
-                        <a:t>参与成员</a:t>
-                      </a:r>
-                    </a:p>
-                  </a:txBody>
-                  <a:tcPr>
-                    <a:solidFill>
-                      <a:srgbClr val="7030A0"/>
-                    </a:solidFill>
-                  </a:tcPr>
-                </a:tc>
-                <a:extLst>
-                  <a:ext uri="{0D108BD9-81ED-4DB2-BD59-A6C34878D82A}">
-                    <a16:rowId xmlns:a16="http://schemas.microsoft.com/office/drawing/2014/main" val="10000"/>
-                  </a:ext>
-                </a:extLst>
-              </a:tr>
-              <a:tr h="370840">
-                <a:tc>
-                  <a:txBody>
-                    <a:bodyPr/>
-                    <a:lstStyle/>
-                    <a:p>
-                      <a:pPr algn="ctr"/>
-                      <a:r>
-                        <a:rPr lang="zh-CN" altLang="en-US" sz="1600" dirty="0">
-                          <a:solidFill>
-                            <a:schemeClr val="tx1">
-                              <a:lumMod val="65000"/>
-                              <a:lumOff val="35000"/>
-                            </a:schemeClr>
-                          </a:solidFill>
-                          <a:latin typeface="黑体" panose="02010609060101010101" pitchFamily="49" charset="-122"/>
-                          <a:ea typeface="黑体" panose="02010609060101010101" pitchFamily="49" charset="-122"/>
-                        </a:rPr>
-                        <a:t>项目</a:t>
-                      </a:r>
-                      <a:r>
-                        <a:rPr lang="en-US" altLang="zh-CN" sz="1600" dirty="0">
-                          <a:solidFill>
-                            <a:schemeClr val="tx1">
-                              <a:lumMod val="65000"/>
-                              <a:lumOff val="35000"/>
-                            </a:schemeClr>
-                          </a:solidFill>
-                          <a:latin typeface="黑体" panose="02010609060101010101" pitchFamily="49" charset="-122"/>
-                          <a:ea typeface="黑体" panose="02010609060101010101" pitchFamily="49" charset="-122"/>
-                        </a:rPr>
-                        <a:t>Demo</a:t>
-                      </a:r>
-                      <a:r>
-                        <a:rPr lang="zh-CN" altLang="en-US" sz="1600" dirty="0">
-                          <a:solidFill>
-                            <a:schemeClr val="tx1">
-                              <a:lumMod val="65000"/>
-                              <a:lumOff val="35000"/>
-                            </a:schemeClr>
-                          </a:solidFill>
-                          <a:latin typeface="黑体" panose="02010609060101010101" pitchFamily="49" charset="-122"/>
-                          <a:ea typeface="黑体" panose="02010609060101010101" pitchFamily="49" charset="-122"/>
-                        </a:rPr>
-                        <a:t>开发</a:t>
-                      </a:r>
-                    </a:p>
-                  </a:txBody>
-                  <a:tcPr/>
-                </a:tc>
-                <a:tc>
-                  <a:txBody>
-                    <a:bodyPr/>
-                    <a:lstStyle/>
-                    <a:p>
-                      <a:pPr algn="ctr"/>
-                      <a:r>
-                        <a:rPr lang="en-US" altLang="zh-CN" sz="1600" dirty="0">
-                          <a:solidFill>
-                            <a:schemeClr val="tx1">
-                              <a:lumMod val="65000"/>
-                              <a:lumOff val="35000"/>
-                            </a:schemeClr>
-                          </a:solidFill>
-                          <a:latin typeface="黑体" panose="02010609060101010101" pitchFamily="49" charset="-122"/>
-                          <a:ea typeface="黑体" panose="02010609060101010101" pitchFamily="49" charset="-122"/>
-                        </a:rPr>
-                        <a:t>1</a:t>
-                      </a:r>
-                      <a:r>
-                        <a:rPr lang="zh-CN" altLang="en-US" sz="1600" dirty="0">
-                          <a:solidFill>
-                            <a:schemeClr val="tx1">
-                              <a:lumMod val="65000"/>
-                              <a:lumOff val="35000"/>
-                            </a:schemeClr>
-                          </a:solidFill>
-                          <a:latin typeface="黑体" panose="02010609060101010101" pitchFamily="49" charset="-122"/>
-                          <a:ea typeface="黑体" panose="02010609060101010101" pitchFamily="49" charset="-122"/>
-                        </a:rPr>
-                        <a:t>周</a:t>
-                      </a:r>
-                    </a:p>
-                  </a:txBody>
-                  <a:tcPr/>
-                </a:tc>
-                <a:tc>
-                  <a:txBody>
-                    <a:bodyPr/>
-                    <a:lstStyle/>
-                    <a:p>
-                      <a:pPr algn="ctr"/>
-                      <a:r>
-                        <a:rPr lang="zh-CN" altLang="en-US" sz="1600" dirty="0">
-                          <a:solidFill>
-                            <a:schemeClr val="tx1">
-                              <a:lumMod val="65000"/>
-                              <a:lumOff val="35000"/>
-                            </a:schemeClr>
-                          </a:solidFill>
-                          <a:latin typeface="黑体" panose="02010609060101010101" pitchFamily="49" charset="-122"/>
-                          <a:ea typeface="黑体" panose="02010609060101010101" pitchFamily="49" charset="-122"/>
-                        </a:rPr>
-                        <a:t>卢俊廷、禤骏</a:t>
-                      </a:r>
-                    </a:p>
-                  </a:txBody>
-                  <a:tcPr/>
-                </a:tc>
-                <a:extLst>
-                  <a:ext uri="{0D108BD9-81ED-4DB2-BD59-A6C34878D82A}">
-                    <a16:rowId xmlns:a16="http://schemas.microsoft.com/office/drawing/2014/main" val="10001"/>
-                  </a:ext>
-                </a:extLst>
-              </a:tr>
-              <a:tr h="370840">
-                <a:tc>
-                  <a:txBody>
-                    <a:bodyPr/>
-                    <a:lstStyle/>
-                    <a:p>
-                      <a:pPr algn="ctr"/>
-                      <a:r>
-                        <a:rPr lang="zh-CN" altLang="en-US" sz="1600" dirty="0">
-                          <a:solidFill>
-                            <a:schemeClr val="tx1">
-                              <a:lumMod val="65000"/>
-                              <a:lumOff val="35000"/>
-                            </a:schemeClr>
-                          </a:solidFill>
-                          <a:latin typeface="黑体" panose="02010609060101010101" pitchFamily="49" charset="-122"/>
-                          <a:ea typeface="黑体" panose="02010609060101010101" pitchFamily="49" charset="-122"/>
-                        </a:rPr>
-                        <a:t>收集词根</a:t>
-                      </a:r>
-                    </a:p>
-                  </a:txBody>
-                  <a:tcPr/>
-                </a:tc>
-                <a:tc>
-                  <a:txBody>
-                    <a:bodyPr/>
-                    <a:lstStyle/>
-                    <a:p>
-                      <a:pPr algn="ctr"/>
-                      <a:r>
-                        <a:rPr lang="en-US" altLang="zh-CN" sz="1600" dirty="0">
-                          <a:solidFill>
-                            <a:schemeClr val="tx1">
-                              <a:lumMod val="65000"/>
-                              <a:lumOff val="35000"/>
-                            </a:schemeClr>
-                          </a:solidFill>
-                          <a:latin typeface="黑体" panose="02010609060101010101" pitchFamily="49" charset="-122"/>
-                          <a:ea typeface="黑体" panose="02010609060101010101" pitchFamily="49" charset="-122"/>
-                        </a:rPr>
-                        <a:t>3</a:t>
-                      </a:r>
-                      <a:r>
-                        <a:rPr lang="zh-CN" altLang="en-US" sz="1600" dirty="0">
-                          <a:solidFill>
-                            <a:schemeClr val="tx1">
-                              <a:lumMod val="65000"/>
-                              <a:lumOff val="35000"/>
-                            </a:schemeClr>
-                          </a:solidFill>
-                          <a:latin typeface="黑体" panose="02010609060101010101" pitchFamily="49" charset="-122"/>
-                          <a:ea typeface="黑体" panose="02010609060101010101" pitchFamily="49" charset="-122"/>
-                        </a:rPr>
-                        <a:t>天</a:t>
-                      </a:r>
-                    </a:p>
-                  </a:txBody>
-                  <a:tcPr/>
-                </a:tc>
-                <a:tc>
-                  <a:txBody>
-                    <a:bodyPr/>
-                    <a:lstStyle/>
-                    <a:p>
-                      <a:pPr algn="ctr"/>
-                      <a:r>
-                        <a:rPr lang="zh-CN" altLang="en-US" sz="1600" dirty="0">
-                          <a:solidFill>
-                            <a:schemeClr val="tx1">
-                              <a:lumMod val="65000"/>
-                              <a:lumOff val="35000"/>
-                            </a:schemeClr>
-                          </a:solidFill>
-                          <a:latin typeface="黑体" panose="02010609060101010101" pitchFamily="49" charset="-122"/>
-                          <a:ea typeface="黑体" panose="02010609060101010101" pitchFamily="49" charset="-122"/>
-                        </a:rPr>
-                        <a:t>禤骏</a:t>
-                      </a:r>
-                    </a:p>
-                  </a:txBody>
-                  <a:tcPr/>
-                </a:tc>
-                <a:extLst>
-                  <a:ext uri="{0D108BD9-81ED-4DB2-BD59-A6C34878D82A}">
-                    <a16:rowId xmlns:a16="http://schemas.microsoft.com/office/drawing/2014/main" val="10002"/>
-                  </a:ext>
-                </a:extLst>
-              </a:tr>
-              <a:tr h="370840">
-                <a:tc>
-                  <a:txBody>
-                    <a:bodyPr/>
-                    <a:lstStyle/>
-                    <a:p>
-                      <a:pPr algn="ctr"/>
-                      <a:endParaRPr lang="zh-CN" altLang="en-US" sz="1600" dirty="0">
-                        <a:solidFill>
-                          <a:schemeClr val="tx1">
-                            <a:lumMod val="65000"/>
-                            <a:lumOff val="35000"/>
-                          </a:schemeClr>
-                        </a:solidFill>
-                        <a:latin typeface="黑体" panose="02010609060101010101" pitchFamily="49" charset="-122"/>
-                        <a:ea typeface="黑体" panose="02010609060101010101" pitchFamily="49" charset="-122"/>
-                      </a:endParaRPr>
-                    </a:p>
-                  </a:txBody>
-                  <a:tcPr/>
-                </a:tc>
-                <a:tc>
-                  <a:txBody>
-                    <a:bodyPr/>
-                    <a:lstStyle/>
-                    <a:p>
-                      <a:pPr algn="ctr"/>
-                      <a:endParaRPr lang="zh-CN" altLang="en-US" sz="1600" dirty="0">
-                        <a:solidFill>
-                          <a:schemeClr val="tx1">
-                            <a:lumMod val="65000"/>
-                            <a:lumOff val="35000"/>
-                          </a:schemeClr>
-                        </a:solidFill>
-                        <a:latin typeface="黑体" panose="02010609060101010101" pitchFamily="49" charset="-122"/>
-                        <a:ea typeface="黑体" panose="02010609060101010101" pitchFamily="49" charset="-122"/>
-                      </a:endParaRPr>
-                    </a:p>
-                  </a:txBody>
-                  <a:tcPr/>
-                </a:tc>
-                <a:tc>
-                  <a:txBody>
-                    <a:bodyPr/>
-                    <a:lstStyle/>
-                    <a:p>
-                      <a:pPr algn="ctr"/>
-                      <a:endParaRPr lang="zh-CN" altLang="en-US" sz="1600" dirty="0">
-                        <a:solidFill>
-                          <a:schemeClr val="tx1">
-                            <a:lumMod val="65000"/>
-                            <a:lumOff val="35000"/>
-                          </a:schemeClr>
-                        </a:solidFill>
-                        <a:latin typeface="黑体" panose="02010609060101010101" pitchFamily="49" charset="-122"/>
-                        <a:ea typeface="黑体" panose="02010609060101010101" pitchFamily="49" charset="-122"/>
-                      </a:endParaRPr>
-                    </a:p>
-                  </a:txBody>
-                  <a:tcPr/>
-                </a:tc>
-                <a:extLst>
-                  <a:ext uri="{0D108BD9-81ED-4DB2-BD59-A6C34878D82A}">
-                    <a16:rowId xmlns:a16="http://schemas.microsoft.com/office/drawing/2014/main" val="10003"/>
-                  </a:ext>
-                </a:extLst>
-              </a:tr>
-            </a:tbl>
-          </a:graphicData>
-        </a:graphic>
-      </p:graphicFrame>
-      <p:sp>
-        <p:nvSpPr>
-          <p:cNvPr id="3" name="文本框 2"/>
-          <p:cNvSpPr txBox="1"/>
-          <p:nvPr/>
-        </p:nvSpPr>
-        <p:spPr>
-          <a:xfrm>
-            <a:off x="611447" y="1196697"/>
-            <a:ext cx="2164080" cy="369332"/>
-          </a:xfrm>
-          <a:prstGeom prst="rect">
-            <a:avLst/>
-          </a:prstGeom>
-          <a:noFill/>
-        </p:spPr>
-        <p:txBody>
-          <a:bodyPr wrap="square" rtlCol="0">
-            <a:spAutoFit/>
-          </a:bodyPr>
-          <a:lstStyle/>
-          <a:p>
-            <a:r>
-              <a:rPr lang="en-US" altLang="zh-CN" i="1" dirty="0">
-                <a:solidFill>
-                  <a:schemeClr val="bg1">
-                    <a:lumMod val="95000"/>
-                  </a:schemeClr>
-                </a:solidFill>
-                <a:latin typeface="+mj-ea"/>
-                <a:ea typeface="+mj-ea"/>
-              </a:rPr>
-              <a:t>future plan</a:t>
-            </a:r>
-            <a:endParaRPr lang="zh-CN" altLang="en-US" i="1" dirty="0">
-              <a:solidFill>
-                <a:schemeClr val="bg1">
-                  <a:lumMod val="95000"/>
-                </a:schemeClr>
-              </a:solidFill>
-              <a:latin typeface="+mj-ea"/>
-              <a:ea typeface="+mj-ea"/>
-            </a:endParaRPr>
-          </a:p>
-        </p:txBody>
-      </p:sp>
-      <p:grpSp>
-        <p:nvGrpSpPr>
-          <p:cNvPr id="27" name="组合 26"/>
-          <p:cNvGrpSpPr/>
-          <p:nvPr/>
-        </p:nvGrpSpPr>
-        <p:grpSpPr>
-          <a:xfrm>
-            <a:off x="439738" y="297674"/>
-            <a:ext cx="11405899" cy="7255651"/>
-            <a:chOff x="439738" y="297674"/>
-            <a:chExt cx="11405899" cy="7255651"/>
-          </a:xfrm>
-        </p:grpSpPr>
-        <p:sp>
-          <p:nvSpPr>
-            <p:cNvPr id="28" name="Oval 67"/>
-            <p:cNvSpPr>
-              <a:spLocks noChangeArrowheads="1"/>
-            </p:cNvSpPr>
-            <p:nvPr/>
-          </p:nvSpPr>
-          <p:spPr bwMode="auto">
-            <a:xfrm>
-              <a:off x="2093913" y="6356350"/>
-              <a:ext cx="1195388" cy="1196975"/>
-            </a:xfrm>
-            <a:prstGeom prst="ellipse">
-              <a:avLst/>
-            </a:prstGeom>
-            <a:solidFill>
-              <a:srgbClr val="A162D0"/>
-            </a:solidFill>
-            <a:ln>
-              <a:noFill/>
-            </a:ln>
-            <a:effectLst>
-              <a:outerShdw blurRad="215900" dist="38100" dir="2700000" sx="103000" sy="103000" algn="tl" rotWithShape="0">
-                <a:prstClr val="black">
-                  <a:alpha val="40000"/>
-                </a:prstClr>
-              </a:outerShdw>
-            </a:effectLst>
-          </p:spPr>
-          <p:txBody>
-            <a:bodyPr vert="horz" wrap="square" lIns="91440" tIns="45720" rIns="91440" bIns="45720" numCol="1" anchor="t" anchorCtr="0" compatLnSpc="1"/>
-            <a:lstStyle/>
-            <a:p>
-              <a:pPr lvl="0"/>
-              <a:endParaRPr lang="zh-CN" altLang="en-US"/>
-            </a:p>
-          </p:txBody>
-        </p:sp>
-        <p:sp>
-          <p:nvSpPr>
-            <p:cNvPr id="29" name="Oval 73"/>
-            <p:cNvSpPr>
-              <a:spLocks noChangeArrowheads="1"/>
-            </p:cNvSpPr>
-            <p:nvPr/>
-          </p:nvSpPr>
-          <p:spPr bwMode="auto">
-            <a:xfrm>
-              <a:off x="439738" y="6219825"/>
-              <a:ext cx="441325" cy="441325"/>
-            </a:xfrm>
-            <a:prstGeom prst="ellipse">
-              <a:avLst/>
-            </a:prstGeom>
-            <a:solidFill>
-              <a:srgbClr val="313648"/>
-            </a:solidFill>
-            <a:ln>
-              <a:noFill/>
-            </a:ln>
-            <a:extLst>
-              <a:ext uri="{91240B29-F687-4F45-9708-019B960494DF}">
-                <a14:hiddenLine xmlns:a14="http://schemas.microsoft.com/office/drawing/2010/main" w="9525">
-                  <a:solidFill>
-                    <a:srgbClr val="000000"/>
-                  </a:solidFill>
-                  <a:round/>
-                </a14:hiddenLine>
-              </a:ext>
-            </a:extLst>
-          </p:spPr>
-          <p:txBody>
-            <a:bodyPr vert="horz" wrap="square" lIns="91440" tIns="45720" rIns="91440" bIns="45720" numCol="1" anchor="t" anchorCtr="0" compatLnSpc="1"/>
-            <a:lstStyle/>
-            <a:p>
-              <a:endParaRPr lang="zh-CN" altLang="en-US"/>
-            </a:p>
-          </p:txBody>
-        </p:sp>
-        <p:sp>
-          <p:nvSpPr>
-            <p:cNvPr id="30" name="Oval 76"/>
-            <p:cNvSpPr>
-              <a:spLocks noChangeArrowheads="1"/>
-            </p:cNvSpPr>
-            <p:nvPr/>
-          </p:nvSpPr>
-          <p:spPr bwMode="auto">
-            <a:xfrm>
-              <a:off x="3998913" y="6338888"/>
-              <a:ext cx="315913" cy="314325"/>
-            </a:xfrm>
-            <a:prstGeom prst="ellipse">
-              <a:avLst/>
-            </a:prstGeom>
-            <a:solidFill>
-              <a:srgbClr val="7030A0"/>
-            </a:solidFill>
-            <a:ln>
-              <a:noFill/>
-            </a:ln>
-            <a:extLst>
-              <a:ext uri="{91240B29-F687-4F45-9708-019B960494DF}">
-                <a14:hiddenLine xmlns:a14="http://schemas.microsoft.com/office/drawing/2010/main" w="9525">
-                  <a:solidFill>
-                    <a:srgbClr val="000000"/>
-                  </a:solidFill>
-                  <a:round/>
-                </a14:hiddenLine>
-              </a:ext>
-            </a:extLst>
-          </p:spPr>
-          <p:txBody>
-            <a:bodyPr vert="horz" wrap="square" lIns="91440" tIns="45720" rIns="91440" bIns="45720" numCol="1" anchor="t" anchorCtr="0" compatLnSpc="1"/>
-            <a:lstStyle/>
-            <a:p>
-              <a:endParaRPr lang="zh-CN" altLang="en-US"/>
-            </a:p>
-          </p:txBody>
-        </p:sp>
-        <p:sp>
-          <p:nvSpPr>
-            <p:cNvPr id="31" name="Oval 78"/>
-            <p:cNvSpPr>
-              <a:spLocks noChangeArrowheads="1"/>
-            </p:cNvSpPr>
-            <p:nvPr/>
-          </p:nvSpPr>
-          <p:spPr bwMode="auto">
-            <a:xfrm>
-              <a:off x="11102687" y="297674"/>
-              <a:ext cx="742950" cy="746125"/>
-            </a:xfrm>
-            <a:prstGeom prst="ellipse">
-              <a:avLst/>
-            </a:prstGeom>
-            <a:solidFill>
-              <a:srgbClr val="7030A0"/>
-            </a:solidFill>
-            <a:ln>
-              <a:noFill/>
-            </a:ln>
-            <a:effectLst>
-              <a:outerShdw blurRad="215900" dist="38100" dir="2700000" sx="103000" sy="103000" algn="tl" rotWithShape="0">
-                <a:prstClr val="black">
-                  <a:alpha val="40000"/>
-                </a:prstClr>
-              </a:outerShdw>
-            </a:effectLst>
-          </p:spPr>
-          <p:txBody>
-            <a:bodyPr vert="horz" wrap="square" lIns="91440" tIns="45720" rIns="91440" bIns="45720" numCol="1" anchor="t" anchorCtr="0" compatLnSpc="1"/>
-            <a:lstStyle/>
-            <a:p>
-              <a:pPr lvl="0"/>
-              <a:endParaRPr lang="zh-CN" altLang="en-US"/>
-            </a:p>
-          </p:txBody>
-        </p:sp>
-        <p:sp>
-          <p:nvSpPr>
-            <p:cNvPr id="32" name="Oval 79"/>
-            <p:cNvSpPr>
-              <a:spLocks noChangeArrowheads="1"/>
-            </p:cNvSpPr>
-            <p:nvPr/>
-          </p:nvSpPr>
-          <p:spPr bwMode="auto">
-            <a:xfrm>
-              <a:off x="11012090" y="755372"/>
-              <a:ext cx="441325" cy="441325"/>
-            </a:xfrm>
-            <a:prstGeom prst="ellipse">
-              <a:avLst/>
-            </a:prstGeom>
-            <a:solidFill>
-              <a:srgbClr val="A162D0"/>
-            </a:solidFill>
-            <a:ln>
-              <a:noFill/>
-            </a:ln>
-            <a:effectLst>
-              <a:outerShdw blurRad="215900" dist="38100" dir="2700000" sx="103000" sy="103000" algn="tl" rotWithShape="0">
-                <a:prstClr val="black">
-                  <a:alpha val="40000"/>
-                </a:prstClr>
-              </a:outerShdw>
-            </a:effectLst>
-          </p:spPr>
-          <p:txBody>
-            <a:bodyPr vert="horz" wrap="square" lIns="91440" tIns="45720" rIns="91440" bIns="45720" numCol="1" anchor="t" anchorCtr="0" compatLnSpc="1"/>
-            <a:lstStyle/>
-            <a:p>
-              <a:pPr lvl="0"/>
-              <a:endParaRPr lang="zh-CN" altLang="en-US"/>
-            </a:p>
-          </p:txBody>
-        </p:sp>
-        <p:sp>
-          <p:nvSpPr>
-            <p:cNvPr id="33" name="Oval 80"/>
-            <p:cNvSpPr>
-              <a:spLocks noChangeArrowheads="1"/>
-            </p:cNvSpPr>
-            <p:nvPr/>
-          </p:nvSpPr>
-          <p:spPr bwMode="auto">
-            <a:xfrm>
-              <a:off x="6478588" y="6986588"/>
-              <a:ext cx="25400" cy="23813"/>
-            </a:xfrm>
-            <a:prstGeom prst="ellipse">
-              <a:avLst/>
-            </a:prstGeom>
-            <a:solidFill>
-              <a:srgbClr val="D3B2FC"/>
-            </a:solidFill>
-            <a:ln>
-              <a:noFill/>
-            </a:ln>
-            <a:extLst>
-              <a:ext uri="{91240B29-F687-4F45-9708-019B960494DF}">
-                <a14:hiddenLine xmlns:a14="http://schemas.microsoft.com/office/drawing/2010/main" w="9525">
-                  <a:solidFill>
-                    <a:srgbClr val="000000"/>
-                  </a:solidFill>
-                  <a:round/>
-                </a14:hiddenLine>
-              </a:ext>
-            </a:extLst>
-          </p:spPr>
-          <p:txBody>
-            <a:bodyPr vert="horz" wrap="square" lIns="91440" tIns="45720" rIns="91440" bIns="45720" numCol="1" anchor="t" anchorCtr="0" compatLnSpc="1"/>
-            <a:lstStyle/>
-            <a:p>
-              <a:endParaRPr lang="zh-CN" altLang="en-US"/>
-            </a:p>
-          </p:txBody>
-        </p:sp>
-        <p:sp>
-          <p:nvSpPr>
-            <p:cNvPr id="34" name="Oval 81"/>
-            <p:cNvSpPr>
-              <a:spLocks noChangeArrowheads="1"/>
-            </p:cNvSpPr>
-            <p:nvPr/>
-          </p:nvSpPr>
-          <p:spPr bwMode="auto">
-            <a:xfrm>
-              <a:off x="6473825" y="6869113"/>
-              <a:ext cx="31750" cy="31750"/>
-            </a:xfrm>
-            <a:prstGeom prst="ellipse">
-              <a:avLst/>
-            </a:prstGeom>
-            <a:solidFill>
-              <a:srgbClr val="D3B2FC"/>
-            </a:solidFill>
-            <a:ln>
-              <a:noFill/>
-            </a:ln>
-            <a:extLst>
-              <a:ext uri="{91240B29-F687-4F45-9708-019B960494DF}">
-                <a14:hiddenLine xmlns:a14="http://schemas.microsoft.com/office/drawing/2010/main" w="9525">
-                  <a:solidFill>
-                    <a:srgbClr val="000000"/>
-                  </a:solidFill>
-                  <a:round/>
-                </a14:hiddenLine>
-              </a:ext>
-            </a:extLst>
-          </p:spPr>
-          <p:txBody>
-            <a:bodyPr vert="horz" wrap="square" lIns="91440" tIns="45720" rIns="91440" bIns="45720" numCol="1" anchor="t" anchorCtr="0" compatLnSpc="1"/>
-            <a:lstStyle/>
-            <a:p>
-              <a:endParaRPr lang="zh-CN" altLang="en-US"/>
-            </a:p>
-          </p:txBody>
-        </p:sp>
-        <p:sp>
-          <p:nvSpPr>
-            <p:cNvPr id="35" name="Oval 82"/>
-            <p:cNvSpPr>
-              <a:spLocks noChangeArrowheads="1"/>
-            </p:cNvSpPr>
-            <p:nvPr/>
-          </p:nvSpPr>
-          <p:spPr bwMode="auto">
-            <a:xfrm>
-              <a:off x="7539038" y="6008688"/>
-              <a:ext cx="22225" cy="23813"/>
-            </a:xfrm>
-            <a:prstGeom prst="ellipse">
-              <a:avLst/>
-            </a:prstGeom>
-            <a:solidFill>
-              <a:srgbClr val="D3B2FC"/>
-            </a:solidFill>
-            <a:ln>
-              <a:noFill/>
-            </a:ln>
-            <a:extLst>
-              <a:ext uri="{91240B29-F687-4F45-9708-019B960494DF}">
-                <a14:hiddenLine xmlns:a14="http://schemas.microsoft.com/office/drawing/2010/main" w="9525">
-                  <a:solidFill>
-                    <a:srgbClr val="000000"/>
-                  </a:solidFill>
-                  <a:round/>
-                </a14:hiddenLine>
-              </a:ext>
-            </a:extLst>
-          </p:spPr>
-          <p:txBody>
-            <a:bodyPr vert="horz" wrap="square" lIns="91440" tIns="45720" rIns="91440" bIns="45720" numCol="1" anchor="t" anchorCtr="0" compatLnSpc="1"/>
-            <a:lstStyle/>
-            <a:p>
-              <a:endParaRPr lang="zh-CN" altLang="en-US"/>
-            </a:p>
-          </p:txBody>
-        </p:sp>
-        <p:sp>
-          <p:nvSpPr>
-            <p:cNvPr id="36" name="Oval 83"/>
-            <p:cNvSpPr>
-              <a:spLocks noChangeArrowheads="1"/>
-            </p:cNvSpPr>
-            <p:nvPr/>
-          </p:nvSpPr>
-          <p:spPr bwMode="auto">
-            <a:xfrm>
-              <a:off x="6002338" y="6337300"/>
-              <a:ext cx="49213" cy="47625"/>
-            </a:xfrm>
-            <a:prstGeom prst="ellipse">
-              <a:avLst/>
-            </a:prstGeom>
-            <a:solidFill>
-              <a:srgbClr val="B67EFA"/>
-            </a:solidFill>
-            <a:ln>
-              <a:noFill/>
-            </a:ln>
-            <a:extLst>
-              <a:ext uri="{91240B29-F687-4F45-9708-019B960494DF}">
-                <a14:hiddenLine xmlns:a14="http://schemas.microsoft.com/office/drawing/2010/main" w="9525">
-                  <a:solidFill>
-                    <a:srgbClr val="000000"/>
-                  </a:solidFill>
-                  <a:round/>
-                </a14:hiddenLine>
-              </a:ext>
-            </a:extLst>
-          </p:spPr>
-          <p:txBody>
-            <a:bodyPr vert="horz" wrap="square" lIns="91440" tIns="45720" rIns="91440" bIns="45720" numCol="1" anchor="t" anchorCtr="0" compatLnSpc="1"/>
-            <a:lstStyle/>
-            <a:p>
-              <a:endParaRPr lang="zh-CN" altLang="en-US"/>
-            </a:p>
-          </p:txBody>
-        </p:sp>
-        <p:sp>
-          <p:nvSpPr>
-            <p:cNvPr id="37" name="Oval 84"/>
-            <p:cNvSpPr>
-              <a:spLocks noChangeArrowheads="1"/>
-            </p:cNvSpPr>
-            <p:nvPr/>
-          </p:nvSpPr>
-          <p:spPr bwMode="auto">
-            <a:xfrm>
-              <a:off x="5449888" y="6421438"/>
-              <a:ext cx="98425" cy="96838"/>
-            </a:xfrm>
-            <a:prstGeom prst="ellipse">
-              <a:avLst/>
-            </a:prstGeom>
-            <a:solidFill>
-              <a:srgbClr val="A162D0"/>
-            </a:solidFill>
-            <a:ln>
-              <a:noFill/>
-            </a:ln>
-            <a:extLst>
-              <a:ext uri="{91240B29-F687-4F45-9708-019B960494DF}">
-                <a14:hiddenLine xmlns:a14="http://schemas.microsoft.com/office/drawing/2010/main" w="9525">
-                  <a:solidFill>
-                    <a:srgbClr val="000000"/>
-                  </a:solidFill>
-                  <a:round/>
-                </a14:hiddenLine>
-              </a:ext>
-            </a:extLst>
-          </p:spPr>
-          <p:txBody>
-            <a:bodyPr vert="horz" wrap="square" lIns="91440" tIns="45720" rIns="91440" bIns="45720" numCol="1" anchor="t" anchorCtr="0" compatLnSpc="1"/>
-            <a:lstStyle/>
-            <a:p>
-              <a:endParaRPr lang="zh-CN" altLang="en-US"/>
-            </a:p>
-          </p:txBody>
-        </p:sp>
-        <p:sp>
-          <p:nvSpPr>
-            <p:cNvPr id="38" name="Oval 87"/>
-            <p:cNvSpPr>
-              <a:spLocks noChangeArrowheads="1"/>
-            </p:cNvSpPr>
-            <p:nvPr/>
-          </p:nvSpPr>
-          <p:spPr bwMode="auto">
-            <a:xfrm>
-              <a:off x="2503488" y="6153150"/>
-              <a:ext cx="71438" cy="73025"/>
-            </a:xfrm>
-            <a:prstGeom prst="ellipse">
-              <a:avLst/>
-            </a:prstGeom>
-            <a:solidFill>
-              <a:srgbClr val="A162D0"/>
-            </a:solidFill>
-            <a:ln>
-              <a:noFill/>
-            </a:ln>
-            <a:extLst>
-              <a:ext uri="{91240B29-F687-4F45-9708-019B960494DF}">
-                <a14:hiddenLine xmlns:a14="http://schemas.microsoft.com/office/drawing/2010/main" w="9525">
-                  <a:solidFill>
-                    <a:srgbClr val="000000"/>
-                  </a:solidFill>
-                  <a:round/>
-                </a14:hiddenLine>
-              </a:ext>
-            </a:extLst>
-          </p:spPr>
-          <p:txBody>
-            <a:bodyPr vert="horz" wrap="square" lIns="91440" tIns="45720" rIns="91440" bIns="45720" numCol="1" anchor="t" anchorCtr="0" compatLnSpc="1"/>
-            <a:lstStyle/>
-            <a:p>
-              <a:endParaRPr lang="zh-CN" altLang="en-US"/>
-            </a:p>
-          </p:txBody>
-        </p:sp>
-        <p:sp>
-          <p:nvSpPr>
-            <p:cNvPr id="39" name="Oval 88"/>
-            <p:cNvSpPr>
-              <a:spLocks noChangeArrowheads="1"/>
-            </p:cNvSpPr>
-            <p:nvPr/>
-          </p:nvSpPr>
-          <p:spPr bwMode="auto">
-            <a:xfrm>
-              <a:off x="2319338" y="6813550"/>
-              <a:ext cx="12700" cy="11113"/>
-            </a:xfrm>
-            <a:prstGeom prst="ellipse">
-              <a:avLst/>
-            </a:prstGeom>
-            <a:solidFill>
-              <a:srgbClr val="EEE2B1"/>
-            </a:solidFill>
-            <a:ln>
-              <a:noFill/>
-            </a:ln>
-            <a:extLst>
-              <a:ext uri="{91240B29-F687-4F45-9708-019B960494DF}">
-                <a14:hiddenLine xmlns:a14="http://schemas.microsoft.com/office/drawing/2010/main" w="9525">
-                  <a:solidFill>
-                    <a:srgbClr val="000000"/>
-                  </a:solidFill>
-                  <a:round/>
-                </a14:hiddenLine>
-              </a:ext>
-            </a:extLst>
-          </p:spPr>
-          <p:txBody>
-            <a:bodyPr vert="horz" wrap="square" lIns="91440" tIns="45720" rIns="91440" bIns="45720" numCol="1" anchor="t" anchorCtr="0" compatLnSpc="1"/>
-            <a:lstStyle/>
-            <a:p>
-              <a:endParaRPr lang="zh-CN" altLang="en-US"/>
-            </a:p>
-          </p:txBody>
-        </p:sp>
-        <p:sp>
-          <p:nvSpPr>
-            <p:cNvPr id="40" name="Oval 89"/>
-            <p:cNvSpPr>
-              <a:spLocks noChangeArrowheads="1"/>
-            </p:cNvSpPr>
-            <p:nvPr/>
-          </p:nvSpPr>
-          <p:spPr bwMode="auto">
-            <a:xfrm>
-              <a:off x="11290300" y="5929313"/>
-              <a:ext cx="22225" cy="22225"/>
-            </a:xfrm>
-            <a:prstGeom prst="ellipse">
-              <a:avLst/>
-            </a:prstGeom>
-            <a:solidFill>
-              <a:srgbClr val="A162D0"/>
-            </a:solidFill>
-            <a:ln>
-              <a:noFill/>
-            </a:ln>
-            <a:extLst>
-              <a:ext uri="{91240B29-F687-4F45-9708-019B960494DF}">
-                <a14:hiddenLine xmlns:a14="http://schemas.microsoft.com/office/drawing/2010/main" w="9525">
-                  <a:solidFill>
-                    <a:srgbClr val="000000"/>
-                  </a:solidFill>
-                  <a:round/>
-                </a14:hiddenLine>
-              </a:ext>
-            </a:extLst>
-          </p:spPr>
-          <p:txBody>
-            <a:bodyPr vert="horz" wrap="square" lIns="91440" tIns="45720" rIns="91440" bIns="45720" numCol="1" anchor="t" anchorCtr="0" compatLnSpc="1"/>
-            <a:lstStyle/>
-            <a:p>
-              <a:endParaRPr lang="zh-CN" altLang="en-US"/>
-            </a:p>
-          </p:txBody>
-        </p:sp>
-        <p:sp>
-          <p:nvSpPr>
-            <p:cNvPr id="41" name="Oval 90"/>
-            <p:cNvSpPr>
-              <a:spLocks noChangeArrowheads="1"/>
-            </p:cNvSpPr>
-            <p:nvPr/>
-          </p:nvSpPr>
-          <p:spPr bwMode="auto">
-            <a:xfrm>
-              <a:off x="11052175" y="5922963"/>
-              <a:ext cx="26988" cy="26988"/>
-            </a:xfrm>
-            <a:prstGeom prst="ellipse">
-              <a:avLst/>
-            </a:prstGeom>
-            <a:solidFill>
-              <a:srgbClr val="A162D0"/>
-            </a:solidFill>
-            <a:ln>
-              <a:noFill/>
-            </a:ln>
-            <a:extLst>
-              <a:ext uri="{91240B29-F687-4F45-9708-019B960494DF}">
-                <a14:hiddenLine xmlns:a14="http://schemas.microsoft.com/office/drawing/2010/main" w="9525">
-                  <a:solidFill>
-                    <a:srgbClr val="000000"/>
-                  </a:solidFill>
-                  <a:round/>
-                </a14:hiddenLine>
-              </a:ext>
-            </a:extLst>
-          </p:spPr>
-          <p:txBody>
-            <a:bodyPr vert="horz" wrap="square" lIns="91440" tIns="45720" rIns="91440" bIns="45720" numCol="1" anchor="t" anchorCtr="0" compatLnSpc="1"/>
-            <a:lstStyle/>
-            <a:p>
-              <a:endParaRPr lang="zh-CN" altLang="en-US"/>
-            </a:p>
-          </p:txBody>
-        </p:sp>
-        <p:sp>
-          <p:nvSpPr>
-            <p:cNvPr id="42" name="Oval 91"/>
-            <p:cNvSpPr>
-              <a:spLocks noChangeArrowheads="1"/>
-            </p:cNvSpPr>
-            <p:nvPr/>
-          </p:nvSpPr>
-          <p:spPr bwMode="auto">
-            <a:xfrm>
-              <a:off x="10509250" y="5837238"/>
-              <a:ext cx="96838" cy="95250"/>
-            </a:xfrm>
-            <a:prstGeom prst="ellipse">
-              <a:avLst/>
-            </a:prstGeom>
-            <a:solidFill>
-              <a:srgbClr val="A162D0"/>
-            </a:solidFill>
-            <a:ln>
-              <a:noFill/>
-            </a:ln>
-            <a:extLst>
-              <a:ext uri="{91240B29-F687-4F45-9708-019B960494DF}">
-                <a14:hiddenLine xmlns:a14="http://schemas.microsoft.com/office/drawing/2010/main" w="9525">
-                  <a:solidFill>
-                    <a:srgbClr val="000000"/>
-                  </a:solidFill>
-                  <a:round/>
-                </a14:hiddenLine>
-              </a:ext>
-            </a:extLst>
-          </p:spPr>
-          <p:txBody>
-            <a:bodyPr vert="horz" wrap="square" lIns="91440" tIns="45720" rIns="91440" bIns="45720" numCol="1" anchor="t" anchorCtr="0" compatLnSpc="1"/>
-            <a:lstStyle/>
-            <a:p>
-              <a:endParaRPr lang="zh-CN" altLang="en-US"/>
-            </a:p>
-          </p:txBody>
-        </p:sp>
-        <p:sp>
-          <p:nvSpPr>
-            <p:cNvPr id="43" name="Oval 93"/>
-            <p:cNvSpPr>
-              <a:spLocks noChangeArrowheads="1"/>
-            </p:cNvSpPr>
-            <p:nvPr/>
-          </p:nvSpPr>
-          <p:spPr bwMode="auto">
-            <a:xfrm>
-              <a:off x="8005763" y="855662"/>
-              <a:ext cx="14288" cy="14288"/>
-            </a:xfrm>
-            <a:prstGeom prst="ellipse">
-              <a:avLst/>
-            </a:prstGeom>
-            <a:solidFill>
-              <a:srgbClr val="C89150"/>
-            </a:solidFill>
-            <a:ln>
-              <a:noFill/>
-            </a:ln>
-            <a:extLst>
-              <a:ext uri="{91240B29-F687-4F45-9708-019B960494DF}">
-                <a14:hiddenLine xmlns:a14="http://schemas.microsoft.com/office/drawing/2010/main" w="9525">
-                  <a:solidFill>
-                    <a:srgbClr val="000000"/>
-                  </a:solidFill>
-                  <a:round/>
-                </a14:hiddenLine>
-              </a:ext>
-            </a:extLst>
-          </p:spPr>
-          <p:txBody>
-            <a:bodyPr vert="horz" wrap="square" lIns="91440" tIns="45720" rIns="91440" bIns="45720" numCol="1" anchor="t" anchorCtr="0" compatLnSpc="1"/>
-            <a:lstStyle/>
-            <a:p>
-              <a:endParaRPr lang="zh-CN" altLang="en-US"/>
-            </a:p>
-          </p:txBody>
-        </p:sp>
-      </p:grpSp>
-    </p:spTree>
-  </p:cSld>
-  <p:clrMapOvr>
-    <a:masterClrMapping/>
-  </p:clrMapOvr>
-  <p:timing>
-    <p:tnLst>
-      <p:par>
-        <p:cTn id="1" dur="indefinite" restart="never" nodeType="tmRoot">
-          <p:childTnLst>
-            <p:seq concurrent="1" nextAc="seek">
-              <p:cTn id="2" dur="indefinite" nodeType="mainSeq">
-                <p:childTnLst>
-                  <p:par>
-                    <p:cTn id="3" fill="hold">
-                      <p:stCondLst>
-                        <p:cond delay="indefinite"/>
-                        <p:cond evt="onBegin" delay="0">
-                          <p:tn val="2"/>
-                        </p:cond>
-                      </p:stCondLst>
-                      <p:childTnLst>
-                        <p:par>
-                          <p:cTn id="4" fill="hold">
-                            <p:stCondLst>
-                              <p:cond delay="0"/>
-                            </p:stCondLst>
-                            <p:childTnLst>
-                              <p:par>
-                                <p:cTn id="5" presetID="10" presetClass="entr" presetSubtype="0" fill="hold" grpId="0" nodeType="withEffect">
-                                  <p:stCondLst>
-                                    <p:cond delay="0"/>
-                                  </p:stCondLst>
-                                  <p:childTnLst>
-                                    <p:set>
-                                      <p:cBhvr>
-                                        <p:cTn id="6" dur="1" fill="hold">
-                                          <p:stCondLst>
-                                            <p:cond delay="0"/>
-                                          </p:stCondLst>
-                                        </p:cTn>
-                                        <p:tgtEl>
-                                          <p:spTgt spid="2"/>
-                                        </p:tgtEl>
-                                        <p:attrNameLst>
-                                          <p:attrName>style.visibility</p:attrName>
-                                        </p:attrNameLst>
-                                      </p:cBhvr>
-                                      <p:to>
-                                        <p:strVal val="visible"/>
-                                      </p:to>
-                                    </p:set>
-                                    <p:animEffect transition="in" filter="fade">
-                                      <p:cBhvr>
-                                        <p:cTn id="7" dur="500"/>
-                                        <p:tgtEl>
-                                          <p:spTgt spid="2"/>
-                                        </p:tgtEl>
-                                      </p:cBhvr>
-                                    </p:animEffect>
-                                  </p:childTnLst>
-                                </p:cTn>
-                              </p:par>
-                            </p:childTnLst>
-                          </p:cTn>
-                        </p:par>
-                        <p:par>
-                          <p:cTn id="8" fill="hold">
-                            <p:stCondLst>
-                              <p:cond delay="500"/>
-                            </p:stCondLst>
-                            <p:childTnLst>
-                              <p:par>
-                                <p:cTn id="9" presetID="10" presetClass="entr" presetSubtype="0" fill="hold" grpId="0" nodeType="afterEffect">
-                                  <p:stCondLst>
-                                    <p:cond delay="0"/>
-                                  </p:stCondLst>
-                                  <p:childTnLst>
-                                    <p:set>
-                                      <p:cBhvr>
-                                        <p:cTn id="10" dur="1" fill="hold">
-                                          <p:stCondLst>
-                                            <p:cond delay="0"/>
-                                          </p:stCondLst>
-                                        </p:cTn>
-                                        <p:tgtEl>
-                                          <p:spTgt spid="3"/>
-                                        </p:tgtEl>
-                                        <p:attrNameLst>
-                                          <p:attrName>style.visibility</p:attrName>
-                                        </p:attrNameLst>
-                                      </p:cBhvr>
-                                      <p:to>
-                                        <p:strVal val="visible"/>
-                                      </p:to>
-                                    </p:set>
-                                    <p:animEffect transition="in" filter="fade">
-                                      <p:cBhvr>
-                                        <p:cTn id="11" dur="500"/>
-                                        <p:tgtEl>
-                                          <p:spTgt spid="3"/>
-                                        </p:tgtEl>
-                                      </p:cBhvr>
-                                    </p:animEffect>
-                                  </p:childTnLst>
-                                </p:cTn>
-                              </p:par>
-                            </p:childTnLst>
-                          </p:cTn>
-                        </p:par>
-                      </p:childTnLst>
-                    </p:cTn>
-                  </p:par>
-                  <p:par>
-                    <p:cTn id="12" fill="hold">
-                      <p:stCondLst>
-                        <p:cond delay="indefinite"/>
-                      </p:stCondLst>
-                      <p:childTnLst>
-                        <p:par>
-                          <p:cTn id="13" fill="hold">
-                            <p:stCondLst>
-                              <p:cond delay="0"/>
-                            </p:stCondLst>
-                            <p:childTnLst>
-                              <p:par>
-                                <p:cTn id="14" presetID="42" presetClass="entr" presetSubtype="0" fill="hold" nodeType="clickEffect">
-                                  <p:stCondLst>
-                                    <p:cond delay="0"/>
-                                  </p:stCondLst>
-                                  <p:childTnLst>
-                                    <p:set>
-                                      <p:cBhvr>
-                                        <p:cTn id="15" dur="1" fill="hold">
-                                          <p:stCondLst>
-                                            <p:cond delay="0"/>
-                                          </p:stCondLst>
-                                        </p:cTn>
-                                        <p:tgtEl>
-                                          <p:spTgt spid="4"/>
-                                        </p:tgtEl>
-                                        <p:attrNameLst>
-                                          <p:attrName>style.visibility</p:attrName>
-                                        </p:attrNameLst>
-                                      </p:cBhvr>
-                                      <p:to>
-                                        <p:strVal val="visible"/>
-                                      </p:to>
-                                    </p:set>
-                                    <p:animEffect transition="in" filter="fade">
-                                      <p:cBhvr>
-                                        <p:cTn id="16" dur="1000"/>
-                                        <p:tgtEl>
-                                          <p:spTgt spid="4"/>
-                                        </p:tgtEl>
-                                      </p:cBhvr>
-                                    </p:animEffect>
-                                    <p:anim calcmode="lin" valueType="num">
-                                      <p:cBhvr>
-                                        <p:cTn id="17" dur="1000" fill="hold"/>
-                                        <p:tgtEl>
-                                          <p:spTgt spid="4"/>
-                                        </p:tgtEl>
-                                        <p:attrNameLst>
-                                          <p:attrName>ppt_x</p:attrName>
-                                        </p:attrNameLst>
-                                      </p:cBhvr>
-                                      <p:tavLst>
-                                        <p:tav tm="0">
-                                          <p:val>
-                                            <p:strVal val="#ppt_x"/>
-                                          </p:val>
-                                        </p:tav>
-                                        <p:tav tm="100000">
-                                          <p:val>
-                                            <p:strVal val="#ppt_x"/>
-                                          </p:val>
-                                        </p:tav>
-                                      </p:tavLst>
-                                    </p:anim>
-                                    <p:anim calcmode="lin" valueType="num">
-                                      <p:cBhvr>
-                                        <p:cTn id="18" dur="1000" fill="hold"/>
-                                        <p:tgtEl>
-                                          <p:spTgt spid="4"/>
-                                        </p:tgtEl>
-                                        <p:attrNameLst>
-                                          <p:attrName>ppt_y</p:attrName>
-                                        </p:attrNameLst>
-                                      </p:cBhvr>
-                                      <p:tavLst>
-                                        <p:tav tm="0">
-                                          <p:val>
-                                            <p:strVal val="#ppt_y+.1"/>
-                                          </p:val>
-                                        </p:tav>
-                                        <p:tav tm="100000">
-                                          <p:val>
-                                            <p:strVal val="#ppt_y"/>
-                                          </p:val>
-                                        </p:tav>
-                                      </p:tavLst>
-                                    </p:anim>
-                                  </p:childTnLst>
-                                </p:cTn>
-                              </p:par>
-                            </p:childTnLst>
-                          </p:cTn>
-                        </p:par>
-                      </p:childTnLst>
-                    </p:cTn>
-                  </p:par>
-                </p:childTnLst>
-              </p:cTn>
-              <p:prevCondLst>
-                <p:cond evt="onPrev" delay="0">
-                  <p:tgtEl>
-                    <p:sldTgt/>
-                  </p:tgtEl>
-                </p:cond>
-              </p:prevCondLst>
-              <p:nextCondLst>
-                <p:cond evt="onNext" delay="0">
-                  <p:tgtEl>
-                    <p:sldTgt/>
-                  </p:tgtEl>
-                </p:cond>
-              </p:nextCondLst>
-            </p:seq>
-          </p:childTnLst>
-        </p:cTn>
-      </p:par>
-    </p:tnLst>
-    <p:bldLst>
-      <p:bldP spid="2" grpId="0"/>
-      <p:bldP spid="3" grpId="0"/>
-    </p:bldLst>
-  </p:timing>
-</p:sld>
-</file>
-
-<file path=ppt/slides/slide6.xml><?xml version="1.0" encoding="utf-8"?>
-<p:sld xmlns:a="http://schemas.openxmlformats.org/drawingml/2006/main" xmlns:r="http://schemas.openxmlformats.org/officeDocument/2006/relationships" xmlns:p="http://schemas.openxmlformats.org/presentationml/2006/main">
-  <p:cSld>
-    <p:spTree>
-      <p:nvGrpSpPr>
-        <p:cNvPr id="1" name=""/>
-        <p:cNvGrpSpPr/>
-        <p:nvPr/>
-      </p:nvGrpSpPr>
-      <p:grpSpPr>
-        <a:xfrm>
-          <a:off x="0" y="0"/>
-          <a:ext cx="0" cy="0"/>
-          <a:chOff x="0" y="0"/>
-          <a:chExt cx="0" cy="0"/>
-        </a:xfrm>
-      </p:grpSpPr>
-      <p:sp>
-        <p:nvSpPr>
           <p:cNvPr id="11" name="Oval 66"/>
           <p:cNvSpPr>
             <a:spLocks noChangeArrowheads="1"/>
@@ -20383,7 +22527,7 @@
 </p:sld>
 </file>
 
-<file path=ppt/slides/slide7.xml><?xml version="1.0" encoding="utf-8"?>
+<file path=ppt/slides/slide6.xml><?xml version="1.0" encoding="utf-8"?>
 <p:sld xmlns:a="http://schemas.openxmlformats.org/drawingml/2006/main" xmlns:r="http://schemas.openxmlformats.org/officeDocument/2006/relationships" xmlns:p="http://schemas.openxmlformats.org/presentationml/2006/main">
   <p:cSld>
     <p:spTree>
@@ -21476,7 +23620,7 @@
 </p:sld>
 </file>
 
-<file path=ppt/slides/slide8.xml><?xml version="1.0" encoding="utf-8"?>
+<file path=ppt/slides/slide7.xml><?xml version="1.0" encoding="utf-8"?>
 <p:sld xmlns:a="http://schemas.openxmlformats.org/drawingml/2006/main" xmlns:r="http://schemas.openxmlformats.org/officeDocument/2006/relationships" xmlns:p="http://schemas.openxmlformats.org/presentationml/2006/main">
   <p:cSld>
     <p:spTree>
@@ -22569,6 +24713,1717 @@
 </p:sld>
 </file>
 
+<file path=ppt/slides/slide8.xml><?xml version="1.0" encoding="utf-8"?>
+<p:sld xmlns:a="http://schemas.openxmlformats.org/drawingml/2006/main" xmlns:r="http://schemas.openxmlformats.org/officeDocument/2006/relationships" xmlns:p="http://schemas.openxmlformats.org/presentationml/2006/main">
+  <p:cSld>
+    <p:spTree>
+      <p:nvGrpSpPr>
+        <p:cNvPr id="1" name=""/>
+        <p:cNvGrpSpPr/>
+        <p:nvPr/>
+      </p:nvGrpSpPr>
+      <p:grpSpPr>
+        <a:xfrm>
+          <a:off x="0" y="0"/>
+          <a:ext cx="0" cy="0"/>
+          <a:chOff x="0" y="0"/>
+          <a:chExt cx="0" cy="0"/>
+        </a:xfrm>
+      </p:grpSpPr>
+      <p:sp>
+        <p:nvSpPr>
+          <p:cNvPr id="11" name="Oval 66"/>
+          <p:cNvSpPr>
+            <a:spLocks noChangeArrowheads="1"/>
+          </p:cNvSpPr>
+          <p:nvPr/>
+        </p:nvSpPr>
+        <p:spPr bwMode="auto">
+          <a:xfrm>
+            <a:off x="-400834" y="-1376721"/>
+            <a:ext cx="3587632" cy="3587632"/>
+          </a:xfrm>
+          <a:prstGeom prst="ellipse">
+            <a:avLst/>
+          </a:prstGeom>
+          <a:solidFill>
+            <a:srgbClr val="7030A0"/>
+          </a:solidFill>
+          <a:ln>
+            <a:noFill/>
+          </a:ln>
+          <a:effectLst>
+            <a:outerShdw blurRad="215900" dist="38100" dir="2700000" sx="103000" sy="103000" algn="tl" rotWithShape="0">
+              <a:prstClr val="black">
+                <a:alpha val="40000"/>
+              </a:prstClr>
+            </a:outerShdw>
+          </a:effectLst>
+        </p:spPr>
+        <p:txBody>
+          <a:bodyPr vert="horz" wrap="square" lIns="91440" tIns="45720" rIns="91440" bIns="45720" numCol="1" anchor="t" anchorCtr="0" compatLnSpc="1"/>
+          <a:lstStyle/>
+          <a:p>
+            <a:pPr lvl="0"/>
+            <a:endParaRPr lang="zh-CN" altLang="en-US"/>
+          </a:p>
+        </p:txBody>
+      </p:sp>
+      <p:sp>
+        <p:nvSpPr>
+          <p:cNvPr id="12" name="Oval 72"/>
+          <p:cNvSpPr>
+            <a:spLocks noChangeArrowheads="1"/>
+          </p:cNvSpPr>
+          <p:nvPr/>
+        </p:nvSpPr>
+        <p:spPr bwMode="auto">
+          <a:xfrm>
+            <a:off x="2535381" y="874806"/>
+            <a:ext cx="1002145" cy="1002145"/>
+          </a:xfrm>
+          <a:prstGeom prst="ellipse">
+            <a:avLst/>
+          </a:prstGeom>
+          <a:solidFill>
+            <a:srgbClr val="A162D0"/>
+          </a:solidFill>
+          <a:ln>
+            <a:noFill/>
+          </a:ln>
+          <a:effectLst>
+            <a:outerShdw blurRad="215900" dist="38100" dir="2700000" sx="103000" sy="103000" algn="tl" rotWithShape="0">
+              <a:prstClr val="black">
+                <a:alpha val="40000"/>
+              </a:prstClr>
+            </a:outerShdw>
+          </a:effectLst>
+        </p:spPr>
+        <p:txBody>
+          <a:bodyPr vert="horz" wrap="square" lIns="91440" tIns="45720" rIns="91440" bIns="45720" numCol="1" anchor="t" anchorCtr="0" compatLnSpc="1"/>
+          <a:lstStyle/>
+          <a:p>
+            <a:pPr lvl="0"/>
+            <a:endParaRPr lang="zh-CN" altLang="en-US"/>
+          </a:p>
+        </p:txBody>
+      </p:sp>
+      <p:pic>
+        <p:nvPicPr>
+          <p:cNvPr id="13" name="图片 12"/>
+          <p:cNvPicPr>
+            <a:picLocks noChangeAspect="1"/>
+          </p:cNvPicPr>
+          <p:nvPr/>
+        </p:nvPicPr>
+        <p:blipFill>
+          <a:blip r:embed="rId2" cstate="print">
+            <a:extLst>
+              <a:ext uri="{28A0092B-C50C-407E-A947-70E740481C1C}">
+                <a14:useLocalDpi xmlns:a14="http://schemas.microsoft.com/office/drawing/2010/main" val="0"/>
+              </a:ext>
+            </a:extLst>
+          </a:blip>
+          <a:stretch>
+            <a:fillRect/>
+          </a:stretch>
+        </p:blipFill>
+        <p:spPr>
+          <a:xfrm>
+            <a:off x="10854188" y="5669107"/>
+            <a:ext cx="875357" cy="891219"/>
+          </a:xfrm>
+          <a:prstGeom prst="rect">
+            <a:avLst/>
+          </a:prstGeom>
+          <a:effectLst>
+            <a:outerShdw blurRad="215900" dist="38100" dir="2700000" sx="103000" sy="103000" algn="tl" rotWithShape="0">
+              <a:prstClr val="black">
+                <a:alpha val="40000"/>
+              </a:prstClr>
+            </a:outerShdw>
+            <a:softEdge rad="0"/>
+          </a:effectLst>
+        </p:spPr>
+      </p:pic>
+      <p:sp>
+        <p:nvSpPr>
+          <p:cNvPr id="2" name="标题 1"/>
+          <p:cNvSpPr>
+            <a:spLocks noGrp="1"/>
+          </p:cNvSpPr>
+          <p:nvPr>
+            <p:ph type="ctrTitle"/>
+          </p:nvPr>
+        </p:nvSpPr>
+        <p:spPr>
+          <a:xfrm>
+            <a:off x="346363" y="229659"/>
+            <a:ext cx="2355273" cy="1002145"/>
+          </a:xfrm>
+        </p:spPr>
+        <p:txBody>
+          <a:bodyPr>
+            <a:normAutofit/>
+          </a:bodyPr>
+          <a:lstStyle/>
+          <a:p>
+            <a:r>
+              <a:rPr lang="zh-CN" altLang="en-US" sz="3600" b="1" i="1" dirty="0">
+                <a:solidFill>
+                  <a:schemeClr val="bg1">
+                    <a:lumMod val="95000"/>
+                  </a:schemeClr>
+                </a:solidFill>
+                <a:latin typeface="黑体" panose="02010609060101010101" pitchFamily="49" charset="-122"/>
+                <a:ea typeface="黑体" panose="02010609060101010101" pitchFamily="49" charset="-122"/>
+              </a:rPr>
+              <a:t>小组情况</a:t>
+            </a:r>
+          </a:p>
+        </p:txBody>
+      </p:sp>
+      <p:sp>
+        <p:nvSpPr>
+          <p:cNvPr id="3" name="文本框 2"/>
+          <p:cNvSpPr txBox="1"/>
+          <p:nvPr/>
+        </p:nvSpPr>
+        <p:spPr>
+          <a:xfrm>
+            <a:off x="611447" y="1196697"/>
+            <a:ext cx="2164080" cy="369332"/>
+          </a:xfrm>
+          <a:prstGeom prst="rect">
+            <a:avLst/>
+          </a:prstGeom>
+          <a:noFill/>
+        </p:spPr>
+        <p:txBody>
+          <a:bodyPr wrap="square" rtlCol="0">
+            <a:spAutoFit/>
+          </a:bodyPr>
+          <a:lstStyle/>
+          <a:p>
+            <a:r>
+              <a:rPr lang="en-US" altLang="zh-CN" i="1" dirty="0">
+                <a:solidFill>
+                  <a:schemeClr val="bg1">
+                    <a:lumMod val="95000"/>
+                  </a:schemeClr>
+                </a:solidFill>
+                <a:latin typeface="+mj-ea"/>
+                <a:ea typeface="+mj-ea"/>
+              </a:rPr>
+              <a:t>group situation</a:t>
+            </a:r>
+            <a:endParaRPr lang="zh-CN" altLang="en-US" i="1" dirty="0">
+              <a:solidFill>
+                <a:schemeClr val="bg1">
+                  <a:lumMod val="95000"/>
+                </a:schemeClr>
+              </a:solidFill>
+              <a:latin typeface="+mj-ea"/>
+              <a:ea typeface="+mj-ea"/>
+            </a:endParaRPr>
+          </a:p>
+        </p:txBody>
+      </p:sp>
+      <p:grpSp>
+        <p:nvGrpSpPr>
+          <p:cNvPr id="14" name="组合 13"/>
+          <p:cNvGrpSpPr/>
+          <p:nvPr/>
+        </p:nvGrpSpPr>
+        <p:grpSpPr>
+          <a:xfrm>
+            <a:off x="439738" y="297674"/>
+            <a:ext cx="11405899" cy="7255651"/>
+            <a:chOff x="439738" y="297674"/>
+            <a:chExt cx="11405899" cy="7255651"/>
+          </a:xfrm>
+        </p:grpSpPr>
+        <p:sp>
+          <p:nvSpPr>
+            <p:cNvPr id="15" name="Oval 67"/>
+            <p:cNvSpPr>
+              <a:spLocks noChangeArrowheads="1"/>
+            </p:cNvSpPr>
+            <p:nvPr/>
+          </p:nvSpPr>
+          <p:spPr bwMode="auto">
+            <a:xfrm>
+              <a:off x="2093913" y="6356350"/>
+              <a:ext cx="1195388" cy="1196975"/>
+            </a:xfrm>
+            <a:prstGeom prst="ellipse">
+              <a:avLst/>
+            </a:prstGeom>
+            <a:solidFill>
+              <a:srgbClr val="A162D0"/>
+            </a:solidFill>
+            <a:ln>
+              <a:noFill/>
+            </a:ln>
+            <a:effectLst>
+              <a:outerShdw blurRad="215900" dist="38100" dir="2700000" sx="103000" sy="103000" algn="tl" rotWithShape="0">
+                <a:prstClr val="black">
+                  <a:alpha val="40000"/>
+                </a:prstClr>
+              </a:outerShdw>
+            </a:effectLst>
+          </p:spPr>
+          <p:txBody>
+            <a:bodyPr vert="horz" wrap="square" lIns="91440" tIns="45720" rIns="91440" bIns="45720" numCol="1" anchor="t" anchorCtr="0" compatLnSpc="1"/>
+            <a:lstStyle/>
+            <a:p>
+              <a:pPr lvl="0"/>
+              <a:endParaRPr lang="zh-CN" altLang="en-US"/>
+            </a:p>
+          </p:txBody>
+        </p:sp>
+        <p:sp>
+          <p:nvSpPr>
+            <p:cNvPr id="16" name="Oval 73"/>
+            <p:cNvSpPr>
+              <a:spLocks noChangeArrowheads="1"/>
+            </p:cNvSpPr>
+            <p:nvPr/>
+          </p:nvSpPr>
+          <p:spPr bwMode="auto">
+            <a:xfrm>
+              <a:off x="439738" y="6219825"/>
+              <a:ext cx="441325" cy="441325"/>
+            </a:xfrm>
+            <a:prstGeom prst="ellipse">
+              <a:avLst/>
+            </a:prstGeom>
+            <a:solidFill>
+              <a:srgbClr val="313648"/>
+            </a:solidFill>
+            <a:ln>
+              <a:noFill/>
+            </a:ln>
+            <a:extLst>
+              <a:ext uri="{91240B29-F687-4F45-9708-019B960494DF}">
+                <a14:hiddenLine xmlns:a14="http://schemas.microsoft.com/office/drawing/2010/main" w="9525">
+                  <a:solidFill>
+                    <a:srgbClr val="000000"/>
+                  </a:solidFill>
+                  <a:round/>
+                </a14:hiddenLine>
+              </a:ext>
+            </a:extLst>
+          </p:spPr>
+          <p:txBody>
+            <a:bodyPr vert="horz" wrap="square" lIns="91440" tIns="45720" rIns="91440" bIns="45720" numCol="1" anchor="t" anchorCtr="0" compatLnSpc="1"/>
+            <a:lstStyle/>
+            <a:p>
+              <a:endParaRPr lang="zh-CN" altLang="en-US"/>
+            </a:p>
+          </p:txBody>
+        </p:sp>
+        <p:sp>
+          <p:nvSpPr>
+            <p:cNvPr id="17" name="Oval 76"/>
+            <p:cNvSpPr>
+              <a:spLocks noChangeArrowheads="1"/>
+            </p:cNvSpPr>
+            <p:nvPr/>
+          </p:nvSpPr>
+          <p:spPr bwMode="auto">
+            <a:xfrm>
+              <a:off x="3998913" y="6338888"/>
+              <a:ext cx="315913" cy="314325"/>
+            </a:xfrm>
+            <a:prstGeom prst="ellipse">
+              <a:avLst/>
+            </a:prstGeom>
+            <a:solidFill>
+              <a:srgbClr val="7030A0"/>
+            </a:solidFill>
+            <a:ln>
+              <a:noFill/>
+            </a:ln>
+            <a:extLst>
+              <a:ext uri="{91240B29-F687-4F45-9708-019B960494DF}">
+                <a14:hiddenLine xmlns:a14="http://schemas.microsoft.com/office/drawing/2010/main" w="9525">
+                  <a:solidFill>
+                    <a:srgbClr val="000000"/>
+                  </a:solidFill>
+                  <a:round/>
+                </a14:hiddenLine>
+              </a:ext>
+            </a:extLst>
+          </p:spPr>
+          <p:txBody>
+            <a:bodyPr vert="horz" wrap="square" lIns="91440" tIns="45720" rIns="91440" bIns="45720" numCol="1" anchor="t" anchorCtr="0" compatLnSpc="1"/>
+            <a:lstStyle/>
+            <a:p>
+              <a:endParaRPr lang="zh-CN" altLang="en-US"/>
+            </a:p>
+          </p:txBody>
+        </p:sp>
+        <p:sp>
+          <p:nvSpPr>
+            <p:cNvPr id="18" name="Oval 78"/>
+            <p:cNvSpPr>
+              <a:spLocks noChangeArrowheads="1"/>
+            </p:cNvSpPr>
+            <p:nvPr/>
+          </p:nvSpPr>
+          <p:spPr bwMode="auto">
+            <a:xfrm>
+              <a:off x="11102687" y="297674"/>
+              <a:ext cx="742950" cy="746125"/>
+            </a:xfrm>
+            <a:prstGeom prst="ellipse">
+              <a:avLst/>
+            </a:prstGeom>
+            <a:solidFill>
+              <a:srgbClr val="7030A0"/>
+            </a:solidFill>
+            <a:ln>
+              <a:noFill/>
+            </a:ln>
+            <a:effectLst>
+              <a:outerShdw blurRad="215900" dist="38100" dir="2700000" sx="103000" sy="103000" algn="tl" rotWithShape="0">
+                <a:prstClr val="black">
+                  <a:alpha val="40000"/>
+                </a:prstClr>
+              </a:outerShdw>
+            </a:effectLst>
+          </p:spPr>
+          <p:txBody>
+            <a:bodyPr vert="horz" wrap="square" lIns="91440" tIns="45720" rIns="91440" bIns="45720" numCol="1" anchor="t" anchorCtr="0" compatLnSpc="1"/>
+            <a:lstStyle/>
+            <a:p>
+              <a:pPr lvl="0"/>
+              <a:endParaRPr lang="zh-CN" altLang="en-US"/>
+            </a:p>
+          </p:txBody>
+        </p:sp>
+        <p:sp>
+          <p:nvSpPr>
+            <p:cNvPr id="19" name="Oval 79"/>
+            <p:cNvSpPr>
+              <a:spLocks noChangeArrowheads="1"/>
+            </p:cNvSpPr>
+            <p:nvPr/>
+          </p:nvSpPr>
+          <p:spPr bwMode="auto">
+            <a:xfrm>
+              <a:off x="11012090" y="755372"/>
+              <a:ext cx="441325" cy="441325"/>
+            </a:xfrm>
+            <a:prstGeom prst="ellipse">
+              <a:avLst/>
+            </a:prstGeom>
+            <a:solidFill>
+              <a:srgbClr val="A162D0"/>
+            </a:solidFill>
+            <a:ln>
+              <a:noFill/>
+            </a:ln>
+            <a:effectLst>
+              <a:outerShdw blurRad="215900" dist="38100" dir="2700000" sx="103000" sy="103000" algn="tl" rotWithShape="0">
+                <a:prstClr val="black">
+                  <a:alpha val="40000"/>
+                </a:prstClr>
+              </a:outerShdw>
+            </a:effectLst>
+          </p:spPr>
+          <p:txBody>
+            <a:bodyPr vert="horz" wrap="square" lIns="91440" tIns="45720" rIns="91440" bIns="45720" numCol="1" anchor="t" anchorCtr="0" compatLnSpc="1"/>
+            <a:lstStyle/>
+            <a:p>
+              <a:pPr lvl="0"/>
+              <a:endParaRPr lang="zh-CN" altLang="en-US"/>
+            </a:p>
+          </p:txBody>
+        </p:sp>
+        <p:sp>
+          <p:nvSpPr>
+            <p:cNvPr id="20" name="Oval 80"/>
+            <p:cNvSpPr>
+              <a:spLocks noChangeArrowheads="1"/>
+            </p:cNvSpPr>
+            <p:nvPr/>
+          </p:nvSpPr>
+          <p:spPr bwMode="auto">
+            <a:xfrm>
+              <a:off x="6478588" y="6986588"/>
+              <a:ext cx="25400" cy="23813"/>
+            </a:xfrm>
+            <a:prstGeom prst="ellipse">
+              <a:avLst/>
+            </a:prstGeom>
+            <a:solidFill>
+              <a:srgbClr val="D3B2FC"/>
+            </a:solidFill>
+            <a:ln>
+              <a:noFill/>
+            </a:ln>
+            <a:extLst>
+              <a:ext uri="{91240B29-F687-4F45-9708-019B960494DF}">
+                <a14:hiddenLine xmlns:a14="http://schemas.microsoft.com/office/drawing/2010/main" w="9525">
+                  <a:solidFill>
+                    <a:srgbClr val="000000"/>
+                  </a:solidFill>
+                  <a:round/>
+                </a14:hiddenLine>
+              </a:ext>
+            </a:extLst>
+          </p:spPr>
+          <p:txBody>
+            <a:bodyPr vert="horz" wrap="square" lIns="91440" tIns="45720" rIns="91440" bIns="45720" numCol="1" anchor="t" anchorCtr="0" compatLnSpc="1"/>
+            <a:lstStyle/>
+            <a:p>
+              <a:endParaRPr lang="zh-CN" altLang="en-US"/>
+            </a:p>
+          </p:txBody>
+        </p:sp>
+        <p:sp>
+          <p:nvSpPr>
+            <p:cNvPr id="21" name="Oval 81"/>
+            <p:cNvSpPr>
+              <a:spLocks noChangeArrowheads="1"/>
+            </p:cNvSpPr>
+            <p:nvPr/>
+          </p:nvSpPr>
+          <p:spPr bwMode="auto">
+            <a:xfrm>
+              <a:off x="6473825" y="6869113"/>
+              <a:ext cx="31750" cy="31750"/>
+            </a:xfrm>
+            <a:prstGeom prst="ellipse">
+              <a:avLst/>
+            </a:prstGeom>
+            <a:solidFill>
+              <a:srgbClr val="D3B2FC"/>
+            </a:solidFill>
+            <a:ln>
+              <a:noFill/>
+            </a:ln>
+            <a:extLst>
+              <a:ext uri="{91240B29-F687-4F45-9708-019B960494DF}">
+                <a14:hiddenLine xmlns:a14="http://schemas.microsoft.com/office/drawing/2010/main" w="9525">
+                  <a:solidFill>
+                    <a:srgbClr val="000000"/>
+                  </a:solidFill>
+                  <a:round/>
+                </a14:hiddenLine>
+              </a:ext>
+            </a:extLst>
+          </p:spPr>
+          <p:txBody>
+            <a:bodyPr vert="horz" wrap="square" lIns="91440" tIns="45720" rIns="91440" bIns="45720" numCol="1" anchor="t" anchorCtr="0" compatLnSpc="1"/>
+            <a:lstStyle/>
+            <a:p>
+              <a:endParaRPr lang="zh-CN" altLang="en-US"/>
+            </a:p>
+          </p:txBody>
+        </p:sp>
+        <p:sp>
+          <p:nvSpPr>
+            <p:cNvPr id="22" name="Oval 82"/>
+            <p:cNvSpPr>
+              <a:spLocks noChangeArrowheads="1"/>
+            </p:cNvSpPr>
+            <p:nvPr/>
+          </p:nvSpPr>
+          <p:spPr bwMode="auto">
+            <a:xfrm>
+              <a:off x="7539038" y="6008688"/>
+              <a:ext cx="22225" cy="23813"/>
+            </a:xfrm>
+            <a:prstGeom prst="ellipse">
+              <a:avLst/>
+            </a:prstGeom>
+            <a:solidFill>
+              <a:srgbClr val="D3B2FC"/>
+            </a:solidFill>
+            <a:ln>
+              <a:noFill/>
+            </a:ln>
+            <a:extLst>
+              <a:ext uri="{91240B29-F687-4F45-9708-019B960494DF}">
+                <a14:hiddenLine xmlns:a14="http://schemas.microsoft.com/office/drawing/2010/main" w="9525">
+                  <a:solidFill>
+                    <a:srgbClr val="000000"/>
+                  </a:solidFill>
+                  <a:round/>
+                </a14:hiddenLine>
+              </a:ext>
+            </a:extLst>
+          </p:spPr>
+          <p:txBody>
+            <a:bodyPr vert="horz" wrap="square" lIns="91440" tIns="45720" rIns="91440" bIns="45720" numCol="1" anchor="t" anchorCtr="0" compatLnSpc="1"/>
+            <a:lstStyle/>
+            <a:p>
+              <a:endParaRPr lang="zh-CN" altLang="en-US"/>
+            </a:p>
+          </p:txBody>
+        </p:sp>
+        <p:sp>
+          <p:nvSpPr>
+            <p:cNvPr id="23" name="Oval 83"/>
+            <p:cNvSpPr>
+              <a:spLocks noChangeArrowheads="1"/>
+            </p:cNvSpPr>
+            <p:nvPr/>
+          </p:nvSpPr>
+          <p:spPr bwMode="auto">
+            <a:xfrm>
+              <a:off x="6002338" y="6337300"/>
+              <a:ext cx="49213" cy="47625"/>
+            </a:xfrm>
+            <a:prstGeom prst="ellipse">
+              <a:avLst/>
+            </a:prstGeom>
+            <a:solidFill>
+              <a:srgbClr val="B67EFA"/>
+            </a:solidFill>
+            <a:ln>
+              <a:noFill/>
+            </a:ln>
+            <a:extLst>
+              <a:ext uri="{91240B29-F687-4F45-9708-019B960494DF}">
+                <a14:hiddenLine xmlns:a14="http://schemas.microsoft.com/office/drawing/2010/main" w="9525">
+                  <a:solidFill>
+                    <a:srgbClr val="000000"/>
+                  </a:solidFill>
+                  <a:round/>
+                </a14:hiddenLine>
+              </a:ext>
+            </a:extLst>
+          </p:spPr>
+          <p:txBody>
+            <a:bodyPr vert="horz" wrap="square" lIns="91440" tIns="45720" rIns="91440" bIns="45720" numCol="1" anchor="t" anchorCtr="0" compatLnSpc="1"/>
+            <a:lstStyle/>
+            <a:p>
+              <a:endParaRPr lang="zh-CN" altLang="en-US"/>
+            </a:p>
+          </p:txBody>
+        </p:sp>
+        <p:sp>
+          <p:nvSpPr>
+            <p:cNvPr id="24" name="Oval 84"/>
+            <p:cNvSpPr>
+              <a:spLocks noChangeArrowheads="1"/>
+            </p:cNvSpPr>
+            <p:nvPr/>
+          </p:nvSpPr>
+          <p:spPr bwMode="auto">
+            <a:xfrm>
+              <a:off x="5449888" y="6421438"/>
+              <a:ext cx="98425" cy="96838"/>
+            </a:xfrm>
+            <a:prstGeom prst="ellipse">
+              <a:avLst/>
+            </a:prstGeom>
+            <a:solidFill>
+              <a:srgbClr val="A162D0"/>
+            </a:solidFill>
+            <a:ln>
+              <a:noFill/>
+            </a:ln>
+            <a:extLst>
+              <a:ext uri="{91240B29-F687-4F45-9708-019B960494DF}">
+                <a14:hiddenLine xmlns:a14="http://schemas.microsoft.com/office/drawing/2010/main" w="9525">
+                  <a:solidFill>
+                    <a:srgbClr val="000000"/>
+                  </a:solidFill>
+                  <a:round/>
+                </a14:hiddenLine>
+              </a:ext>
+            </a:extLst>
+          </p:spPr>
+          <p:txBody>
+            <a:bodyPr vert="horz" wrap="square" lIns="91440" tIns="45720" rIns="91440" bIns="45720" numCol="1" anchor="t" anchorCtr="0" compatLnSpc="1"/>
+            <a:lstStyle/>
+            <a:p>
+              <a:endParaRPr lang="zh-CN" altLang="en-US"/>
+            </a:p>
+          </p:txBody>
+        </p:sp>
+        <p:sp>
+          <p:nvSpPr>
+            <p:cNvPr id="25" name="Oval 87"/>
+            <p:cNvSpPr>
+              <a:spLocks noChangeArrowheads="1"/>
+            </p:cNvSpPr>
+            <p:nvPr/>
+          </p:nvSpPr>
+          <p:spPr bwMode="auto">
+            <a:xfrm>
+              <a:off x="2503488" y="6153150"/>
+              <a:ext cx="71438" cy="73025"/>
+            </a:xfrm>
+            <a:prstGeom prst="ellipse">
+              <a:avLst/>
+            </a:prstGeom>
+            <a:solidFill>
+              <a:srgbClr val="A162D0"/>
+            </a:solidFill>
+            <a:ln>
+              <a:noFill/>
+            </a:ln>
+            <a:extLst>
+              <a:ext uri="{91240B29-F687-4F45-9708-019B960494DF}">
+                <a14:hiddenLine xmlns:a14="http://schemas.microsoft.com/office/drawing/2010/main" w="9525">
+                  <a:solidFill>
+                    <a:srgbClr val="000000"/>
+                  </a:solidFill>
+                  <a:round/>
+                </a14:hiddenLine>
+              </a:ext>
+            </a:extLst>
+          </p:spPr>
+          <p:txBody>
+            <a:bodyPr vert="horz" wrap="square" lIns="91440" tIns="45720" rIns="91440" bIns="45720" numCol="1" anchor="t" anchorCtr="0" compatLnSpc="1"/>
+            <a:lstStyle/>
+            <a:p>
+              <a:endParaRPr lang="zh-CN" altLang="en-US"/>
+            </a:p>
+          </p:txBody>
+        </p:sp>
+        <p:sp>
+          <p:nvSpPr>
+            <p:cNvPr id="26" name="Oval 88"/>
+            <p:cNvSpPr>
+              <a:spLocks noChangeArrowheads="1"/>
+            </p:cNvSpPr>
+            <p:nvPr/>
+          </p:nvSpPr>
+          <p:spPr bwMode="auto">
+            <a:xfrm>
+              <a:off x="2319338" y="6813550"/>
+              <a:ext cx="12700" cy="11113"/>
+            </a:xfrm>
+            <a:prstGeom prst="ellipse">
+              <a:avLst/>
+            </a:prstGeom>
+            <a:solidFill>
+              <a:srgbClr val="EEE2B1"/>
+            </a:solidFill>
+            <a:ln>
+              <a:noFill/>
+            </a:ln>
+            <a:extLst>
+              <a:ext uri="{91240B29-F687-4F45-9708-019B960494DF}">
+                <a14:hiddenLine xmlns:a14="http://schemas.microsoft.com/office/drawing/2010/main" w="9525">
+                  <a:solidFill>
+                    <a:srgbClr val="000000"/>
+                  </a:solidFill>
+                  <a:round/>
+                </a14:hiddenLine>
+              </a:ext>
+            </a:extLst>
+          </p:spPr>
+          <p:txBody>
+            <a:bodyPr vert="horz" wrap="square" lIns="91440" tIns="45720" rIns="91440" bIns="45720" numCol="1" anchor="t" anchorCtr="0" compatLnSpc="1"/>
+            <a:lstStyle/>
+            <a:p>
+              <a:endParaRPr lang="zh-CN" altLang="en-US"/>
+            </a:p>
+          </p:txBody>
+        </p:sp>
+        <p:sp>
+          <p:nvSpPr>
+            <p:cNvPr id="27" name="Oval 89"/>
+            <p:cNvSpPr>
+              <a:spLocks noChangeArrowheads="1"/>
+            </p:cNvSpPr>
+            <p:nvPr/>
+          </p:nvSpPr>
+          <p:spPr bwMode="auto">
+            <a:xfrm>
+              <a:off x="11290300" y="5929313"/>
+              <a:ext cx="22225" cy="22225"/>
+            </a:xfrm>
+            <a:prstGeom prst="ellipse">
+              <a:avLst/>
+            </a:prstGeom>
+            <a:solidFill>
+              <a:srgbClr val="A162D0"/>
+            </a:solidFill>
+            <a:ln>
+              <a:noFill/>
+            </a:ln>
+            <a:extLst>
+              <a:ext uri="{91240B29-F687-4F45-9708-019B960494DF}">
+                <a14:hiddenLine xmlns:a14="http://schemas.microsoft.com/office/drawing/2010/main" w="9525">
+                  <a:solidFill>
+                    <a:srgbClr val="000000"/>
+                  </a:solidFill>
+                  <a:round/>
+                </a14:hiddenLine>
+              </a:ext>
+            </a:extLst>
+          </p:spPr>
+          <p:txBody>
+            <a:bodyPr vert="horz" wrap="square" lIns="91440" tIns="45720" rIns="91440" bIns="45720" numCol="1" anchor="t" anchorCtr="0" compatLnSpc="1"/>
+            <a:lstStyle/>
+            <a:p>
+              <a:endParaRPr lang="zh-CN" altLang="en-US"/>
+            </a:p>
+          </p:txBody>
+        </p:sp>
+        <p:sp>
+          <p:nvSpPr>
+            <p:cNvPr id="28" name="Oval 90"/>
+            <p:cNvSpPr>
+              <a:spLocks noChangeArrowheads="1"/>
+            </p:cNvSpPr>
+            <p:nvPr/>
+          </p:nvSpPr>
+          <p:spPr bwMode="auto">
+            <a:xfrm>
+              <a:off x="11052175" y="5922963"/>
+              <a:ext cx="26988" cy="26988"/>
+            </a:xfrm>
+            <a:prstGeom prst="ellipse">
+              <a:avLst/>
+            </a:prstGeom>
+            <a:solidFill>
+              <a:srgbClr val="A162D0"/>
+            </a:solidFill>
+            <a:ln>
+              <a:noFill/>
+            </a:ln>
+            <a:extLst>
+              <a:ext uri="{91240B29-F687-4F45-9708-019B960494DF}">
+                <a14:hiddenLine xmlns:a14="http://schemas.microsoft.com/office/drawing/2010/main" w="9525">
+                  <a:solidFill>
+                    <a:srgbClr val="000000"/>
+                  </a:solidFill>
+                  <a:round/>
+                </a14:hiddenLine>
+              </a:ext>
+            </a:extLst>
+          </p:spPr>
+          <p:txBody>
+            <a:bodyPr vert="horz" wrap="square" lIns="91440" tIns="45720" rIns="91440" bIns="45720" numCol="1" anchor="t" anchorCtr="0" compatLnSpc="1"/>
+            <a:lstStyle/>
+            <a:p>
+              <a:endParaRPr lang="zh-CN" altLang="en-US"/>
+            </a:p>
+          </p:txBody>
+        </p:sp>
+        <p:sp>
+          <p:nvSpPr>
+            <p:cNvPr id="29" name="Oval 91"/>
+            <p:cNvSpPr>
+              <a:spLocks noChangeArrowheads="1"/>
+            </p:cNvSpPr>
+            <p:nvPr/>
+          </p:nvSpPr>
+          <p:spPr bwMode="auto">
+            <a:xfrm>
+              <a:off x="10509250" y="5837238"/>
+              <a:ext cx="96838" cy="95250"/>
+            </a:xfrm>
+            <a:prstGeom prst="ellipse">
+              <a:avLst/>
+            </a:prstGeom>
+            <a:solidFill>
+              <a:srgbClr val="A162D0"/>
+            </a:solidFill>
+            <a:ln>
+              <a:noFill/>
+            </a:ln>
+            <a:extLst>
+              <a:ext uri="{91240B29-F687-4F45-9708-019B960494DF}">
+                <a14:hiddenLine xmlns:a14="http://schemas.microsoft.com/office/drawing/2010/main" w="9525">
+                  <a:solidFill>
+                    <a:srgbClr val="000000"/>
+                  </a:solidFill>
+                  <a:round/>
+                </a14:hiddenLine>
+              </a:ext>
+            </a:extLst>
+          </p:spPr>
+          <p:txBody>
+            <a:bodyPr vert="horz" wrap="square" lIns="91440" tIns="45720" rIns="91440" bIns="45720" numCol="1" anchor="t" anchorCtr="0" compatLnSpc="1"/>
+            <a:lstStyle/>
+            <a:p>
+              <a:endParaRPr lang="zh-CN" altLang="en-US"/>
+            </a:p>
+          </p:txBody>
+        </p:sp>
+        <p:sp>
+          <p:nvSpPr>
+            <p:cNvPr id="30" name="Oval 93"/>
+            <p:cNvSpPr>
+              <a:spLocks noChangeArrowheads="1"/>
+            </p:cNvSpPr>
+            <p:nvPr/>
+          </p:nvSpPr>
+          <p:spPr bwMode="auto">
+            <a:xfrm>
+              <a:off x="8005763" y="855662"/>
+              <a:ext cx="14288" cy="14288"/>
+            </a:xfrm>
+            <a:prstGeom prst="ellipse">
+              <a:avLst/>
+            </a:prstGeom>
+            <a:solidFill>
+              <a:srgbClr val="C89150"/>
+            </a:solidFill>
+            <a:ln>
+              <a:noFill/>
+            </a:ln>
+            <a:extLst>
+              <a:ext uri="{91240B29-F687-4F45-9708-019B960494DF}">
+                <a14:hiddenLine xmlns:a14="http://schemas.microsoft.com/office/drawing/2010/main" w="9525">
+                  <a:solidFill>
+                    <a:srgbClr val="000000"/>
+                  </a:solidFill>
+                  <a:round/>
+                </a14:hiddenLine>
+              </a:ext>
+            </a:extLst>
+          </p:spPr>
+          <p:txBody>
+            <a:bodyPr vert="horz" wrap="square" lIns="91440" tIns="45720" rIns="91440" bIns="45720" numCol="1" anchor="t" anchorCtr="0" compatLnSpc="1"/>
+            <a:lstStyle/>
+            <a:p>
+              <a:endParaRPr lang="zh-CN" altLang="en-US"/>
+            </a:p>
+          </p:txBody>
+        </p:sp>
+      </p:grpSp>
+      <p:graphicFrame>
+        <p:nvGraphicFramePr>
+          <p:cNvPr id="31" name="表格 30">
+            <a:extLst>
+              <a:ext uri="{FF2B5EF4-FFF2-40B4-BE49-F238E27FC236}">
+                <a16:creationId xmlns:a16="http://schemas.microsoft.com/office/drawing/2014/main" id="{DF419EDF-F562-4361-95A3-B8C0684498BD}"/>
+              </a:ext>
+            </a:extLst>
+          </p:cNvPr>
+          <p:cNvGraphicFramePr>
+            <a:graphicFrameLocks noGrp="1"/>
+          </p:cNvGraphicFramePr>
+          <p:nvPr>
+            <p:extLst>
+              <p:ext uri="{D42A27DB-BD31-4B8C-83A1-F6EECF244321}">
+                <p14:modId xmlns:p14="http://schemas.microsoft.com/office/powerpoint/2010/main" val="1424280942"/>
+              </p:ext>
+            </p:extLst>
+          </p:nvPr>
+        </p:nvGraphicFramePr>
+        <p:xfrm>
+          <a:off x="2503488" y="2164755"/>
+          <a:ext cx="8136384" cy="1970954"/>
+        </p:xfrm>
+        <a:graphic>
+          <a:graphicData uri="http://schemas.openxmlformats.org/drawingml/2006/table">
+            <a:tbl>
+              <a:tblPr firstRow="1" bandRow="1">
+                <a:tableStyleId>{0660B408-B3CF-4A94-85FC-2B1E0A45F4A2}</a:tableStyleId>
+              </a:tblPr>
+              <a:tblGrid>
+                <a:gridCol w="2712128">
+                  <a:extLst>
+                    <a:ext uri="{9D8B030D-6E8A-4147-A177-3AD203B41FA5}">
+                      <a16:colId xmlns:a16="http://schemas.microsoft.com/office/drawing/2014/main" val="20000"/>
+                    </a:ext>
+                  </a:extLst>
+                </a:gridCol>
+                <a:gridCol w="2712128">
+                  <a:extLst>
+                    <a:ext uri="{9D8B030D-6E8A-4147-A177-3AD203B41FA5}">
+                      <a16:colId xmlns:a16="http://schemas.microsoft.com/office/drawing/2014/main" val="20001"/>
+                    </a:ext>
+                  </a:extLst>
+                </a:gridCol>
+                <a:gridCol w="2712128">
+                  <a:extLst>
+                    <a:ext uri="{9D8B030D-6E8A-4147-A177-3AD203B41FA5}">
+                      <a16:colId xmlns:a16="http://schemas.microsoft.com/office/drawing/2014/main" val="20002"/>
+                    </a:ext>
+                  </a:extLst>
+                </a:gridCol>
+              </a:tblGrid>
+              <a:tr h="617994">
+                <a:tc>
+                  <a:txBody>
+                    <a:bodyPr/>
+                    <a:lstStyle/>
+                    <a:p>
+                      <a:pPr algn="ctr"/>
+                      <a:r>
+                        <a:rPr lang="zh-CN" altLang="en-US" dirty="0"/>
+                        <a:t>事项</a:t>
+                      </a:r>
+                    </a:p>
+                  </a:txBody>
+                  <a:tcPr>
+                    <a:solidFill>
+                      <a:srgbClr val="7030A0"/>
+                    </a:solidFill>
+                  </a:tcPr>
+                </a:tc>
+                <a:tc>
+                  <a:txBody>
+                    <a:bodyPr/>
+                    <a:lstStyle/>
+                    <a:p>
+                      <a:pPr algn="ctr"/>
+                      <a:r>
+                        <a:rPr lang="zh-CN" altLang="en-US" dirty="0"/>
+                        <a:t>进度</a:t>
+                      </a:r>
+                    </a:p>
+                  </a:txBody>
+                  <a:tcPr>
+                    <a:solidFill>
+                      <a:srgbClr val="7030A0"/>
+                    </a:solidFill>
+                  </a:tcPr>
+                </a:tc>
+                <a:tc>
+                  <a:txBody>
+                    <a:bodyPr/>
+                    <a:lstStyle/>
+                    <a:p>
+                      <a:pPr algn="ctr"/>
+                      <a:r>
+                        <a:rPr lang="zh-CN" altLang="en-US" dirty="0"/>
+                        <a:t>参与成员</a:t>
+                      </a:r>
+                    </a:p>
+                  </a:txBody>
+                  <a:tcPr>
+                    <a:solidFill>
+                      <a:srgbClr val="7030A0"/>
+                    </a:solidFill>
+                  </a:tcPr>
+                </a:tc>
+                <a:extLst>
+                  <a:ext uri="{0D108BD9-81ED-4DB2-BD59-A6C34878D82A}">
+                    <a16:rowId xmlns:a16="http://schemas.microsoft.com/office/drawing/2014/main" val="10000"/>
+                  </a:ext>
+                </a:extLst>
+              </a:tr>
+              <a:tr h="338240">
+                <a:tc>
+                  <a:txBody>
+                    <a:bodyPr/>
+                    <a:lstStyle/>
+                    <a:p>
+                      <a:pPr algn="ctr"/>
+                      <a:r>
+                        <a:rPr lang="en-US" altLang="zh-CN" sz="1600" dirty="0">
+                          <a:solidFill>
+                            <a:schemeClr val="tx1">
+                              <a:lumMod val="65000"/>
+                              <a:lumOff val="35000"/>
+                            </a:schemeClr>
+                          </a:solidFill>
+                          <a:latin typeface="黑体" panose="02010609060101010101" pitchFamily="49" charset="-122"/>
+                          <a:ea typeface="黑体" panose="02010609060101010101" pitchFamily="49" charset="-122"/>
+                        </a:rPr>
+                        <a:t>ICON</a:t>
+                      </a:r>
+                      <a:r>
+                        <a:rPr lang="zh-CN" altLang="en-US" sz="1600" dirty="0">
+                          <a:solidFill>
+                            <a:schemeClr val="tx1">
+                              <a:lumMod val="65000"/>
+                              <a:lumOff val="35000"/>
+                            </a:schemeClr>
+                          </a:solidFill>
+                          <a:latin typeface="黑体" panose="02010609060101010101" pitchFamily="49" charset="-122"/>
+                          <a:ea typeface="黑体" panose="02010609060101010101" pitchFamily="49" charset="-122"/>
+                        </a:rPr>
+                        <a:t>设计</a:t>
+                      </a:r>
+                    </a:p>
+                  </a:txBody>
+                  <a:tcPr/>
+                </a:tc>
+                <a:tc>
+                  <a:txBody>
+                    <a:bodyPr/>
+                    <a:lstStyle/>
+                    <a:p>
+                      <a:pPr algn="ctr"/>
+                      <a:r>
+                        <a:rPr lang="en-US" altLang="zh-CN" sz="1600" dirty="0">
+                          <a:solidFill>
+                            <a:schemeClr val="tx1">
+                              <a:lumMod val="65000"/>
+                              <a:lumOff val="35000"/>
+                            </a:schemeClr>
+                          </a:solidFill>
+                          <a:latin typeface="黑体" panose="02010609060101010101" pitchFamily="49" charset="-122"/>
+                          <a:ea typeface="黑体" panose="02010609060101010101" pitchFamily="49" charset="-122"/>
+                        </a:rPr>
+                        <a:t>100%</a:t>
+                      </a:r>
+                      <a:endParaRPr lang="zh-CN" altLang="en-US" sz="1600" dirty="0">
+                        <a:solidFill>
+                          <a:schemeClr val="tx1">
+                            <a:lumMod val="65000"/>
+                            <a:lumOff val="35000"/>
+                          </a:schemeClr>
+                        </a:solidFill>
+                        <a:latin typeface="黑体" panose="02010609060101010101" pitchFamily="49" charset="-122"/>
+                        <a:ea typeface="黑体" panose="02010609060101010101" pitchFamily="49" charset="-122"/>
+                      </a:endParaRPr>
+                    </a:p>
+                  </a:txBody>
+                  <a:tcPr/>
+                </a:tc>
+                <a:tc>
+                  <a:txBody>
+                    <a:bodyPr/>
+                    <a:lstStyle/>
+                    <a:p>
+                      <a:pPr algn="ctr"/>
+                      <a:r>
+                        <a:rPr lang="zh-CN" altLang="en-US" sz="1600" dirty="0">
+                          <a:solidFill>
+                            <a:schemeClr val="tx1">
+                              <a:lumMod val="65000"/>
+                              <a:lumOff val="35000"/>
+                            </a:schemeClr>
+                          </a:solidFill>
+                          <a:latin typeface="黑体" panose="02010609060101010101" pitchFamily="49" charset="-122"/>
+                          <a:ea typeface="黑体" panose="02010609060101010101" pitchFamily="49" charset="-122"/>
+                        </a:rPr>
+                        <a:t>郭润东</a:t>
+                      </a:r>
+                      <a:endParaRPr lang="en-US" altLang="zh-CN" sz="1600" dirty="0">
+                        <a:solidFill>
+                          <a:schemeClr val="tx1">
+                            <a:lumMod val="65000"/>
+                            <a:lumOff val="35000"/>
+                          </a:schemeClr>
+                        </a:solidFill>
+                        <a:latin typeface="黑体" panose="02010609060101010101" pitchFamily="49" charset="-122"/>
+                        <a:ea typeface="黑体" panose="02010609060101010101" pitchFamily="49" charset="-122"/>
+                      </a:endParaRPr>
+                    </a:p>
+                  </a:txBody>
+                  <a:tcPr/>
+                </a:tc>
+                <a:extLst>
+                  <a:ext uri="{0D108BD9-81ED-4DB2-BD59-A6C34878D82A}">
+                    <a16:rowId xmlns:a16="http://schemas.microsoft.com/office/drawing/2014/main" val="10001"/>
+                  </a:ext>
+                </a:extLst>
+              </a:tr>
+              <a:tr h="338240">
+                <a:tc>
+                  <a:txBody>
+                    <a:bodyPr/>
+                    <a:lstStyle/>
+                    <a:p>
+                      <a:pPr marL="0" marR="0" lvl="0" indent="0" algn="ctr" defTabSz="914400" rtl="0" eaLnBrk="1" fontAlgn="auto" latinLnBrk="0" hangingPunct="1">
+                        <a:lnSpc>
+                          <a:spcPct val="100000"/>
+                        </a:lnSpc>
+                        <a:spcBef>
+                          <a:spcPts val="0"/>
+                        </a:spcBef>
+                        <a:spcAft>
+                          <a:spcPts val="0"/>
+                        </a:spcAft>
+                        <a:buClrTx/>
+                        <a:buSzTx/>
+                        <a:buFontTx/>
+                        <a:buNone/>
+                        <a:tabLst/>
+                        <a:defRPr/>
+                      </a:pPr>
+                      <a:r>
+                        <a:rPr lang="zh-CN" altLang="en-US" sz="1600" dirty="0">
+                          <a:solidFill>
+                            <a:schemeClr val="tx1">
+                              <a:lumMod val="65000"/>
+                              <a:lumOff val="35000"/>
+                            </a:schemeClr>
+                          </a:solidFill>
+                          <a:latin typeface="黑体" panose="02010609060101010101" pitchFamily="49" charset="-122"/>
+                          <a:ea typeface="黑体" panose="02010609060101010101" pitchFamily="49" charset="-122"/>
+                        </a:rPr>
+                        <a:t>主页面布局搭建</a:t>
+                      </a:r>
+                    </a:p>
+                  </a:txBody>
+                  <a:tcPr/>
+                </a:tc>
+                <a:tc>
+                  <a:txBody>
+                    <a:bodyPr/>
+                    <a:lstStyle/>
+                    <a:p>
+                      <a:pPr algn="ctr"/>
+                      <a:r>
+                        <a:rPr lang="en-US" altLang="zh-CN" sz="1600" dirty="0">
+                          <a:solidFill>
+                            <a:schemeClr val="tx1">
+                              <a:lumMod val="65000"/>
+                              <a:lumOff val="35000"/>
+                            </a:schemeClr>
+                          </a:solidFill>
+                          <a:latin typeface="黑体" panose="02010609060101010101" pitchFamily="49" charset="-122"/>
+                          <a:ea typeface="黑体" panose="02010609060101010101" pitchFamily="49" charset="-122"/>
+                        </a:rPr>
+                        <a:t>100%</a:t>
+                      </a:r>
+                      <a:endParaRPr lang="zh-CN" altLang="en-US" sz="1600" dirty="0">
+                        <a:solidFill>
+                          <a:schemeClr val="tx1">
+                            <a:lumMod val="65000"/>
+                            <a:lumOff val="35000"/>
+                          </a:schemeClr>
+                        </a:solidFill>
+                        <a:latin typeface="黑体" panose="02010609060101010101" pitchFamily="49" charset="-122"/>
+                        <a:ea typeface="黑体" panose="02010609060101010101" pitchFamily="49" charset="-122"/>
+                      </a:endParaRPr>
+                    </a:p>
+                  </a:txBody>
+                  <a:tcPr/>
+                </a:tc>
+                <a:tc>
+                  <a:txBody>
+                    <a:bodyPr/>
+                    <a:lstStyle/>
+                    <a:p>
+                      <a:pPr marL="0" marR="0" lvl="0" indent="0" algn="ctr" defTabSz="914400" rtl="0" eaLnBrk="1" fontAlgn="auto" latinLnBrk="0" hangingPunct="1">
+                        <a:lnSpc>
+                          <a:spcPct val="100000"/>
+                        </a:lnSpc>
+                        <a:spcBef>
+                          <a:spcPts val="0"/>
+                        </a:spcBef>
+                        <a:spcAft>
+                          <a:spcPts val="0"/>
+                        </a:spcAft>
+                        <a:buClrTx/>
+                        <a:buSzTx/>
+                        <a:buFontTx/>
+                        <a:buNone/>
+                        <a:tabLst/>
+                        <a:defRPr/>
+                      </a:pPr>
+                      <a:r>
+                        <a:rPr lang="zh-CN" altLang="en-US" sz="1600" dirty="0">
+                          <a:solidFill>
+                            <a:schemeClr val="tx1">
+                              <a:lumMod val="65000"/>
+                              <a:lumOff val="35000"/>
+                            </a:schemeClr>
+                          </a:solidFill>
+                          <a:latin typeface="黑体" panose="02010609060101010101" pitchFamily="49" charset="-122"/>
+                          <a:ea typeface="黑体" panose="02010609060101010101" pitchFamily="49" charset="-122"/>
+                        </a:rPr>
+                        <a:t>郭润东</a:t>
+                      </a:r>
+                    </a:p>
+                  </a:txBody>
+                  <a:tcPr/>
+                </a:tc>
+                <a:extLst>
+                  <a:ext uri="{0D108BD9-81ED-4DB2-BD59-A6C34878D82A}">
+                    <a16:rowId xmlns:a16="http://schemas.microsoft.com/office/drawing/2014/main" val="841482860"/>
+                  </a:ext>
+                </a:extLst>
+              </a:tr>
+              <a:tr h="338240">
+                <a:tc>
+                  <a:txBody>
+                    <a:bodyPr/>
+                    <a:lstStyle/>
+                    <a:p>
+                      <a:pPr algn="ctr"/>
+                      <a:r>
+                        <a:rPr lang="zh-CN" altLang="en-US" sz="1600" dirty="0">
+                          <a:solidFill>
+                            <a:schemeClr val="tx1">
+                              <a:lumMod val="65000"/>
+                              <a:lumOff val="35000"/>
+                            </a:schemeClr>
+                          </a:solidFill>
+                          <a:latin typeface="黑体" panose="02010609060101010101" pitchFamily="49" charset="-122"/>
+                          <a:ea typeface="黑体" panose="02010609060101010101" pitchFamily="49" charset="-122"/>
+                        </a:rPr>
+                        <a:t>登录页背景图设计</a:t>
+                      </a:r>
+                    </a:p>
+                  </a:txBody>
+                  <a:tcPr/>
+                </a:tc>
+                <a:tc>
+                  <a:txBody>
+                    <a:bodyPr/>
+                    <a:lstStyle/>
+                    <a:p>
+                      <a:pPr algn="ctr"/>
+                      <a:r>
+                        <a:rPr lang="en-US" altLang="zh-CN" sz="1600" dirty="0">
+                          <a:solidFill>
+                            <a:schemeClr val="tx1">
+                              <a:lumMod val="65000"/>
+                              <a:lumOff val="35000"/>
+                            </a:schemeClr>
+                          </a:solidFill>
+                          <a:latin typeface="黑体" panose="02010609060101010101" pitchFamily="49" charset="-122"/>
+                          <a:ea typeface="黑体" panose="02010609060101010101" pitchFamily="49" charset="-122"/>
+                        </a:rPr>
+                        <a:t>100%</a:t>
+                      </a:r>
+                      <a:endParaRPr lang="zh-CN" altLang="en-US" sz="1600" dirty="0">
+                        <a:solidFill>
+                          <a:schemeClr val="tx1">
+                            <a:lumMod val="65000"/>
+                            <a:lumOff val="35000"/>
+                          </a:schemeClr>
+                        </a:solidFill>
+                        <a:latin typeface="黑体" panose="02010609060101010101" pitchFamily="49" charset="-122"/>
+                        <a:ea typeface="黑体" panose="02010609060101010101" pitchFamily="49" charset="-122"/>
+                      </a:endParaRPr>
+                    </a:p>
+                  </a:txBody>
+                  <a:tcPr/>
+                </a:tc>
+                <a:tc>
+                  <a:txBody>
+                    <a:bodyPr/>
+                    <a:lstStyle/>
+                    <a:p>
+                      <a:pPr marL="0" marR="0" lvl="0" indent="0" algn="ctr" defTabSz="914400" rtl="0" eaLnBrk="1" fontAlgn="auto" latinLnBrk="0" hangingPunct="1">
+                        <a:lnSpc>
+                          <a:spcPct val="100000"/>
+                        </a:lnSpc>
+                        <a:spcBef>
+                          <a:spcPts val="0"/>
+                        </a:spcBef>
+                        <a:spcAft>
+                          <a:spcPts val="0"/>
+                        </a:spcAft>
+                        <a:buClrTx/>
+                        <a:buSzTx/>
+                        <a:buFontTx/>
+                        <a:buNone/>
+                        <a:tabLst/>
+                        <a:defRPr/>
+                      </a:pPr>
+                      <a:r>
+                        <a:rPr lang="zh-CN" altLang="en-US" sz="1600" dirty="0">
+                          <a:solidFill>
+                            <a:schemeClr val="tx1">
+                              <a:lumMod val="65000"/>
+                              <a:lumOff val="35000"/>
+                            </a:schemeClr>
+                          </a:solidFill>
+                          <a:latin typeface="黑体" panose="02010609060101010101" pitchFamily="49" charset="-122"/>
+                          <a:ea typeface="黑体" panose="02010609060101010101" pitchFamily="49" charset="-122"/>
+                        </a:rPr>
+                        <a:t>郭润东</a:t>
+                      </a:r>
+                    </a:p>
+                  </a:txBody>
+                  <a:tcPr/>
+                </a:tc>
+                <a:extLst>
+                  <a:ext uri="{0D108BD9-81ED-4DB2-BD59-A6C34878D82A}">
+                    <a16:rowId xmlns:a16="http://schemas.microsoft.com/office/drawing/2014/main" val="10002"/>
+                  </a:ext>
+                </a:extLst>
+              </a:tr>
+              <a:tr h="338240">
+                <a:tc>
+                  <a:txBody>
+                    <a:bodyPr/>
+                    <a:lstStyle/>
+                    <a:p>
+                      <a:pPr algn="ctr"/>
+                      <a:r>
+                        <a:rPr lang="zh-CN" altLang="en-US" sz="1600" dirty="0">
+                          <a:solidFill>
+                            <a:schemeClr val="tx1">
+                              <a:lumMod val="65000"/>
+                              <a:lumOff val="35000"/>
+                            </a:schemeClr>
+                          </a:solidFill>
+                          <a:latin typeface="黑体" panose="02010609060101010101" pitchFamily="49" charset="-122"/>
+                          <a:ea typeface="黑体" panose="02010609060101010101" pitchFamily="49" charset="-122"/>
+                        </a:rPr>
+                        <a:t>页面标注</a:t>
+                      </a:r>
+                    </a:p>
+                  </a:txBody>
+                  <a:tcPr/>
+                </a:tc>
+                <a:tc>
+                  <a:txBody>
+                    <a:bodyPr/>
+                    <a:lstStyle/>
+                    <a:p>
+                      <a:pPr algn="ctr"/>
+                      <a:r>
+                        <a:rPr lang="en-US" altLang="zh-CN" sz="1600" dirty="0">
+                          <a:solidFill>
+                            <a:schemeClr val="tx1">
+                              <a:lumMod val="65000"/>
+                              <a:lumOff val="35000"/>
+                            </a:schemeClr>
+                          </a:solidFill>
+                          <a:latin typeface="黑体" panose="02010609060101010101" pitchFamily="49" charset="-122"/>
+                          <a:ea typeface="黑体" panose="02010609060101010101" pitchFamily="49" charset="-122"/>
+                        </a:rPr>
+                        <a:t>100%</a:t>
+                      </a:r>
+                      <a:endParaRPr lang="zh-CN" altLang="en-US" sz="1600" dirty="0">
+                        <a:solidFill>
+                          <a:schemeClr val="tx1">
+                            <a:lumMod val="65000"/>
+                            <a:lumOff val="35000"/>
+                          </a:schemeClr>
+                        </a:solidFill>
+                        <a:latin typeface="黑体" panose="02010609060101010101" pitchFamily="49" charset="-122"/>
+                        <a:ea typeface="黑体" panose="02010609060101010101" pitchFamily="49" charset="-122"/>
+                      </a:endParaRPr>
+                    </a:p>
+                  </a:txBody>
+                  <a:tcPr/>
+                </a:tc>
+                <a:tc>
+                  <a:txBody>
+                    <a:bodyPr/>
+                    <a:lstStyle/>
+                    <a:p>
+                      <a:pPr marL="0" marR="0" lvl="0" indent="0" algn="ctr" defTabSz="914400" rtl="0" eaLnBrk="1" fontAlgn="auto" latinLnBrk="0" hangingPunct="1">
+                        <a:lnSpc>
+                          <a:spcPct val="100000"/>
+                        </a:lnSpc>
+                        <a:spcBef>
+                          <a:spcPts val="0"/>
+                        </a:spcBef>
+                        <a:spcAft>
+                          <a:spcPts val="0"/>
+                        </a:spcAft>
+                        <a:buClrTx/>
+                        <a:buSzTx/>
+                        <a:buFontTx/>
+                        <a:buNone/>
+                        <a:tabLst/>
+                        <a:defRPr/>
+                      </a:pPr>
+                      <a:r>
+                        <a:rPr lang="zh-CN" altLang="en-US" sz="1600" dirty="0">
+                          <a:solidFill>
+                            <a:schemeClr val="tx1">
+                              <a:lumMod val="65000"/>
+                              <a:lumOff val="35000"/>
+                            </a:schemeClr>
+                          </a:solidFill>
+                          <a:latin typeface="黑体" panose="02010609060101010101" pitchFamily="49" charset="-122"/>
+                          <a:ea typeface="黑体" panose="02010609060101010101" pitchFamily="49" charset="-122"/>
+                        </a:rPr>
+                        <a:t>郭润东</a:t>
+                      </a:r>
+                    </a:p>
+                  </a:txBody>
+                  <a:tcPr/>
+                </a:tc>
+                <a:extLst>
+                  <a:ext uri="{0D108BD9-81ED-4DB2-BD59-A6C34878D82A}">
+                    <a16:rowId xmlns:a16="http://schemas.microsoft.com/office/drawing/2014/main" val="1145706291"/>
+                  </a:ext>
+                </a:extLst>
+              </a:tr>
+            </a:tbl>
+          </a:graphicData>
+        </a:graphic>
+      </p:graphicFrame>
+      <p:sp>
+        <p:nvSpPr>
+          <p:cNvPr id="32" name="文本框 31">
+            <a:extLst>
+              <a:ext uri="{FF2B5EF4-FFF2-40B4-BE49-F238E27FC236}">
+                <a16:creationId xmlns:a16="http://schemas.microsoft.com/office/drawing/2014/main" id="{9C59C1D2-9772-468F-9786-893FFAF0137F}"/>
+              </a:ext>
+            </a:extLst>
+          </p:cNvPr>
+          <p:cNvSpPr txBox="1"/>
+          <p:nvPr/>
+        </p:nvSpPr>
+        <p:spPr>
+          <a:xfrm>
+            <a:off x="6227018" y="1451741"/>
+            <a:ext cx="1965434" cy="369332"/>
+          </a:xfrm>
+          <a:prstGeom prst="rect">
+            <a:avLst/>
+          </a:prstGeom>
+          <a:noFill/>
+        </p:spPr>
+        <p:txBody>
+          <a:bodyPr wrap="square" rtlCol="0">
+            <a:spAutoFit/>
+          </a:bodyPr>
+          <a:lstStyle/>
+          <a:p>
+            <a:r>
+              <a:rPr lang="zh-CN" altLang="en-US" dirty="0"/>
+              <a:t>设计师组</a:t>
+            </a:r>
+          </a:p>
+        </p:txBody>
+      </p:sp>
+    </p:spTree>
+    <p:extLst>
+      <p:ext uri="{BB962C8B-B14F-4D97-AF65-F5344CB8AC3E}">
+        <p14:creationId xmlns:p14="http://schemas.microsoft.com/office/powerpoint/2010/main" val="2640346909"/>
+      </p:ext>
+    </p:extLst>
+  </p:cSld>
+  <p:clrMapOvr>
+    <a:masterClrMapping/>
+  </p:clrMapOvr>
+  <p:timing>
+    <p:tnLst>
+      <p:par>
+        <p:cTn id="1" dur="indefinite" restart="never" nodeType="tmRoot">
+          <p:childTnLst>
+            <p:seq concurrent="1" nextAc="seek">
+              <p:cTn id="2" dur="indefinite" nodeType="mainSeq">
+                <p:childTnLst>
+                  <p:par>
+                    <p:cTn id="3" fill="hold">
+                      <p:stCondLst>
+                        <p:cond delay="indefinite"/>
+                        <p:cond evt="onBegin" delay="0">
+                          <p:tn val="2"/>
+                        </p:cond>
+                      </p:stCondLst>
+                      <p:childTnLst>
+                        <p:par>
+                          <p:cTn id="4" fill="hold">
+                            <p:stCondLst>
+                              <p:cond delay="0"/>
+                            </p:stCondLst>
+                            <p:childTnLst>
+                              <p:par>
+                                <p:cTn id="5" presetID="10" presetClass="entr" presetSubtype="0" fill="hold" grpId="0" nodeType="afterEffect">
+                                  <p:stCondLst>
+                                    <p:cond delay="0"/>
+                                  </p:stCondLst>
+                                  <p:childTnLst>
+                                    <p:set>
+                                      <p:cBhvr>
+                                        <p:cTn id="6" dur="1" fill="hold">
+                                          <p:stCondLst>
+                                            <p:cond delay="0"/>
+                                          </p:stCondLst>
+                                        </p:cTn>
+                                        <p:tgtEl>
+                                          <p:spTgt spid="2"/>
+                                        </p:tgtEl>
+                                        <p:attrNameLst>
+                                          <p:attrName>style.visibility</p:attrName>
+                                        </p:attrNameLst>
+                                      </p:cBhvr>
+                                      <p:to>
+                                        <p:strVal val="visible"/>
+                                      </p:to>
+                                    </p:set>
+                                    <p:animEffect transition="in" filter="fade">
+                                      <p:cBhvr>
+                                        <p:cTn id="7" dur="500"/>
+                                        <p:tgtEl>
+                                          <p:spTgt spid="2"/>
+                                        </p:tgtEl>
+                                      </p:cBhvr>
+                                    </p:animEffect>
+                                  </p:childTnLst>
+                                </p:cTn>
+                              </p:par>
+                            </p:childTnLst>
+                          </p:cTn>
+                        </p:par>
+                        <p:par>
+                          <p:cTn id="8" fill="hold">
+                            <p:stCondLst>
+                              <p:cond delay="500"/>
+                            </p:stCondLst>
+                            <p:childTnLst>
+                              <p:par>
+                                <p:cTn id="9" presetID="10" presetClass="entr" presetSubtype="0" fill="hold" grpId="0" nodeType="afterEffect">
+                                  <p:stCondLst>
+                                    <p:cond delay="0"/>
+                                  </p:stCondLst>
+                                  <p:childTnLst>
+                                    <p:set>
+                                      <p:cBhvr>
+                                        <p:cTn id="10" dur="1" fill="hold">
+                                          <p:stCondLst>
+                                            <p:cond delay="0"/>
+                                          </p:stCondLst>
+                                        </p:cTn>
+                                        <p:tgtEl>
+                                          <p:spTgt spid="3"/>
+                                        </p:tgtEl>
+                                        <p:attrNameLst>
+                                          <p:attrName>style.visibility</p:attrName>
+                                        </p:attrNameLst>
+                                      </p:cBhvr>
+                                      <p:to>
+                                        <p:strVal val="visible"/>
+                                      </p:to>
+                                    </p:set>
+                                    <p:animEffect transition="in" filter="fade">
+                                      <p:cBhvr>
+                                        <p:cTn id="11" dur="500"/>
+                                        <p:tgtEl>
+                                          <p:spTgt spid="3"/>
+                                        </p:tgtEl>
+                                      </p:cBhvr>
+                                    </p:animEffect>
+                                  </p:childTnLst>
+                                </p:cTn>
+                              </p:par>
+                            </p:childTnLst>
+                          </p:cTn>
+                        </p:par>
+                      </p:childTnLst>
+                    </p:cTn>
+                  </p:par>
+                  <p:par>
+                    <p:cTn id="12" fill="hold">
+                      <p:stCondLst>
+                        <p:cond delay="indefinite"/>
+                      </p:stCondLst>
+                      <p:childTnLst>
+                        <p:par>
+                          <p:cTn id="13" fill="hold">
+                            <p:stCondLst>
+                              <p:cond delay="0"/>
+                            </p:stCondLst>
+                            <p:childTnLst>
+                              <p:par>
+                                <p:cTn id="14" presetID="42" presetClass="entr" presetSubtype="0" fill="hold" nodeType="clickEffect">
+                                  <p:stCondLst>
+                                    <p:cond delay="0"/>
+                                  </p:stCondLst>
+                                  <p:childTnLst>
+                                    <p:set>
+                                      <p:cBhvr>
+                                        <p:cTn id="15" dur="1" fill="hold">
+                                          <p:stCondLst>
+                                            <p:cond delay="0"/>
+                                          </p:stCondLst>
+                                        </p:cTn>
+                                        <p:tgtEl>
+                                          <p:spTgt spid="31"/>
+                                        </p:tgtEl>
+                                        <p:attrNameLst>
+                                          <p:attrName>style.visibility</p:attrName>
+                                        </p:attrNameLst>
+                                      </p:cBhvr>
+                                      <p:to>
+                                        <p:strVal val="visible"/>
+                                      </p:to>
+                                    </p:set>
+                                    <p:animEffect transition="in" filter="fade">
+                                      <p:cBhvr>
+                                        <p:cTn id="16" dur="1000"/>
+                                        <p:tgtEl>
+                                          <p:spTgt spid="31"/>
+                                        </p:tgtEl>
+                                      </p:cBhvr>
+                                    </p:animEffect>
+                                    <p:anim calcmode="lin" valueType="num">
+                                      <p:cBhvr>
+                                        <p:cTn id="17" dur="1000" fill="hold"/>
+                                        <p:tgtEl>
+                                          <p:spTgt spid="31"/>
+                                        </p:tgtEl>
+                                        <p:attrNameLst>
+                                          <p:attrName>ppt_x</p:attrName>
+                                        </p:attrNameLst>
+                                      </p:cBhvr>
+                                      <p:tavLst>
+                                        <p:tav tm="0">
+                                          <p:val>
+                                            <p:strVal val="#ppt_x"/>
+                                          </p:val>
+                                        </p:tav>
+                                        <p:tav tm="100000">
+                                          <p:val>
+                                            <p:strVal val="#ppt_x"/>
+                                          </p:val>
+                                        </p:tav>
+                                      </p:tavLst>
+                                    </p:anim>
+                                    <p:anim calcmode="lin" valueType="num">
+                                      <p:cBhvr>
+                                        <p:cTn id="18" dur="1000" fill="hold"/>
+                                        <p:tgtEl>
+                                          <p:spTgt spid="31"/>
+                                        </p:tgtEl>
+                                        <p:attrNameLst>
+                                          <p:attrName>ppt_y</p:attrName>
+                                        </p:attrNameLst>
+                                      </p:cBhvr>
+                                      <p:tavLst>
+                                        <p:tav tm="0">
+                                          <p:val>
+                                            <p:strVal val="#ppt_y+.1"/>
+                                          </p:val>
+                                        </p:tav>
+                                        <p:tav tm="100000">
+                                          <p:val>
+                                            <p:strVal val="#ppt_y"/>
+                                          </p:val>
+                                        </p:tav>
+                                      </p:tavLst>
+                                    </p:anim>
+                                  </p:childTnLst>
+                                </p:cTn>
+                              </p:par>
+                            </p:childTnLst>
+                          </p:cTn>
+                        </p:par>
+                      </p:childTnLst>
+                    </p:cTn>
+                  </p:par>
+                </p:childTnLst>
+              </p:cTn>
+              <p:prevCondLst>
+                <p:cond evt="onPrev" delay="0">
+                  <p:tgtEl>
+                    <p:sldTgt/>
+                  </p:tgtEl>
+                </p:cond>
+              </p:prevCondLst>
+              <p:nextCondLst>
+                <p:cond evt="onNext" delay="0">
+                  <p:tgtEl>
+                    <p:sldTgt/>
+                  </p:tgtEl>
+                </p:cond>
+              </p:nextCondLst>
+            </p:seq>
+          </p:childTnLst>
+        </p:cTn>
+      </p:par>
+    </p:tnLst>
+    <p:bldLst>
+      <p:bldP spid="2" grpId="0"/>
+      <p:bldP spid="3" grpId="0"/>
+    </p:bldLst>
+  </p:timing>
+</p:sld>
+</file>
+
 <file path=ppt/slides/slide9.xml><?xml version="1.0" encoding="utf-8"?>
 <p:sld xmlns:a="http://schemas.openxmlformats.org/drawingml/2006/main" xmlns:r="http://schemas.openxmlformats.org/officeDocument/2006/relationships" xmlns:p="http://schemas.openxmlformats.org/presentationml/2006/main">
   <p:cSld>
@@ -23465,7 +27320,7 @@
           <p:nvPr>
             <p:extLst>
               <p:ext uri="{D42A27DB-BD31-4B8C-83A1-F6EECF244321}">
-                <p14:modId xmlns:p14="http://schemas.microsoft.com/office/powerpoint/2010/main" val="3258752368"/>
+                <p14:modId xmlns:p14="http://schemas.microsoft.com/office/powerpoint/2010/main" val="26326507"/>
               </p:ext>
             </p:extLst>
           </p:nvPr>
@@ -23582,7 +27437,7 @@
                           <a:latin typeface="黑体" panose="02010609060101010101" pitchFamily="49" charset="-122"/>
                           <a:ea typeface="黑体" panose="02010609060101010101" pitchFamily="49" charset="-122"/>
                         </a:rPr>
-                        <a:t>数据库设计</a:t>
+                        <a:t>导航栏开发</a:t>
                       </a:r>
                     </a:p>
                   </a:txBody>
@@ -23638,7 +27493,7 @@
                           <a:latin typeface="黑体" panose="02010609060101010101" pitchFamily="49" charset="-122"/>
                           <a:ea typeface="黑体" panose="02010609060101010101" pitchFamily="49" charset="-122"/>
                         </a:rPr>
-                        <a:t>黄钰朝，郭沛</a:t>
+                        <a:t>王树干，魏桂佳</a:t>
                       </a:r>
                     </a:p>
                   </a:txBody>
@@ -23674,19 +27529,6 @@
                         <a:defRPr/>
                       </a:pPr>
                       <a:r>
-                        <a:rPr lang="en-US" altLang="zh-CN" sz="1600" dirty="0">
-                          <a:solidFill>
-                            <a:schemeClr val="tx1">
-                              <a:lumMod val="65000"/>
-                              <a:lumOff val="35000"/>
-                            </a:schemeClr>
-                          </a:solidFill>
-                          <a:latin typeface="黑体" panose="02010609060101010101" pitchFamily="49" charset="-122"/>
-                          <a:ea typeface="黑体" panose="02010609060101010101" pitchFamily="49" charset="-122"/>
-                        </a:rPr>
-                        <a:t>Dao</a:t>
-                      </a:r>
-                      <a:r>
                         <a:rPr lang="zh-CN" altLang="en-US" sz="1600" dirty="0">
                           <a:solidFill>
                             <a:schemeClr val="tx1">
@@ -23697,7 +27539,7 @@
                           <a:latin typeface="黑体" panose="02010609060101010101" pitchFamily="49" charset="-122"/>
                           <a:ea typeface="黑体" panose="02010609060101010101" pitchFamily="49" charset="-122"/>
                         </a:rPr>
-                        <a:t>层构建</a:t>
+                        <a:t>登陆页面</a:t>
                       </a:r>
                     </a:p>
                   </a:txBody>
@@ -23753,7 +27595,7 @@
                           <a:latin typeface="黑体" panose="02010609060101010101" pitchFamily="49" charset="-122"/>
                           <a:ea typeface="黑体" panose="02010609060101010101" pitchFamily="49" charset="-122"/>
                         </a:rPr>
-                        <a:t>黄钰朝</a:t>
+                        <a:t>王树干</a:t>
                       </a:r>
                     </a:p>
                   </a:txBody>
@@ -23783,7 +27625,7 @@
                           <a:latin typeface="黑体" panose="02010609060101010101" pitchFamily="49" charset="-122"/>
                           <a:ea typeface="黑体" panose="02010609060101010101" pitchFamily="49" charset="-122"/>
                         </a:rPr>
-                        <a:t>Service</a:t>
+                        <a:t>“</a:t>
                       </a:r>
                       <a:r>
                         <a:rPr lang="zh-CN" altLang="en-US" sz="1600" dirty="0">
@@ -23796,7 +27638,33 @@
                           <a:latin typeface="黑体" panose="02010609060101010101" pitchFamily="49" charset="-122"/>
                           <a:ea typeface="黑体" panose="02010609060101010101" pitchFamily="49" charset="-122"/>
                         </a:rPr>
-                        <a:t>层基础功能</a:t>
+                        <a:t>关于</a:t>
+                      </a:r>
+                      <a:r>
+                        <a:rPr lang="en-US" altLang="zh-CN" sz="1600" dirty="0">
+                          <a:solidFill>
+                            <a:schemeClr val="tx1">
+                              <a:lumMod val="65000"/>
+                              <a:lumOff val="35000"/>
+                            </a:schemeClr>
+                          </a:solidFill>
+                          <a:latin typeface="黑体" panose="02010609060101010101" pitchFamily="49" charset="-122"/>
+                          <a:ea typeface="黑体" panose="02010609060101010101" pitchFamily="49" charset="-122"/>
+                        </a:rPr>
+                        <a:t>QG”</a:t>
+                      </a:r>
+                      <a:r>
+                        <a:rPr lang="zh-CN" altLang="en-US" sz="1600" dirty="0">
+                          <a:solidFill>
+                            <a:schemeClr val="tx1">
+                              <a:lumMod val="65000"/>
+                              <a:lumOff val="35000"/>
+                            </a:schemeClr>
+                          </a:solidFill>
+                          <a:latin typeface="黑体" panose="02010609060101010101" pitchFamily="49" charset="-122"/>
+                          <a:ea typeface="黑体" panose="02010609060101010101" pitchFamily="49" charset="-122"/>
+                        </a:rPr>
+                        <a:t>页面</a:t>
                       </a:r>
                     </a:p>
                   </a:txBody>
@@ -23852,7 +27720,7 @@
                           <a:latin typeface="黑体" panose="02010609060101010101" pitchFamily="49" charset="-122"/>
                           <a:ea typeface="黑体" panose="02010609060101010101" pitchFamily="49" charset="-122"/>
                         </a:rPr>
-                        <a:t>郭沛</a:t>
+                        <a:t>魏桂佳</a:t>
                       </a:r>
                     </a:p>
                   </a:txBody>
@@ -23882,7 +27750,7 @@
                           <a:latin typeface="黑体" panose="02010609060101010101" pitchFamily="49" charset="-122"/>
                           <a:ea typeface="黑体" panose="02010609060101010101" pitchFamily="49" charset="-122"/>
                         </a:rPr>
-                        <a:t>Excel</a:t>
+                        <a:t>“</a:t>
                       </a:r>
                       <a:r>
                         <a:rPr lang="zh-CN" altLang="en-US" sz="1600" dirty="0">
@@ -23895,7 +27763,33 @@
                           <a:latin typeface="黑体" panose="02010609060101010101" pitchFamily="49" charset="-122"/>
                           <a:ea typeface="黑体" panose="02010609060101010101" pitchFamily="49" charset="-122"/>
                         </a:rPr>
-                        <a:t>文档导入导出</a:t>
+                        <a:t>我们</a:t>
+                      </a:r>
+                      <a:r>
+                        <a:rPr lang="en-US" altLang="zh-CN" sz="1600" dirty="0">
+                          <a:solidFill>
+                            <a:schemeClr val="tx1">
+                              <a:lumMod val="65000"/>
+                              <a:lumOff val="35000"/>
+                            </a:schemeClr>
+                          </a:solidFill>
+                          <a:latin typeface="黑体" panose="02010609060101010101" pitchFamily="49" charset="-122"/>
+                          <a:ea typeface="黑体" panose="02010609060101010101" pitchFamily="49" charset="-122"/>
+                        </a:rPr>
+                        <a:t>”</a:t>
+                      </a:r>
+                      <a:r>
+                        <a:rPr lang="zh-CN" altLang="en-US" sz="1600" dirty="0">
+                          <a:solidFill>
+                            <a:schemeClr val="tx1">
+                              <a:lumMod val="65000"/>
+                              <a:lumOff val="35000"/>
+                            </a:schemeClr>
+                          </a:solidFill>
+                          <a:latin typeface="黑体" panose="02010609060101010101" pitchFamily="49" charset="-122"/>
+                          <a:ea typeface="黑体" panose="02010609060101010101" pitchFamily="49" charset="-122"/>
+                        </a:rPr>
+                        <a:t>页面</a:t>
                       </a:r>
                     </a:p>
                   </a:txBody>
@@ -23951,7 +27845,7 @@
                           <a:latin typeface="黑体" panose="02010609060101010101" pitchFamily="49" charset="-122"/>
                           <a:ea typeface="黑体" panose="02010609060101010101" pitchFamily="49" charset="-122"/>
                         </a:rPr>
-                        <a:t>郭沛</a:t>
+                        <a:t>王树干</a:t>
                       </a:r>
                     </a:p>
                   </a:txBody>
@@ -23971,6 +27865,19 @@
                     <a:p>
                       <a:pPr algn="ctr"/>
                       <a:r>
+                        <a:rPr lang="en-US" altLang="zh-CN" sz="1600" dirty="0">
+                          <a:solidFill>
+                            <a:schemeClr val="tx1">
+                              <a:lumMod val="65000"/>
+                              <a:lumOff val="35000"/>
+                            </a:schemeClr>
+                          </a:solidFill>
+                          <a:latin typeface="黑体" panose="02010609060101010101" pitchFamily="49" charset="-122"/>
+                          <a:ea typeface="黑体" panose="02010609060101010101" pitchFamily="49" charset="-122"/>
+                        </a:rPr>
+                        <a:t>“</a:t>
+                      </a:r>
+                      <a:r>
                         <a:rPr lang="zh-CN" altLang="en-US" sz="1600" dirty="0">
                           <a:solidFill>
                             <a:schemeClr val="tx1">
@@ -23981,7 +27888,7 @@
                           <a:latin typeface="黑体" panose="02010609060101010101" pitchFamily="49" charset="-122"/>
                           <a:ea typeface="黑体" panose="02010609060101010101" pitchFamily="49" charset="-122"/>
                         </a:rPr>
-                        <a:t>日志系统</a:t>
+                        <a:t>成员”页面</a:t>
                       </a:r>
                     </a:p>
                   </a:txBody>
@@ -24037,7 +27944,7 @@
                           <a:latin typeface="黑体" panose="02010609060101010101" pitchFamily="49" charset="-122"/>
                           <a:ea typeface="黑体" panose="02010609060101010101" pitchFamily="49" charset="-122"/>
                         </a:rPr>
-                        <a:t>黄钰朝</a:t>
+                        <a:t>王树干</a:t>
                       </a:r>
                     </a:p>
                   </a:txBody>
@@ -24067,7 +27974,7 @@
                           <a:latin typeface="黑体" panose="02010609060101010101" pitchFamily="49" charset="-122"/>
                           <a:ea typeface="黑体" panose="02010609060101010101" pitchFamily="49" charset="-122"/>
                         </a:rPr>
-                        <a:t>数据校验，异常处理</a:t>
+                        <a:t>“项目”页面</a:t>
                       </a:r>
                     </a:p>
                   </a:txBody>
@@ -24123,7 +28030,7 @@
                           <a:latin typeface="黑体" panose="02010609060101010101" pitchFamily="49" charset="-122"/>
                           <a:ea typeface="黑体" panose="02010609060101010101" pitchFamily="49" charset="-122"/>
                         </a:rPr>
-                        <a:t>黄钰朝，郭沛</a:t>
+                        <a:t>魏桂佳</a:t>
                       </a:r>
                     </a:p>
                   </a:txBody>
@@ -24153,7 +28060,7 @@
                           <a:latin typeface="黑体" panose="02010609060101010101" pitchFamily="49" charset="-122"/>
                           <a:ea typeface="黑体" panose="02010609060101010101" pitchFamily="49" charset="-122"/>
                         </a:rPr>
-                        <a:t>状态码及描述信息编写</a:t>
+                        <a:t>“荣誉”页面</a:t>
                       </a:r>
                     </a:p>
                   </a:txBody>
@@ -24209,7 +28116,7 @@
                           <a:latin typeface="黑体" panose="02010609060101010101" pitchFamily="49" charset="-122"/>
                           <a:ea typeface="黑体" panose="02010609060101010101" pitchFamily="49" charset="-122"/>
                         </a:rPr>
-                        <a:t>黄钰朝，郭沛</a:t>
+                        <a:t>王树干</a:t>
                       </a:r>
                     </a:p>
                   </a:txBody>
@@ -24229,19 +28136,6 @@
                     <a:p>
                       <a:pPr algn="ctr"/>
                       <a:r>
-                        <a:rPr lang="en-US" altLang="zh-CN" sz="1600" dirty="0">
-                          <a:solidFill>
-                            <a:schemeClr val="tx1">
-                              <a:lumMod val="65000"/>
-                              <a:lumOff val="35000"/>
-                            </a:schemeClr>
-                          </a:solidFill>
-                          <a:latin typeface="黑体" panose="02010609060101010101" pitchFamily="49" charset="-122"/>
-                          <a:ea typeface="黑体" panose="02010609060101010101" pitchFamily="49" charset="-122"/>
-                        </a:rPr>
-                        <a:t>API</a:t>
-                      </a:r>
-                      <a:r>
                         <a:rPr lang="zh-CN" altLang="en-US" sz="1600" dirty="0">
                           <a:solidFill>
                             <a:schemeClr val="tx1">
@@ -24252,7 +28146,7 @@
                           <a:latin typeface="黑体" panose="02010609060101010101" pitchFamily="49" charset="-122"/>
                           <a:ea typeface="黑体" panose="02010609060101010101" pitchFamily="49" charset="-122"/>
                         </a:rPr>
-                        <a:t>接口文档编写</a:t>
+                        <a:t>“专栏”页面</a:t>
                       </a:r>
                     </a:p>
                   </a:txBody>
@@ -24308,7 +28202,7 @@
                           <a:latin typeface="黑体" panose="02010609060101010101" pitchFamily="49" charset="-122"/>
                           <a:ea typeface="黑体" panose="02010609060101010101" pitchFamily="49" charset="-122"/>
                         </a:rPr>
-                        <a:t>黄钰朝，郭沛</a:t>
+                        <a:t>魏桂佳</a:t>
                       </a:r>
                     </a:p>
                   </a:txBody>
@@ -24338,33 +28232,7 @@
                           <a:latin typeface="黑体" panose="02010609060101010101" pitchFamily="49" charset="-122"/>
                           <a:ea typeface="黑体" panose="02010609060101010101" pitchFamily="49" charset="-122"/>
                         </a:rPr>
-                        <a:t>接口测试及</a:t>
-                      </a:r>
-                      <a:r>
-                        <a:rPr lang="en-US" altLang="zh-CN" sz="1600" dirty="0">
-                          <a:solidFill>
-                            <a:schemeClr val="tx1">
-                              <a:lumMod val="65000"/>
-                              <a:lumOff val="35000"/>
-                            </a:schemeClr>
-                          </a:solidFill>
-                          <a:latin typeface="黑体" panose="02010609060101010101" pitchFamily="49" charset="-122"/>
-                          <a:ea typeface="黑体" panose="02010609060101010101" pitchFamily="49" charset="-122"/>
-                        </a:rPr>
-                        <a:t>bug</a:t>
-                      </a:r>
-                      <a:r>
-                        <a:rPr lang="zh-CN" altLang="en-US" sz="1600" dirty="0">
-                          <a:solidFill>
-                            <a:schemeClr val="tx1">
-                              <a:lumMod val="65000"/>
-                              <a:lumOff val="35000"/>
-                            </a:schemeClr>
-                          </a:solidFill>
-                          <a:latin typeface="黑体" panose="02010609060101010101" pitchFamily="49" charset="-122"/>
-                          <a:ea typeface="黑体" panose="02010609060101010101" pitchFamily="49" charset="-122"/>
-                        </a:rPr>
-                        <a:t>修复</a:t>
+                        <a:t>整合页面</a:t>
                       </a:r>
                     </a:p>
                   </a:txBody>
@@ -24420,7 +28288,7 @@
                           <a:latin typeface="黑体" panose="02010609060101010101" pitchFamily="49" charset="-122"/>
                           <a:ea typeface="黑体" panose="02010609060101010101" pitchFamily="49" charset="-122"/>
                         </a:rPr>
-                        <a:t>黄钰朝，郭沛</a:t>
+                        <a:t>魏桂佳</a:t>
                       </a:r>
                     </a:p>
                   </a:txBody>
@@ -24466,7 +28334,7 @@
           <a:p>
             <a:r>
               <a:rPr lang="zh-CN" altLang="en-US" dirty="0"/>
-              <a:t>后台组</a:t>
+              <a:t>前端组</a:t>
             </a:r>
           </a:p>
         </p:txBody>
@@ -24474,7 +28342,7 @@
     </p:spTree>
     <p:extLst>
       <p:ext uri="{BB962C8B-B14F-4D97-AF65-F5344CB8AC3E}">
-        <p14:creationId xmlns:p14="http://schemas.microsoft.com/office/powerpoint/2010/main" val="2640346909"/>
+        <p14:creationId xmlns:p14="http://schemas.microsoft.com/office/powerpoint/2010/main" val="1690616894"/>
       </p:ext>
     </p:extLst>
   </p:cSld>
